--- a/Historias/slides/Casa.pptx
+++ b/Historias/slides/Casa.pptx
@@ -105,6 +105,22 @@
       </a:defRPr>
     </a:lvl9pPr>
   </p:defaultTextStyle>
+  <p:extLst>
+    <p:ext uri="{EFAFB233-063F-42B5-8137-9DF3F51BA10A}">
+      <p15:sldGuideLst xmlns:p15="http://schemas.microsoft.com/office/powerpoint/2012/main">
+        <p15:guide id="1" orient="horz" pos="2160">
+          <p15:clr>
+            <a:srgbClr val="A4A3A4"/>
+          </p15:clr>
+        </p15:guide>
+        <p15:guide id="2" pos="2880">
+          <p15:clr>
+            <a:srgbClr val="A4A3A4"/>
+          </p15:clr>
+        </p15:guide>
+      </p15:sldGuideLst>
+    </p:ext>
+  </p:extLst>
 </p:presentation>
 </file>
 
@@ -146,10 +162,9 @@
           <a:lstStyle/>
           <a:p>
             <a:r>
-              <a:rPr lang="pt-BR" smtClean="0"/>
+              <a:rPr lang="pt-BR"/>
               <a:t>Clique para editar o título mestre</a:t>
             </a:r>
-            <a:endParaRPr lang="pt-BR"/>
           </a:p>
         </p:txBody>
       </p:sp>
@@ -265,10 +280,9 @@
           </a:lstStyle>
           <a:p>
             <a:r>
-              <a:rPr lang="pt-BR" smtClean="0"/>
+              <a:rPr lang="pt-BR"/>
               <a:t>Clique para editar o estilo do subtítulo mestre</a:t>
             </a:r>
-            <a:endParaRPr lang="pt-BR"/>
           </a:p>
         </p:txBody>
       </p:sp>
@@ -289,7 +303,7 @@
           <a:p>
             <a:fld id="{06CEF6E6-A810-45F4-8C5E-5AE897541018}" type="datetimeFigureOut">
               <a:rPr lang="pt-BR" smtClean="0"/>
-              <a:t>19/11/2019</a:t>
+              <a:t>20/11/2019</a:t>
             </a:fld>
             <a:endParaRPr lang="pt-BR"/>
           </a:p>
@@ -383,10 +397,9 @@
           <a:lstStyle/>
           <a:p>
             <a:r>
-              <a:rPr lang="pt-BR" smtClean="0"/>
+              <a:rPr lang="pt-BR"/>
               <a:t>Clique para editar o título mestre</a:t>
             </a:r>
-            <a:endParaRPr lang="pt-BR"/>
           </a:p>
         </p:txBody>
       </p:sp>
@@ -407,38 +420,37 @@
           <a:p>
             <a:pPr lvl="0"/>
             <a:r>
-              <a:rPr lang="pt-BR" smtClean="0"/>
+              <a:rPr lang="pt-BR"/>
               <a:t>Clique para editar o texto mestre</a:t>
             </a:r>
           </a:p>
           <a:p>
             <a:pPr lvl="1"/>
             <a:r>
-              <a:rPr lang="pt-BR" smtClean="0"/>
+              <a:rPr lang="pt-BR"/>
               <a:t>Segundo nível</a:t>
             </a:r>
           </a:p>
           <a:p>
             <a:pPr lvl="2"/>
             <a:r>
-              <a:rPr lang="pt-BR" smtClean="0"/>
+              <a:rPr lang="pt-BR"/>
               <a:t>Terceiro nível</a:t>
             </a:r>
           </a:p>
           <a:p>
             <a:pPr lvl="3"/>
             <a:r>
-              <a:rPr lang="pt-BR" smtClean="0"/>
+              <a:rPr lang="pt-BR"/>
               <a:t>Quarto nível</a:t>
             </a:r>
           </a:p>
           <a:p>
             <a:pPr lvl="4"/>
             <a:r>
-              <a:rPr lang="pt-BR" smtClean="0"/>
+              <a:rPr lang="pt-BR"/>
               <a:t>Quinto nível</a:t>
             </a:r>
-            <a:endParaRPr lang="pt-BR"/>
           </a:p>
         </p:txBody>
       </p:sp>
@@ -459,7 +471,7 @@
           <a:p>
             <a:fld id="{06CEF6E6-A810-45F4-8C5E-5AE897541018}" type="datetimeFigureOut">
               <a:rPr lang="pt-BR" smtClean="0"/>
-              <a:t>19/11/2019</a:t>
+              <a:t>20/11/2019</a:t>
             </a:fld>
             <a:endParaRPr lang="pt-BR"/>
           </a:p>
@@ -558,10 +570,9 @@
           <a:lstStyle/>
           <a:p>
             <a:r>
-              <a:rPr lang="pt-BR" smtClean="0"/>
+              <a:rPr lang="pt-BR"/>
               <a:t>Clique para editar o título mestre</a:t>
             </a:r>
-            <a:endParaRPr lang="pt-BR"/>
           </a:p>
         </p:txBody>
       </p:sp>
@@ -587,38 +598,37 @@
           <a:p>
             <a:pPr lvl="0"/>
             <a:r>
-              <a:rPr lang="pt-BR" smtClean="0"/>
+              <a:rPr lang="pt-BR"/>
               <a:t>Clique para editar o texto mestre</a:t>
             </a:r>
           </a:p>
           <a:p>
             <a:pPr lvl="1"/>
             <a:r>
-              <a:rPr lang="pt-BR" smtClean="0"/>
+              <a:rPr lang="pt-BR"/>
               <a:t>Segundo nível</a:t>
             </a:r>
           </a:p>
           <a:p>
             <a:pPr lvl="2"/>
             <a:r>
-              <a:rPr lang="pt-BR" smtClean="0"/>
+              <a:rPr lang="pt-BR"/>
               <a:t>Terceiro nível</a:t>
             </a:r>
           </a:p>
           <a:p>
             <a:pPr lvl="3"/>
             <a:r>
-              <a:rPr lang="pt-BR" smtClean="0"/>
+              <a:rPr lang="pt-BR"/>
               <a:t>Quarto nível</a:t>
             </a:r>
           </a:p>
           <a:p>
             <a:pPr lvl="4"/>
             <a:r>
-              <a:rPr lang="pt-BR" smtClean="0"/>
+              <a:rPr lang="pt-BR"/>
               <a:t>Quinto nível</a:t>
             </a:r>
-            <a:endParaRPr lang="pt-BR"/>
           </a:p>
         </p:txBody>
       </p:sp>
@@ -639,7 +649,7 @@
           <a:p>
             <a:fld id="{06CEF6E6-A810-45F4-8C5E-5AE897541018}" type="datetimeFigureOut">
               <a:rPr lang="pt-BR" smtClean="0"/>
-              <a:t>19/11/2019</a:t>
+              <a:t>20/11/2019</a:t>
             </a:fld>
             <a:endParaRPr lang="pt-BR"/>
           </a:p>
@@ -733,10 +743,9 @@
           <a:lstStyle/>
           <a:p>
             <a:r>
-              <a:rPr lang="pt-BR" smtClean="0"/>
+              <a:rPr lang="pt-BR"/>
               <a:t>Clique para editar o título mestre</a:t>
             </a:r>
-            <a:endParaRPr lang="pt-BR"/>
           </a:p>
         </p:txBody>
       </p:sp>
@@ -757,38 +766,37 @@
           <a:p>
             <a:pPr lvl="0"/>
             <a:r>
-              <a:rPr lang="pt-BR" smtClean="0"/>
+              <a:rPr lang="pt-BR"/>
               <a:t>Clique para editar o texto mestre</a:t>
             </a:r>
           </a:p>
           <a:p>
             <a:pPr lvl="1"/>
             <a:r>
-              <a:rPr lang="pt-BR" smtClean="0"/>
+              <a:rPr lang="pt-BR"/>
               <a:t>Segundo nível</a:t>
             </a:r>
           </a:p>
           <a:p>
             <a:pPr lvl="2"/>
             <a:r>
-              <a:rPr lang="pt-BR" smtClean="0"/>
+              <a:rPr lang="pt-BR"/>
               <a:t>Terceiro nível</a:t>
             </a:r>
           </a:p>
           <a:p>
             <a:pPr lvl="3"/>
             <a:r>
-              <a:rPr lang="pt-BR" smtClean="0"/>
+              <a:rPr lang="pt-BR"/>
               <a:t>Quarto nível</a:t>
             </a:r>
           </a:p>
           <a:p>
             <a:pPr lvl="4"/>
             <a:r>
-              <a:rPr lang="pt-BR" smtClean="0"/>
+              <a:rPr lang="pt-BR"/>
               <a:t>Quinto nível</a:t>
             </a:r>
-            <a:endParaRPr lang="pt-BR"/>
           </a:p>
         </p:txBody>
       </p:sp>
@@ -809,7 +817,7 @@
           <a:p>
             <a:fld id="{06CEF6E6-A810-45F4-8C5E-5AE897541018}" type="datetimeFigureOut">
               <a:rPr lang="pt-BR" smtClean="0"/>
-              <a:t>19/11/2019</a:t>
+              <a:t>20/11/2019</a:t>
             </a:fld>
             <a:endParaRPr lang="pt-BR"/>
           </a:p>
@@ -912,10 +920,9 @@
           </a:lstStyle>
           <a:p>
             <a:r>
-              <a:rPr lang="pt-BR" smtClean="0"/>
+              <a:rPr lang="pt-BR"/>
               <a:t>Clique para editar o título mestre</a:t>
             </a:r>
-            <a:endParaRPr lang="pt-BR"/>
           </a:p>
         </p:txBody>
       </p:sp>
@@ -1032,7 +1039,7 @@
           <a:p>
             <a:pPr lvl="0"/>
             <a:r>
-              <a:rPr lang="pt-BR" smtClean="0"/>
+              <a:rPr lang="pt-BR"/>
               <a:t>Clique para editar o texto mestre</a:t>
             </a:r>
           </a:p>
@@ -1055,7 +1062,7 @@
           <a:p>
             <a:fld id="{06CEF6E6-A810-45F4-8C5E-5AE897541018}" type="datetimeFigureOut">
               <a:rPr lang="pt-BR" smtClean="0"/>
-              <a:t>19/11/2019</a:t>
+              <a:t>20/11/2019</a:t>
             </a:fld>
             <a:endParaRPr lang="pt-BR"/>
           </a:p>
@@ -1149,10 +1156,9 @@
           <a:lstStyle/>
           <a:p>
             <a:r>
-              <a:rPr lang="pt-BR" smtClean="0"/>
+              <a:rPr lang="pt-BR"/>
               <a:t>Clique para editar o título mestre</a:t>
             </a:r>
-            <a:endParaRPr lang="pt-BR"/>
           </a:p>
         </p:txBody>
       </p:sp>
@@ -1206,38 +1212,37 @@
           <a:p>
             <a:pPr lvl="0"/>
             <a:r>
-              <a:rPr lang="pt-BR" smtClean="0"/>
+              <a:rPr lang="pt-BR"/>
               <a:t>Clique para editar o texto mestre</a:t>
             </a:r>
           </a:p>
           <a:p>
             <a:pPr lvl="1"/>
             <a:r>
-              <a:rPr lang="pt-BR" smtClean="0"/>
+              <a:rPr lang="pt-BR"/>
               <a:t>Segundo nível</a:t>
             </a:r>
           </a:p>
           <a:p>
             <a:pPr lvl="2"/>
             <a:r>
-              <a:rPr lang="pt-BR" smtClean="0"/>
+              <a:rPr lang="pt-BR"/>
               <a:t>Terceiro nível</a:t>
             </a:r>
           </a:p>
           <a:p>
             <a:pPr lvl="3"/>
             <a:r>
-              <a:rPr lang="pt-BR" smtClean="0"/>
+              <a:rPr lang="pt-BR"/>
               <a:t>Quarto nível</a:t>
             </a:r>
           </a:p>
           <a:p>
             <a:pPr lvl="4"/>
             <a:r>
-              <a:rPr lang="pt-BR" smtClean="0"/>
+              <a:rPr lang="pt-BR"/>
               <a:t>Quinto nível</a:t>
             </a:r>
-            <a:endParaRPr lang="pt-BR"/>
           </a:p>
         </p:txBody>
       </p:sp>
@@ -1291,38 +1296,37 @@
           <a:p>
             <a:pPr lvl="0"/>
             <a:r>
-              <a:rPr lang="pt-BR" smtClean="0"/>
+              <a:rPr lang="pt-BR"/>
               <a:t>Clique para editar o texto mestre</a:t>
             </a:r>
           </a:p>
           <a:p>
             <a:pPr lvl="1"/>
             <a:r>
-              <a:rPr lang="pt-BR" smtClean="0"/>
+              <a:rPr lang="pt-BR"/>
               <a:t>Segundo nível</a:t>
             </a:r>
           </a:p>
           <a:p>
             <a:pPr lvl="2"/>
             <a:r>
-              <a:rPr lang="pt-BR" smtClean="0"/>
+              <a:rPr lang="pt-BR"/>
               <a:t>Terceiro nível</a:t>
             </a:r>
           </a:p>
           <a:p>
             <a:pPr lvl="3"/>
             <a:r>
-              <a:rPr lang="pt-BR" smtClean="0"/>
+              <a:rPr lang="pt-BR"/>
               <a:t>Quarto nível</a:t>
             </a:r>
           </a:p>
           <a:p>
             <a:pPr lvl="4"/>
             <a:r>
-              <a:rPr lang="pt-BR" smtClean="0"/>
+              <a:rPr lang="pt-BR"/>
               <a:t>Quinto nível</a:t>
             </a:r>
-            <a:endParaRPr lang="pt-BR"/>
           </a:p>
         </p:txBody>
       </p:sp>
@@ -1343,7 +1347,7 @@
           <a:p>
             <a:fld id="{06CEF6E6-A810-45F4-8C5E-5AE897541018}" type="datetimeFigureOut">
               <a:rPr lang="pt-BR" smtClean="0"/>
-              <a:t>19/11/2019</a:t>
+              <a:t>20/11/2019</a:t>
             </a:fld>
             <a:endParaRPr lang="pt-BR"/>
           </a:p>
@@ -1441,10 +1445,9 @@
           </a:lstStyle>
           <a:p>
             <a:r>
-              <a:rPr lang="pt-BR" smtClean="0"/>
+              <a:rPr lang="pt-BR"/>
               <a:t>Clique para editar o título mestre</a:t>
             </a:r>
-            <a:endParaRPr lang="pt-BR"/>
           </a:p>
         </p:txBody>
       </p:sp>
@@ -1507,7 +1510,7 @@
           <a:p>
             <a:pPr lvl="0"/>
             <a:r>
-              <a:rPr lang="pt-BR" smtClean="0"/>
+              <a:rPr lang="pt-BR"/>
               <a:t>Clique para editar o texto mestre</a:t>
             </a:r>
           </a:p>
@@ -1563,38 +1566,37 @@
           <a:p>
             <a:pPr lvl="0"/>
             <a:r>
-              <a:rPr lang="pt-BR" smtClean="0"/>
+              <a:rPr lang="pt-BR"/>
               <a:t>Clique para editar o texto mestre</a:t>
             </a:r>
           </a:p>
           <a:p>
             <a:pPr lvl="1"/>
             <a:r>
-              <a:rPr lang="pt-BR" smtClean="0"/>
+              <a:rPr lang="pt-BR"/>
               <a:t>Segundo nível</a:t>
             </a:r>
           </a:p>
           <a:p>
             <a:pPr lvl="2"/>
             <a:r>
-              <a:rPr lang="pt-BR" smtClean="0"/>
+              <a:rPr lang="pt-BR"/>
               <a:t>Terceiro nível</a:t>
             </a:r>
           </a:p>
           <a:p>
             <a:pPr lvl="3"/>
             <a:r>
-              <a:rPr lang="pt-BR" smtClean="0"/>
+              <a:rPr lang="pt-BR"/>
               <a:t>Quarto nível</a:t>
             </a:r>
           </a:p>
           <a:p>
             <a:pPr lvl="4"/>
             <a:r>
-              <a:rPr lang="pt-BR" smtClean="0"/>
+              <a:rPr lang="pt-BR"/>
               <a:t>Quinto nível</a:t>
             </a:r>
-            <a:endParaRPr lang="pt-BR"/>
           </a:p>
         </p:txBody>
       </p:sp>
@@ -1657,7 +1659,7 @@
           <a:p>
             <a:pPr lvl="0"/>
             <a:r>
-              <a:rPr lang="pt-BR" smtClean="0"/>
+              <a:rPr lang="pt-BR"/>
               <a:t>Clique para editar o texto mestre</a:t>
             </a:r>
           </a:p>
@@ -1713,38 +1715,37 @@
           <a:p>
             <a:pPr lvl="0"/>
             <a:r>
-              <a:rPr lang="pt-BR" smtClean="0"/>
+              <a:rPr lang="pt-BR"/>
               <a:t>Clique para editar o texto mestre</a:t>
             </a:r>
           </a:p>
           <a:p>
             <a:pPr lvl="1"/>
             <a:r>
-              <a:rPr lang="pt-BR" smtClean="0"/>
+              <a:rPr lang="pt-BR"/>
               <a:t>Segundo nível</a:t>
             </a:r>
           </a:p>
           <a:p>
             <a:pPr lvl="2"/>
             <a:r>
-              <a:rPr lang="pt-BR" smtClean="0"/>
+              <a:rPr lang="pt-BR"/>
               <a:t>Terceiro nível</a:t>
             </a:r>
           </a:p>
           <a:p>
             <a:pPr lvl="3"/>
             <a:r>
-              <a:rPr lang="pt-BR" smtClean="0"/>
+              <a:rPr lang="pt-BR"/>
               <a:t>Quarto nível</a:t>
             </a:r>
           </a:p>
           <a:p>
             <a:pPr lvl="4"/>
             <a:r>
-              <a:rPr lang="pt-BR" smtClean="0"/>
+              <a:rPr lang="pt-BR"/>
               <a:t>Quinto nível</a:t>
             </a:r>
-            <a:endParaRPr lang="pt-BR"/>
           </a:p>
         </p:txBody>
       </p:sp>
@@ -1765,7 +1766,7 @@
           <a:p>
             <a:fld id="{06CEF6E6-A810-45F4-8C5E-5AE897541018}" type="datetimeFigureOut">
               <a:rPr lang="pt-BR" smtClean="0"/>
-              <a:t>19/11/2019</a:t>
+              <a:t>20/11/2019</a:t>
             </a:fld>
             <a:endParaRPr lang="pt-BR"/>
           </a:p>
@@ -1859,10 +1860,9 @@
           <a:lstStyle/>
           <a:p>
             <a:r>
-              <a:rPr lang="pt-BR" smtClean="0"/>
+              <a:rPr lang="pt-BR"/>
               <a:t>Clique para editar o título mestre</a:t>
             </a:r>
-            <a:endParaRPr lang="pt-BR"/>
           </a:p>
         </p:txBody>
       </p:sp>
@@ -1883,7 +1883,7 @@
           <a:p>
             <a:fld id="{06CEF6E6-A810-45F4-8C5E-5AE897541018}" type="datetimeFigureOut">
               <a:rPr lang="pt-BR" smtClean="0"/>
-              <a:t>19/11/2019</a:t>
+              <a:t>20/11/2019</a:t>
             </a:fld>
             <a:endParaRPr lang="pt-BR"/>
           </a:p>
@@ -1978,7 +1978,7 @@
           <a:p>
             <a:fld id="{06CEF6E6-A810-45F4-8C5E-5AE897541018}" type="datetimeFigureOut">
               <a:rPr lang="pt-BR" smtClean="0"/>
-              <a:t>19/11/2019</a:t>
+              <a:t>20/11/2019</a:t>
             </a:fld>
             <a:endParaRPr lang="pt-BR"/>
           </a:p>
@@ -2081,10 +2081,9 @@
           </a:lstStyle>
           <a:p>
             <a:r>
-              <a:rPr lang="pt-BR" smtClean="0"/>
+              <a:rPr lang="pt-BR"/>
               <a:t>Clique para editar o título mestre</a:t>
             </a:r>
-            <a:endParaRPr lang="pt-BR"/>
           </a:p>
         </p:txBody>
       </p:sp>
@@ -2138,38 +2137,37 @@
           <a:p>
             <a:pPr lvl="0"/>
             <a:r>
-              <a:rPr lang="pt-BR" smtClean="0"/>
+              <a:rPr lang="pt-BR"/>
               <a:t>Clique para editar o texto mestre</a:t>
             </a:r>
           </a:p>
           <a:p>
             <a:pPr lvl="1"/>
             <a:r>
-              <a:rPr lang="pt-BR" smtClean="0"/>
+              <a:rPr lang="pt-BR"/>
               <a:t>Segundo nível</a:t>
             </a:r>
           </a:p>
           <a:p>
             <a:pPr lvl="2"/>
             <a:r>
-              <a:rPr lang="pt-BR" smtClean="0"/>
+              <a:rPr lang="pt-BR"/>
               <a:t>Terceiro nível</a:t>
             </a:r>
           </a:p>
           <a:p>
             <a:pPr lvl="3"/>
             <a:r>
-              <a:rPr lang="pt-BR" smtClean="0"/>
+              <a:rPr lang="pt-BR"/>
               <a:t>Quarto nível</a:t>
             </a:r>
           </a:p>
           <a:p>
             <a:pPr lvl="4"/>
             <a:r>
-              <a:rPr lang="pt-BR" smtClean="0"/>
+              <a:rPr lang="pt-BR"/>
               <a:t>Quinto nível</a:t>
             </a:r>
-            <a:endParaRPr lang="pt-BR"/>
           </a:p>
         </p:txBody>
       </p:sp>
@@ -2232,7 +2230,7 @@
           <a:p>
             <a:pPr lvl="0"/>
             <a:r>
-              <a:rPr lang="pt-BR" smtClean="0"/>
+              <a:rPr lang="pt-BR"/>
               <a:t>Clique para editar o texto mestre</a:t>
             </a:r>
           </a:p>
@@ -2255,7 +2253,7 @@
           <a:p>
             <a:fld id="{06CEF6E6-A810-45F4-8C5E-5AE897541018}" type="datetimeFigureOut">
               <a:rPr lang="pt-BR" smtClean="0"/>
-              <a:t>19/11/2019</a:t>
+              <a:t>20/11/2019</a:t>
             </a:fld>
             <a:endParaRPr lang="pt-BR"/>
           </a:p>
@@ -2358,10 +2356,9 @@
           </a:lstStyle>
           <a:p>
             <a:r>
-              <a:rPr lang="pt-BR" smtClean="0"/>
+              <a:rPr lang="pt-BR"/>
               <a:t>Clique para editar o título mestre</a:t>
             </a:r>
-            <a:endParaRPr lang="pt-BR"/>
           </a:p>
         </p:txBody>
       </p:sp>
@@ -2485,7 +2482,7 @@
           <a:p>
             <a:pPr lvl="0"/>
             <a:r>
-              <a:rPr lang="pt-BR" smtClean="0"/>
+              <a:rPr lang="pt-BR"/>
               <a:t>Clique para editar o texto mestre</a:t>
             </a:r>
           </a:p>
@@ -2508,7 +2505,7 @@
           <a:p>
             <a:fld id="{06CEF6E6-A810-45F4-8C5E-5AE897541018}" type="datetimeFigureOut">
               <a:rPr lang="pt-BR" smtClean="0"/>
-              <a:t>19/11/2019</a:t>
+              <a:t>20/11/2019</a:t>
             </a:fld>
             <a:endParaRPr lang="pt-BR"/>
           </a:p>
@@ -2617,10 +2614,9 @@
           <a:lstStyle/>
           <a:p>
             <a:r>
-              <a:rPr lang="pt-BR" smtClean="0"/>
+              <a:rPr lang="pt-BR"/>
               <a:t>Clique para editar o título mestre</a:t>
             </a:r>
-            <a:endParaRPr lang="pt-BR"/>
           </a:p>
         </p:txBody>
       </p:sp>
@@ -2651,38 +2647,37 @@
           <a:p>
             <a:pPr lvl="0"/>
             <a:r>
-              <a:rPr lang="pt-BR" smtClean="0"/>
+              <a:rPr lang="pt-BR"/>
               <a:t>Clique para editar o texto mestre</a:t>
             </a:r>
           </a:p>
           <a:p>
             <a:pPr lvl="1"/>
             <a:r>
-              <a:rPr lang="pt-BR" smtClean="0"/>
+              <a:rPr lang="pt-BR"/>
               <a:t>Segundo nível</a:t>
             </a:r>
           </a:p>
           <a:p>
             <a:pPr lvl="2"/>
             <a:r>
-              <a:rPr lang="pt-BR" smtClean="0"/>
+              <a:rPr lang="pt-BR"/>
               <a:t>Terceiro nível</a:t>
             </a:r>
           </a:p>
           <a:p>
             <a:pPr lvl="3"/>
             <a:r>
-              <a:rPr lang="pt-BR" smtClean="0"/>
+              <a:rPr lang="pt-BR"/>
               <a:t>Quarto nível</a:t>
             </a:r>
           </a:p>
           <a:p>
             <a:pPr lvl="4"/>
             <a:r>
-              <a:rPr lang="pt-BR" smtClean="0"/>
+              <a:rPr lang="pt-BR"/>
               <a:t>Quinto nível</a:t>
             </a:r>
-            <a:endParaRPr lang="pt-BR"/>
           </a:p>
         </p:txBody>
       </p:sp>
@@ -2721,7 +2716,7 @@
           <a:p>
             <a:fld id="{06CEF6E6-A810-45F4-8C5E-5AE897541018}" type="datetimeFigureOut">
               <a:rPr lang="pt-BR" smtClean="0"/>
-              <a:t>19/11/2019</a:t>
+              <a:t>20/11/2019</a:t>
             </a:fld>
             <a:endParaRPr lang="pt-BR"/>
           </a:p>
@@ -9329,7 +9324,7 @@
         </p:blipFill>
         <p:spPr bwMode="auto">
           <a:xfrm>
-            <a:off x="155575" y="-2147888"/>
+            <a:off x="-3762344" y="1644152"/>
             <a:ext cx="5715000" cy="4476751"/>
           </a:xfrm>
           <a:prstGeom prst="rect">
@@ -9347,899 +9342,5192 @@
           </a:extLst>
         </p:spPr>
       </p:pic>
-      <p:sp>
-        <p:nvSpPr>
-          <p:cNvPr id="5" name="Retângulo 4"/>
-          <p:cNvSpPr/>
+      <p:grpSp>
+        <p:nvGrpSpPr>
+          <p:cNvPr id="22" name="Agrupar 21">
+            <a:extLst>
+              <a:ext uri="{FF2B5EF4-FFF2-40B4-BE49-F238E27FC236}">
+                <a16:creationId xmlns:a16="http://schemas.microsoft.com/office/drawing/2014/main" id="{C41B9FFE-13FC-49CE-8A56-31CCC3A2A201}"/>
+              </a:ext>
+            </a:extLst>
+          </p:cNvPr>
+          <p:cNvGrpSpPr/>
           <p:nvPr/>
-        </p:nvSpPr>
-        <p:spPr>
-          <a:xfrm rot="19478001">
-            <a:off x="5173984" y="3254555"/>
-            <a:ext cx="190500" cy="1452300"/>
+        </p:nvGrpSpPr>
+        <p:grpSpPr>
+          <a:xfrm>
+            <a:off x="3488707" y="512910"/>
+            <a:ext cx="3496049" cy="4193945"/>
+            <a:chOff x="3488707" y="512910"/>
+            <a:chExt cx="3496049" cy="4193945"/>
           </a:xfrm>
-          <a:prstGeom prst="rect">
-            <a:avLst/>
-          </a:prstGeom>
-          <a:solidFill>
-            <a:srgbClr val="795547"/>
-          </a:solidFill>
-          <a:ln>
+        </p:grpSpPr>
+        <p:sp>
+          <p:nvSpPr>
+            <p:cNvPr id="14" name="Forma Livre: Forma 13">
+              <a:extLst>
+                <a:ext uri="{FF2B5EF4-FFF2-40B4-BE49-F238E27FC236}">
+                  <a16:creationId xmlns:a16="http://schemas.microsoft.com/office/drawing/2014/main" id="{82ABE1E8-B927-4E2E-ACF8-86ADCDF6FB4D}"/>
+                </a:ext>
+              </a:extLst>
+            </p:cNvPr>
+            <p:cNvSpPr/>
+            <p:nvPr/>
+          </p:nvSpPr>
+          <p:spPr>
+            <a:xfrm>
+              <a:off x="3488707" y="759581"/>
+              <a:ext cx="3252549" cy="1769142"/>
+            </a:xfrm>
+            <a:custGeom>
+              <a:avLst/>
+              <a:gdLst>
+                <a:gd name="connsiteX0" fmla="*/ 365975 w 2139400"/>
+                <a:gd name="connsiteY0" fmla="*/ 1016410 h 1169413"/>
+                <a:gd name="connsiteX1" fmla="*/ 318350 w 2139400"/>
+                <a:gd name="connsiteY1" fmla="*/ 980215 h 1169413"/>
+                <a:gd name="connsiteX2" fmla="*/ 331685 w 2139400"/>
+                <a:gd name="connsiteY2" fmla="*/ 945925 h 1169413"/>
+                <a:gd name="connsiteX3" fmla="*/ 285965 w 2139400"/>
+                <a:gd name="connsiteY3" fmla="*/ 930685 h 1169413"/>
+                <a:gd name="connsiteX4" fmla="*/ 245960 w 2139400"/>
+                <a:gd name="connsiteY4" fmla="*/ 955450 h 1169413"/>
+                <a:gd name="connsiteX5" fmla="*/ 207860 w 2139400"/>
+                <a:gd name="connsiteY5" fmla="*/ 993550 h 1169413"/>
+                <a:gd name="connsiteX6" fmla="*/ 207860 w 2139400"/>
+                <a:gd name="connsiteY6" fmla="*/ 993550 h 1169413"/>
+                <a:gd name="connsiteX7" fmla="*/ 179285 w 2139400"/>
+                <a:gd name="connsiteY7" fmla="*/ 982120 h 1169413"/>
+                <a:gd name="connsiteX8" fmla="*/ 164045 w 2139400"/>
+                <a:gd name="connsiteY8" fmla="*/ 951640 h 1169413"/>
+                <a:gd name="connsiteX9" fmla="*/ 209765 w 2139400"/>
+                <a:gd name="connsiteY9" fmla="*/ 911635 h 1169413"/>
+                <a:gd name="connsiteX10" fmla="*/ 200240 w 2139400"/>
+                <a:gd name="connsiteY10" fmla="*/ 869725 h 1169413"/>
+                <a:gd name="connsiteX11" fmla="*/ 141185 w 2139400"/>
+                <a:gd name="connsiteY11" fmla="*/ 894490 h 1169413"/>
+                <a:gd name="connsiteX12" fmla="*/ 104990 w 2139400"/>
+                <a:gd name="connsiteY12" fmla="*/ 928780 h 1169413"/>
+                <a:gd name="connsiteX13" fmla="*/ 55460 w 2139400"/>
+                <a:gd name="connsiteY13" fmla="*/ 959260 h 1169413"/>
+                <a:gd name="connsiteX14" fmla="*/ 34505 w 2139400"/>
+                <a:gd name="connsiteY14" fmla="*/ 976405 h 1169413"/>
+                <a:gd name="connsiteX15" fmla="*/ 215 w 2139400"/>
+                <a:gd name="connsiteY15" fmla="*/ 945925 h 1169413"/>
+                <a:gd name="connsiteX16" fmla="*/ 21170 w 2139400"/>
+                <a:gd name="connsiteY16" fmla="*/ 904015 h 1169413"/>
+                <a:gd name="connsiteX17" fmla="*/ 45935 w 2139400"/>
+                <a:gd name="connsiteY17" fmla="*/ 869725 h 1169413"/>
+                <a:gd name="connsiteX18" fmla="*/ 104990 w 2139400"/>
+                <a:gd name="connsiteY18" fmla="*/ 793525 h 1169413"/>
+                <a:gd name="connsiteX19" fmla="*/ 200240 w 2139400"/>
+                <a:gd name="connsiteY19" fmla="*/ 734470 h 1169413"/>
+                <a:gd name="connsiteX20" fmla="*/ 217385 w 2139400"/>
+                <a:gd name="connsiteY20" fmla="*/ 625885 h 1169413"/>
+                <a:gd name="connsiteX21" fmla="*/ 217385 w 2139400"/>
+                <a:gd name="connsiteY21" fmla="*/ 625885 h 1169413"/>
+                <a:gd name="connsiteX22" fmla="*/ 196430 w 2139400"/>
+                <a:gd name="connsiteY22" fmla="*/ 610645 h 1169413"/>
+                <a:gd name="connsiteX23" fmla="*/ 146900 w 2139400"/>
+                <a:gd name="connsiteY23" fmla="*/ 648745 h 1169413"/>
+                <a:gd name="connsiteX24" fmla="*/ 103085 w 2139400"/>
+                <a:gd name="connsiteY24" fmla="*/ 681130 h 1169413"/>
+                <a:gd name="connsiteX25" fmla="*/ 68795 w 2139400"/>
+                <a:gd name="connsiteY25" fmla="*/ 660175 h 1169413"/>
+                <a:gd name="connsiteX26" fmla="*/ 64985 w 2139400"/>
+                <a:gd name="connsiteY26" fmla="*/ 583975 h 1169413"/>
+                <a:gd name="connsiteX27" fmla="*/ 103085 w 2139400"/>
+                <a:gd name="connsiteY27" fmla="*/ 521110 h 1169413"/>
+                <a:gd name="connsiteX28" fmla="*/ 169760 w 2139400"/>
+                <a:gd name="connsiteY28" fmla="*/ 450625 h 1169413"/>
+                <a:gd name="connsiteX29" fmla="*/ 226910 w 2139400"/>
+                <a:gd name="connsiteY29" fmla="*/ 458245 h 1169413"/>
+                <a:gd name="connsiteX30" fmla="*/ 259295 w 2139400"/>
+                <a:gd name="connsiteY30" fmla="*/ 450625 h 1169413"/>
+                <a:gd name="connsiteX31" fmla="*/ 274535 w 2139400"/>
+                <a:gd name="connsiteY31" fmla="*/ 433480 h 1169413"/>
+                <a:gd name="connsiteX32" fmla="*/ 280250 w 2139400"/>
+                <a:gd name="connsiteY32" fmla="*/ 372520 h 1169413"/>
+                <a:gd name="connsiteX33" fmla="*/ 257390 w 2139400"/>
+                <a:gd name="connsiteY33" fmla="*/ 368710 h 1169413"/>
+                <a:gd name="connsiteX34" fmla="*/ 171665 w 2139400"/>
+                <a:gd name="connsiteY34" fmla="*/ 362995 h 1169413"/>
+                <a:gd name="connsiteX35" fmla="*/ 141185 w 2139400"/>
+                <a:gd name="connsiteY35" fmla="*/ 336325 h 1169413"/>
+                <a:gd name="connsiteX36" fmla="*/ 103085 w 2139400"/>
+                <a:gd name="connsiteY36" fmla="*/ 284890 h 1169413"/>
+                <a:gd name="connsiteX37" fmla="*/ 186905 w 2139400"/>
+                <a:gd name="connsiteY37" fmla="*/ 233455 h 1169413"/>
+                <a:gd name="connsiteX38" fmla="*/ 293585 w 2139400"/>
+                <a:gd name="connsiteY38" fmla="*/ 271555 h 1169413"/>
+                <a:gd name="connsiteX39" fmla="*/ 324065 w 2139400"/>
+                <a:gd name="connsiteY39" fmla="*/ 309655 h 1169413"/>
+                <a:gd name="connsiteX40" fmla="*/ 348830 w 2139400"/>
+                <a:gd name="connsiteY40" fmla="*/ 246790 h 1169413"/>
+                <a:gd name="connsiteX41" fmla="*/ 226910 w 2139400"/>
+                <a:gd name="connsiteY41" fmla="*/ 168685 h 1169413"/>
+                <a:gd name="connsiteX42" fmla="*/ 165950 w 2139400"/>
+                <a:gd name="connsiteY42" fmla="*/ 105820 h 1169413"/>
+                <a:gd name="connsiteX43" fmla="*/ 223100 w 2139400"/>
+                <a:gd name="connsiteY43" fmla="*/ 56290 h 1169413"/>
+                <a:gd name="connsiteX44" fmla="*/ 358355 w 2139400"/>
+                <a:gd name="connsiteY44" fmla="*/ 111535 h 1169413"/>
+                <a:gd name="connsiteX45" fmla="*/ 413600 w 2139400"/>
+                <a:gd name="connsiteY45" fmla="*/ 218215 h 1169413"/>
+                <a:gd name="connsiteX46" fmla="*/ 463130 w 2139400"/>
+                <a:gd name="connsiteY46" fmla="*/ 355375 h 1169413"/>
+                <a:gd name="connsiteX47" fmla="*/ 505040 w 2139400"/>
+                <a:gd name="connsiteY47" fmla="*/ 433480 h 1169413"/>
+                <a:gd name="connsiteX48" fmla="*/ 550760 w 2139400"/>
+                <a:gd name="connsiteY48" fmla="*/ 437290 h 1169413"/>
+                <a:gd name="connsiteX49" fmla="*/ 556475 w 2139400"/>
+                <a:gd name="connsiteY49" fmla="*/ 361090 h 1169413"/>
+                <a:gd name="connsiteX50" fmla="*/ 508850 w 2139400"/>
+                <a:gd name="connsiteY50" fmla="*/ 105820 h 1169413"/>
+                <a:gd name="connsiteX51" fmla="*/ 516470 w 2139400"/>
+                <a:gd name="connsiteY51" fmla="*/ 2950 h 1169413"/>
+                <a:gd name="connsiteX52" fmla="*/ 554570 w 2139400"/>
+                <a:gd name="connsiteY52" fmla="*/ 25810 h 1169413"/>
+                <a:gd name="connsiteX53" fmla="*/ 554570 w 2139400"/>
+                <a:gd name="connsiteY53" fmla="*/ 25810 h 1169413"/>
+                <a:gd name="connsiteX54" fmla="*/ 581240 w 2139400"/>
+                <a:gd name="connsiteY54" fmla="*/ 176305 h 1169413"/>
+                <a:gd name="connsiteX55" fmla="*/ 615530 w 2139400"/>
+                <a:gd name="connsiteY55" fmla="*/ 347755 h 1169413"/>
+                <a:gd name="connsiteX56" fmla="*/ 678395 w 2139400"/>
+                <a:gd name="connsiteY56" fmla="*/ 412525 h 1169413"/>
+                <a:gd name="connsiteX57" fmla="*/ 716495 w 2139400"/>
+                <a:gd name="connsiteY57" fmla="*/ 332515 h 1169413"/>
+                <a:gd name="connsiteX58" fmla="*/ 722210 w 2139400"/>
+                <a:gd name="connsiteY58" fmla="*/ 281080 h 1169413"/>
+                <a:gd name="connsiteX59" fmla="*/ 777455 w 2139400"/>
+                <a:gd name="connsiteY59" fmla="*/ 342040 h 1169413"/>
+                <a:gd name="connsiteX60" fmla="*/ 767930 w 2139400"/>
+                <a:gd name="connsiteY60" fmla="*/ 452530 h 1169413"/>
+                <a:gd name="connsiteX61" fmla="*/ 800315 w 2139400"/>
+                <a:gd name="connsiteY61" fmla="*/ 696370 h 1169413"/>
+                <a:gd name="connsiteX62" fmla="*/ 1040345 w 2139400"/>
+                <a:gd name="connsiteY62" fmla="*/ 759235 h 1169413"/>
+                <a:gd name="connsiteX63" fmla="*/ 1289900 w 2139400"/>
+                <a:gd name="connsiteY63" fmla="*/ 599215 h 1169413"/>
+                <a:gd name="connsiteX64" fmla="*/ 1392770 w 2139400"/>
+                <a:gd name="connsiteY64" fmla="*/ 302035 h 1169413"/>
+                <a:gd name="connsiteX65" fmla="*/ 1510880 w 2139400"/>
+                <a:gd name="connsiteY65" fmla="*/ 172495 h 1169413"/>
+                <a:gd name="connsiteX66" fmla="*/ 1602320 w 2139400"/>
+                <a:gd name="connsiteY66" fmla="*/ 143920 h 1169413"/>
+                <a:gd name="connsiteX67" fmla="*/ 1663280 w 2139400"/>
+                <a:gd name="connsiteY67" fmla="*/ 130585 h 1169413"/>
+                <a:gd name="connsiteX68" fmla="*/ 1722335 w 2139400"/>
+                <a:gd name="connsiteY68" fmla="*/ 126775 h 1169413"/>
+                <a:gd name="connsiteX69" fmla="*/ 1724240 w 2139400"/>
+                <a:gd name="connsiteY69" fmla="*/ 161065 h 1169413"/>
+                <a:gd name="connsiteX70" fmla="*/ 1621370 w 2139400"/>
+                <a:gd name="connsiteY70" fmla="*/ 216310 h 1169413"/>
+                <a:gd name="connsiteX71" fmla="*/ 1554695 w 2139400"/>
+                <a:gd name="connsiteY71" fmla="*/ 214405 h 1169413"/>
+                <a:gd name="connsiteX72" fmla="*/ 1548980 w 2139400"/>
+                <a:gd name="connsiteY72" fmla="*/ 269650 h 1169413"/>
+                <a:gd name="connsiteX73" fmla="*/ 1743290 w 2139400"/>
+                <a:gd name="connsiteY73" fmla="*/ 267745 h 1169413"/>
+                <a:gd name="connsiteX74" fmla="*/ 1889975 w 2139400"/>
+                <a:gd name="connsiteY74" fmla="*/ 193450 h 1169413"/>
+                <a:gd name="connsiteX75" fmla="*/ 2070950 w 2139400"/>
+                <a:gd name="connsiteY75" fmla="*/ 197260 h 1169413"/>
+                <a:gd name="connsiteX76" fmla="*/ 2070950 w 2139400"/>
+                <a:gd name="connsiteY76" fmla="*/ 197260 h 1169413"/>
+                <a:gd name="connsiteX77" fmla="*/ 2137625 w 2139400"/>
+                <a:gd name="connsiteY77" fmla="*/ 302035 h 1169413"/>
+                <a:gd name="connsiteX78" fmla="*/ 1989035 w 2139400"/>
+                <a:gd name="connsiteY78" fmla="*/ 298225 h 1169413"/>
+                <a:gd name="connsiteX79" fmla="*/ 1853780 w 2139400"/>
+                <a:gd name="connsiteY79" fmla="*/ 288700 h 1169413"/>
+                <a:gd name="connsiteX80" fmla="*/ 1771865 w 2139400"/>
+                <a:gd name="connsiteY80" fmla="*/ 349660 h 1169413"/>
+                <a:gd name="connsiteX81" fmla="*/ 1827110 w 2139400"/>
+                <a:gd name="connsiteY81" fmla="*/ 395380 h 1169413"/>
+                <a:gd name="connsiteX82" fmla="*/ 1950935 w 2139400"/>
+                <a:gd name="connsiteY82" fmla="*/ 382045 h 1169413"/>
+                <a:gd name="connsiteX83" fmla="*/ 2061425 w 2139400"/>
+                <a:gd name="connsiteY83" fmla="*/ 383950 h 1169413"/>
+                <a:gd name="connsiteX84" fmla="*/ 2057615 w 2139400"/>
+                <a:gd name="connsiteY84" fmla="*/ 521110 h 1169413"/>
+                <a:gd name="connsiteX85" fmla="*/ 1950935 w 2139400"/>
+                <a:gd name="connsiteY85" fmla="*/ 490630 h 1169413"/>
+                <a:gd name="connsiteX86" fmla="*/ 1846160 w 2139400"/>
+                <a:gd name="connsiteY86" fmla="*/ 452530 h 1169413"/>
+                <a:gd name="connsiteX87" fmla="*/ 1756625 w 2139400"/>
+                <a:gd name="connsiteY87" fmla="*/ 439195 h 1169413"/>
+                <a:gd name="connsiteX88" fmla="*/ 1707095 w 2139400"/>
+                <a:gd name="connsiteY88" fmla="*/ 427765 h 1169413"/>
+                <a:gd name="connsiteX89" fmla="*/ 1688045 w 2139400"/>
+                <a:gd name="connsiteY89" fmla="*/ 524920 h 1169413"/>
+                <a:gd name="connsiteX90" fmla="*/ 1789010 w 2139400"/>
+                <a:gd name="connsiteY90" fmla="*/ 587785 h 1169413"/>
+                <a:gd name="connsiteX91" fmla="*/ 1895690 w 2139400"/>
+                <a:gd name="connsiteY91" fmla="*/ 610645 h 1169413"/>
+                <a:gd name="connsiteX92" fmla="*/ 1968080 w 2139400"/>
+                <a:gd name="connsiteY92" fmla="*/ 656365 h 1169413"/>
+                <a:gd name="connsiteX93" fmla="*/ 2023325 w 2139400"/>
+                <a:gd name="connsiteY93" fmla="*/ 703990 h 1169413"/>
+                <a:gd name="connsiteX94" fmla="*/ 1964270 w 2139400"/>
+                <a:gd name="connsiteY94" fmla="*/ 816385 h 1169413"/>
+                <a:gd name="connsiteX95" fmla="*/ 1859495 w 2139400"/>
+                <a:gd name="connsiteY95" fmla="*/ 745900 h 1169413"/>
+                <a:gd name="connsiteX96" fmla="*/ 1739480 w 2139400"/>
+                <a:gd name="connsiteY96" fmla="*/ 700180 h 1169413"/>
+                <a:gd name="connsiteX97" fmla="*/ 1665185 w 2139400"/>
+                <a:gd name="connsiteY97" fmla="*/ 732565 h 1169413"/>
+                <a:gd name="connsiteX98" fmla="*/ 1720430 w 2139400"/>
+                <a:gd name="connsiteY98" fmla="*/ 820195 h 1169413"/>
+                <a:gd name="connsiteX99" fmla="*/ 1806155 w 2139400"/>
+                <a:gd name="connsiteY99" fmla="*/ 858295 h 1169413"/>
+                <a:gd name="connsiteX100" fmla="*/ 1874735 w 2139400"/>
+                <a:gd name="connsiteY100" fmla="*/ 936400 h 1169413"/>
+                <a:gd name="connsiteX101" fmla="*/ 1796630 w 2139400"/>
+                <a:gd name="connsiteY101" fmla="*/ 944020 h 1169413"/>
+                <a:gd name="connsiteX102" fmla="*/ 1846160 w 2139400"/>
+                <a:gd name="connsiteY102" fmla="*/ 980215 h 1169413"/>
+                <a:gd name="connsiteX103" fmla="*/ 1709000 w 2139400"/>
+                <a:gd name="connsiteY103" fmla="*/ 1090705 h 1169413"/>
+                <a:gd name="connsiteX104" fmla="*/ 1032725 w 2139400"/>
+                <a:gd name="connsiteY104" fmla="*/ 1168810 h 1169413"/>
+                <a:gd name="connsiteX105" fmla="*/ 583145 w 2139400"/>
+                <a:gd name="connsiteY105" fmla="*/ 1121185 h 1169413"/>
+                <a:gd name="connsiteX106" fmla="*/ 365975 w 2139400"/>
+                <a:gd name="connsiteY106" fmla="*/ 1016410 h 1169413"/>
+                <a:gd name="connsiteX0" fmla="*/ 365975 w 2139400"/>
+                <a:gd name="connsiteY0" fmla="*/ 1016410 h 1169413"/>
+                <a:gd name="connsiteX1" fmla="*/ 318350 w 2139400"/>
+                <a:gd name="connsiteY1" fmla="*/ 980215 h 1169413"/>
+                <a:gd name="connsiteX2" fmla="*/ 331685 w 2139400"/>
+                <a:gd name="connsiteY2" fmla="*/ 945925 h 1169413"/>
+                <a:gd name="connsiteX3" fmla="*/ 285965 w 2139400"/>
+                <a:gd name="connsiteY3" fmla="*/ 930685 h 1169413"/>
+                <a:gd name="connsiteX4" fmla="*/ 245960 w 2139400"/>
+                <a:gd name="connsiteY4" fmla="*/ 955450 h 1169413"/>
+                <a:gd name="connsiteX5" fmla="*/ 207860 w 2139400"/>
+                <a:gd name="connsiteY5" fmla="*/ 993550 h 1169413"/>
+                <a:gd name="connsiteX6" fmla="*/ 207860 w 2139400"/>
+                <a:gd name="connsiteY6" fmla="*/ 993550 h 1169413"/>
+                <a:gd name="connsiteX7" fmla="*/ 179285 w 2139400"/>
+                <a:gd name="connsiteY7" fmla="*/ 982120 h 1169413"/>
+                <a:gd name="connsiteX8" fmla="*/ 164045 w 2139400"/>
+                <a:gd name="connsiteY8" fmla="*/ 951640 h 1169413"/>
+                <a:gd name="connsiteX9" fmla="*/ 209765 w 2139400"/>
+                <a:gd name="connsiteY9" fmla="*/ 911635 h 1169413"/>
+                <a:gd name="connsiteX10" fmla="*/ 200240 w 2139400"/>
+                <a:gd name="connsiteY10" fmla="*/ 869725 h 1169413"/>
+                <a:gd name="connsiteX11" fmla="*/ 141185 w 2139400"/>
+                <a:gd name="connsiteY11" fmla="*/ 894490 h 1169413"/>
+                <a:gd name="connsiteX12" fmla="*/ 104990 w 2139400"/>
+                <a:gd name="connsiteY12" fmla="*/ 928780 h 1169413"/>
+                <a:gd name="connsiteX13" fmla="*/ 55460 w 2139400"/>
+                <a:gd name="connsiteY13" fmla="*/ 959260 h 1169413"/>
+                <a:gd name="connsiteX14" fmla="*/ 34505 w 2139400"/>
+                <a:gd name="connsiteY14" fmla="*/ 976405 h 1169413"/>
+                <a:gd name="connsiteX15" fmla="*/ 215 w 2139400"/>
+                <a:gd name="connsiteY15" fmla="*/ 945925 h 1169413"/>
+                <a:gd name="connsiteX16" fmla="*/ 21170 w 2139400"/>
+                <a:gd name="connsiteY16" fmla="*/ 904015 h 1169413"/>
+                <a:gd name="connsiteX17" fmla="*/ 45935 w 2139400"/>
+                <a:gd name="connsiteY17" fmla="*/ 869725 h 1169413"/>
+                <a:gd name="connsiteX18" fmla="*/ 104990 w 2139400"/>
+                <a:gd name="connsiteY18" fmla="*/ 793525 h 1169413"/>
+                <a:gd name="connsiteX19" fmla="*/ 200240 w 2139400"/>
+                <a:gd name="connsiteY19" fmla="*/ 734470 h 1169413"/>
+                <a:gd name="connsiteX20" fmla="*/ 217385 w 2139400"/>
+                <a:gd name="connsiteY20" fmla="*/ 625885 h 1169413"/>
+                <a:gd name="connsiteX21" fmla="*/ 217385 w 2139400"/>
+                <a:gd name="connsiteY21" fmla="*/ 625885 h 1169413"/>
+                <a:gd name="connsiteX22" fmla="*/ 196430 w 2139400"/>
+                <a:gd name="connsiteY22" fmla="*/ 610645 h 1169413"/>
+                <a:gd name="connsiteX23" fmla="*/ 146900 w 2139400"/>
+                <a:gd name="connsiteY23" fmla="*/ 648745 h 1169413"/>
+                <a:gd name="connsiteX24" fmla="*/ 103085 w 2139400"/>
+                <a:gd name="connsiteY24" fmla="*/ 681130 h 1169413"/>
+                <a:gd name="connsiteX25" fmla="*/ 68795 w 2139400"/>
+                <a:gd name="connsiteY25" fmla="*/ 660175 h 1169413"/>
+                <a:gd name="connsiteX26" fmla="*/ 64985 w 2139400"/>
+                <a:gd name="connsiteY26" fmla="*/ 583975 h 1169413"/>
+                <a:gd name="connsiteX27" fmla="*/ 103085 w 2139400"/>
+                <a:gd name="connsiteY27" fmla="*/ 521110 h 1169413"/>
+                <a:gd name="connsiteX28" fmla="*/ 169760 w 2139400"/>
+                <a:gd name="connsiteY28" fmla="*/ 450625 h 1169413"/>
+                <a:gd name="connsiteX29" fmla="*/ 226910 w 2139400"/>
+                <a:gd name="connsiteY29" fmla="*/ 458245 h 1169413"/>
+                <a:gd name="connsiteX30" fmla="*/ 259295 w 2139400"/>
+                <a:gd name="connsiteY30" fmla="*/ 450625 h 1169413"/>
+                <a:gd name="connsiteX31" fmla="*/ 274535 w 2139400"/>
+                <a:gd name="connsiteY31" fmla="*/ 433480 h 1169413"/>
+                <a:gd name="connsiteX32" fmla="*/ 280250 w 2139400"/>
+                <a:gd name="connsiteY32" fmla="*/ 372520 h 1169413"/>
+                <a:gd name="connsiteX33" fmla="*/ 257390 w 2139400"/>
+                <a:gd name="connsiteY33" fmla="*/ 368710 h 1169413"/>
+                <a:gd name="connsiteX34" fmla="*/ 171665 w 2139400"/>
+                <a:gd name="connsiteY34" fmla="*/ 362995 h 1169413"/>
+                <a:gd name="connsiteX35" fmla="*/ 141185 w 2139400"/>
+                <a:gd name="connsiteY35" fmla="*/ 336325 h 1169413"/>
+                <a:gd name="connsiteX36" fmla="*/ 103085 w 2139400"/>
+                <a:gd name="connsiteY36" fmla="*/ 284890 h 1169413"/>
+                <a:gd name="connsiteX37" fmla="*/ 186905 w 2139400"/>
+                <a:gd name="connsiteY37" fmla="*/ 233455 h 1169413"/>
+                <a:gd name="connsiteX38" fmla="*/ 293585 w 2139400"/>
+                <a:gd name="connsiteY38" fmla="*/ 271555 h 1169413"/>
+                <a:gd name="connsiteX39" fmla="*/ 324065 w 2139400"/>
+                <a:gd name="connsiteY39" fmla="*/ 309655 h 1169413"/>
+                <a:gd name="connsiteX40" fmla="*/ 348830 w 2139400"/>
+                <a:gd name="connsiteY40" fmla="*/ 246790 h 1169413"/>
+                <a:gd name="connsiteX41" fmla="*/ 226910 w 2139400"/>
+                <a:gd name="connsiteY41" fmla="*/ 168685 h 1169413"/>
+                <a:gd name="connsiteX42" fmla="*/ 165950 w 2139400"/>
+                <a:gd name="connsiteY42" fmla="*/ 105820 h 1169413"/>
+                <a:gd name="connsiteX43" fmla="*/ 223100 w 2139400"/>
+                <a:gd name="connsiteY43" fmla="*/ 56290 h 1169413"/>
+                <a:gd name="connsiteX44" fmla="*/ 358355 w 2139400"/>
+                <a:gd name="connsiteY44" fmla="*/ 111535 h 1169413"/>
+                <a:gd name="connsiteX45" fmla="*/ 413600 w 2139400"/>
+                <a:gd name="connsiteY45" fmla="*/ 218215 h 1169413"/>
+                <a:gd name="connsiteX46" fmla="*/ 463130 w 2139400"/>
+                <a:gd name="connsiteY46" fmla="*/ 355375 h 1169413"/>
+                <a:gd name="connsiteX47" fmla="*/ 505040 w 2139400"/>
+                <a:gd name="connsiteY47" fmla="*/ 433480 h 1169413"/>
+                <a:gd name="connsiteX48" fmla="*/ 550760 w 2139400"/>
+                <a:gd name="connsiteY48" fmla="*/ 437290 h 1169413"/>
+                <a:gd name="connsiteX49" fmla="*/ 556475 w 2139400"/>
+                <a:gd name="connsiteY49" fmla="*/ 361090 h 1169413"/>
+                <a:gd name="connsiteX50" fmla="*/ 508850 w 2139400"/>
+                <a:gd name="connsiteY50" fmla="*/ 105820 h 1169413"/>
+                <a:gd name="connsiteX51" fmla="*/ 516470 w 2139400"/>
+                <a:gd name="connsiteY51" fmla="*/ 2950 h 1169413"/>
+                <a:gd name="connsiteX52" fmla="*/ 554570 w 2139400"/>
+                <a:gd name="connsiteY52" fmla="*/ 25810 h 1169413"/>
+                <a:gd name="connsiteX53" fmla="*/ 554570 w 2139400"/>
+                <a:gd name="connsiteY53" fmla="*/ 25810 h 1169413"/>
+                <a:gd name="connsiteX54" fmla="*/ 581240 w 2139400"/>
+                <a:gd name="connsiteY54" fmla="*/ 176305 h 1169413"/>
+                <a:gd name="connsiteX55" fmla="*/ 615530 w 2139400"/>
+                <a:gd name="connsiteY55" fmla="*/ 347755 h 1169413"/>
+                <a:gd name="connsiteX56" fmla="*/ 678395 w 2139400"/>
+                <a:gd name="connsiteY56" fmla="*/ 412525 h 1169413"/>
+                <a:gd name="connsiteX57" fmla="*/ 716495 w 2139400"/>
+                <a:gd name="connsiteY57" fmla="*/ 332515 h 1169413"/>
+                <a:gd name="connsiteX58" fmla="*/ 722210 w 2139400"/>
+                <a:gd name="connsiteY58" fmla="*/ 281080 h 1169413"/>
+                <a:gd name="connsiteX59" fmla="*/ 777455 w 2139400"/>
+                <a:gd name="connsiteY59" fmla="*/ 342040 h 1169413"/>
+                <a:gd name="connsiteX60" fmla="*/ 767930 w 2139400"/>
+                <a:gd name="connsiteY60" fmla="*/ 452530 h 1169413"/>
+                <a:gd name="connsiteX61" fmla="*/ 800315 w 2139400"/>
+                <a:gd name="connsiteY61" fmla="*/ 696370 h 1169413"/>
+                <a:gd name="connsiteX62" fmla="*/ 1040345 w 2139400"/>
+                <a:gd name="connsiteY62" fmla="*/ 759235 h 1169413"/>
+                <a:gd name="connsiteX63" fmla="*/ 1289900 w 2139400"/>
+                <a:gd name="connsiteY63" fmla="*/ 599215 h 1169413"/>
+                <a:gd name="connsiteX64" fmla="*/ 1392770 w 2139400"/>
+                <a:gd name="connsiteY64" fmla="*/ 302035 h 1169413"/>
+                <a:gd name="connsiteX65" fmla="*/ 1510880 w 2139400"/>
+                <a:gd name="connsiteY65" fmla="*/ 172495 h 1169413"/>
+                <a:gd name="connsiteX66" fmla="*/ 1602320 w 2139400"/>
+                <a:gd name="connsiteY66" fmla="*/ 143920 h 1169413"/>
+                <a:gd name="connsiteX67" fmla="*/ 1663280 w 2139400"/>
+                <a:gd name="connsiteY67" fmla="*/ 130585 h 1169413"/>
+                <a:gd name="connsiteX68" fmla="*/ 1722335 w 2139400"/>
+                <a:gd name="connsiteY68" fmla="*/ 126775 h 1169413"/>
+                <a:gd name="connsiteX69" fmla="*/ 1724240 w 2139400"/>
+                <a:gd name="connsiteY69" fmla="*/ 161065 h 1169413"/>
+                <a:gd name="connsiteX70" fmla="*/ 1621370 w 2139400"/>
+                <a:gd name="connsiteY70" fmla="*/ 216310 h 1169413"/>
+                <a:gd name="connsiteX71" fmla="*/ 1554695 w 2139400"/>
+                <a:gd name="connsiteY71" fmla="*/ 214405 h 1169413"/>
+                <a:gd name="connsiteX72" fmla="*/ 1548980 w 2139400"/>
+                <a:gd name="connsiteY72" fmla="*/ 269650 h 1169413"/>
+                <a:gd name="connsiteX73" fmla="*/ 1743290 w 2139400"/>
+                <a:gd name="connsiteY73" fmla="*/ 267745 h 1169413"/>
+                <a:gd name="connsiteX74" fmla="*/ 1889975 w 2139400"/>
+                <a:gd name="connsiteY74" fmla="*/ 193450 h 1169413"/>
+                <a:gd name="connsiteX75" fmla="*/ 2070950 w 2139400"/>
+                <a:gd name="connsiteY75" fmla="*/ 197260 h 1169413"/>
+                <a:gd name="connsiteX76" fmla="*/ 2070950 w 2139400"/>
+                <a:gd name="connsiteY76" fmla="*/ 197260 h 1169413"/>
+                <a:gd name="connsiteX77" fmla="*/ 2137625 w 2139400"/>
+                <a:gd name="connsiteY77" fmla="*/ 302035 h 1169413"/>
+                <a:gd name="connsiteX78" fmla="*/ 1989035 w 2139400"/>
+                <a:gd name="connsiteY78" fmla="*/ 298225 h 1169413"/>
+                <a:gd name="connsiteX79" fmla="*/ 1853780 w 2139400"/>
+                <a:gd name="connsiteY79" fmla="*/ 288700 h 1169413"/>
+                <a:gd name="connsiteX80" fmla="*/ 1771865 w 2139400"/>
+                <a:gd name="connsiteY80" fmla="*/ 349660 h 1169413"/>
+                <a:gd name="connsiteX81" fmla="*/ 1827110 w 2139400"/>
+                <a:gd name="connsiteY81" fmla="*/ 395380 h 1169413"/>
+                <a:gd name="connsiteX82" fmla="*/ 1950935 w 2139400"/>
+                <a:gd name="connsiteY82" fmla="*/ 382045 h 1169413"/>
+                <a:gd name="connsiteX83" fmla="*/ 2061425 w 2139400"/>
+                <a:gd name="connsiteY83" fmla="*/ 383950 h 1169413"/>
+                <a:gd name="connsiteX84" fmla="*/ 2057615 w 2139400"/>
+                <a:gd name="connsiteY84" fmla="*/ 521110 h 1169413"/>
+                <a:gd name="connsiteX85" fmla="*/ 1950935 w 2139400"/>
+                <a:gd name="connsiteY85" fmla="*/ 490630 h 1169413"/>
+                <a:gd name="connsiteX86" fmla="*/ 1846160 w 2139400"/>
+                <a:gd name="connsiteY86" fmla="*/ 452530 h 1169413"/>
+                <a:gd name="connsiteX87" fmla="*/ 1756625 w 2139400"/>
+                <a:gd name="connsiteY87" fmla="*/ 439195 h 1169413"/>
+                <a:gd name="connsiteX88" fmla="*/ 1707095 w 2139400"/>
+                <a:gd name="connsiteY88" fmla="*/ 427765 h 1169413"/>
+                <a:gd name="connsiteX89" fmla="*/ 1688045 w 2139400"/>
+                <a:gd name="connsiteY89" fmla="*/ 524920 h 1169413"/>
+                <a:gd name="connsiteX90" fmla="*/ 1789010 w 2139400"/>
+                <a:gd name="connsiteY90" fmla="*/ 587785 h 1169413"/>
+                <a:gd name="connsiteX91" fmla="*/ 1895690 w 2139400"/>
+                <a:gd name="connsiteY91" fmla="*/ 610645 h 1169413"/>
+                <a:gd name="connsiteX92" fmla="*/ 1968080 w 2139400"/>
+                <a:gd name="connsiteY92" fmla="*/ 656365 h 1169413"/>
+                <a:gd name="connsiteX93" fmla="*/ 2023325 w 2139400"/>
+                <a:gd name="connsiteY93" fmla="*/ 703990 h 1169413"/>
+                <a:gd name="connsiteX94" fmla="*/ 2044280 w 2139400"/>
+                <a:gd name="connsiteY94" fmla="*/ 797335 h 1169413"/>
+                <a:gd name="connsiteX95" fmla="*/ 1964270 w 2139400"/>
+                <a:gd name="connsiteY95" fmla="*/ 816385 h 1169413"/>
+                <a:gd name="connsiteX96" fmla="*/ 1859495 w 2139400"/>
+                <a:gd name="connsiteY96" fmla="*/ 745900 h 1169413"/>
+                <a:gd name="connsiteX97" fmla="*/ 1739480 w 2139400"/>
+                <a:gd name="connsiteY97" fmla="*/ 700180 h 1169413"/>
+                <a:gd name="connsiteX98" fmla="*/ 1665185 w 2139400"/>
+                <a:gd name="connsiteY98" fmla="*/ 732565 h 1169413"/>
+                <a:gd name="connsiteX99" fmla="*/ 1720430 w 2139400"/>
+                <a:gd name="connsiteY99" fmla="*/ 820195 h 1169413"/>
+                <a:gd name="connsiteX100" fmla="*/ 1806155 w 2139400"/>
+                <a:gd name="connsiteY100" fmla="*/ 858295 h 1169413"/>
+                <a:gd name="connsiteX101" fmla="*/ 1874735 w 2139400"/>
+                <a:gd name="connsiteY101" fmla="*/ 936400 h 1169413"/>
+                <a:gd name="connsiteX102" fmla="*/ 1796630 w 2139400"/>
+                <a:gd name="connsiteY102" fmla="*/ 944020 h 1169413"/>
+                <a:gd name="connsiteX103" fmla="*/ 1846160 w 2139400"/>
+                <a:gd name="connsiteY103" fmla="*/ 980215 h 1169413"/>
+                <a:gd name="connsiteX104" fmla="*/ 1709000 w 2139400"/>
+                <a:gd name="connsiteY104" fmla="*/ 1090705 h 1169413"/>
+                <a:gd name="connsiteX105" fmla="*/ 1032725 w 2139400"/>
+                <a:gd name="connsiteY105" fmla="*/ 1168810 h 1169413"/>
+                <a:gd name="connsiteX106" fmla="*/ 583145 w 2139400"/>
+                <a:gd name="connsiteY106" fmla="*/ 1121185 h 1169413"/>
+                <a:gd name="connsiteX107" fmla="*/ 365975 w 2139400"/>
+                <a:gd name="connsiteY107" fmla="*/ 1016410 h 1169413"/>
+                <a:gd name="connsiteX0" fmla="*/ 365975 w 2139400"/>
+                <a:gd name="connsiteY0" fmla="*/ 1016410 h 1169413"/>
+                <a:gd name="connsiteX1" fmla="*/ 318350 w 2139400"/>
+                <a:gd name="connsiteY1" fmla="*/ 980215 h 1169413"/>
+                <a:gd name="connsiteX2" fmla="*/ 331685 w 2139400"/>
+                <a:gd name="connsiteY2" fmla="*/ 945925 h 1169413"/>
+                <a:gd name="connsiteX3" fmla="*/ 285965 w 2139400"/>
+                <a:gd name="connsiteY3" fmla="*/ 930685 h 1169413"/>
+                <a:gd name="connsiteX4" fmla="*/ 245960 w 2139400"/>
+                <a:gd name="connsiteY4" fmla="*/ 955450 h 1169413"/>
+                <a:gd name="connsiteX5" fmla="*/ 207860 w 2139400"/>
+                <a:gd name="connsiteY5" fmla="*/ 993550 h 1169413"/>
+                <a:gd name="connsiteX6" fmla="*/ 207860 w 2139400"/>
+                <a:gd name="connsiteY6" fmla="*/ 993550 h 1169413"/>
+                <a:gd name="connsiteX7" fmla="*/ 179285 w 2139400"/>
+                <a:gd name="connsiteY7" fmla="*/ 982120 h 1169413"/>
+                <a:gd name="connsiteX8" fmla="*/ 164045 w 2139400"/>
+                <a:gd name="connsiteY8" fmla="*/ 951640 h 1169413"/>
+                <a:gd name="connsiteX9" fmla="*/ 209765 w 2139400"/>
+                <a:gd name="connsiteY9" fmla="*/ 911635 h 1169413"/>
+                <a:gd name="connsiteX10" fmla="*/ 200240 w 2139400"/>
+                <a:gd name="connsiteY10" fmla="*/ 869725 h 1169413"/>
+                <a:gd name="connsiteX11" fmla="*/ 141185 w 2139400"/>
+                <a:gd name="connsiteY11" fmla="*/ 894490 h 1169413"/>
+                <a:gd name="connsiteX12" fmla="*/ 104990 w 2139400"/>
+                <a:gd name="connsiteY12" fmla="*/ 928780 h 1169413"/>
+                <a:gd name="connsiteX13" fmla="*/ 55460 w 2139400"/>
+                <a:gd name="connsiteY13" fmla="*/ 959260 h 1169413"/>
+                <a:gd name="connsiteX14" fmla="*/ 34505 w 2139400"/>
+                <a:gd name="connsiteY14" fmla="*/ 976405 h 1169413"/>
+                <a:gd name="connsiteX15" fmla="*/ 215 w 2139400"/>
+                <a:gd name="connsiteY15" fmla="*/ 945925 h 1169413"/>
+                <a:gd name="connsiteX16" fmla="*/ 21170 w 2139400"/>
+                <a:gd name="connsiteY16" fmla="*/ 904015 h 1169413"/>
+                <a:gd name="connsiteX17" fmla="*/ 45935 w 2139400"/>
+                <a:gd name="connsiteY17" fmla="*/ 869725 h 1169413"/>
+                <a:gd name="connsiteX18" fmla="*/ 104990 w 2139400"/>
+                <a:gd name="connsiteY18" fmla="*/ 793525 h 1169413"/>
+                <a:gd name="connsiteX19" fmla="*/ 200240 w 2139400"/>
+                <a:gd name="connsiteY19" fmla="*/ 734470 h 1169413"/>
+                <a:gd name="connsiteX20" fmla="*/ 217385 w 2139400"/>
+                <a:gd name="connsiteY20" fmla="*/ 625885 h 1169413"/>
+                <a:gd name="connsiteX21" fmla="*/ 217385 w 2139400"/>
+                <a:gd name="connsiteY21" fmla="*/ 625885 h 1169413"/>
+                <a:gd name="connsiteX22" fmla="*/ 196430 w 2139400"/>
+                <a:gd name="connsiteY22" fmla="*/ 610645 h 1169413"/>
+                <a:gd name="connsiteX23" fmla="*/ 146900 w 2139400"/>
+                <a:gd name="connsiteY23" fmla="*/ 648745 h 1169413"/>
+                <a:gd name="connsiteX24" fmla="*/ 103085 w 2139400"/>
+                <a:gd name="connsiteY24" fmla="*/ 681130 h 1169413"/>
+                <a:gd name="connsiteX25" fmla="*/ 68795 w 2139400"/>
+                <a:gd name="connsiteY25" fmla="*/ 660175 h 1169413"/>
+                <a:gd name="connsiteX26" fmla="*/ 64985 w 2139400"/>
+                <a:gd name="connsiteY26" fmla="*/ 583975 h 1169413"/>
+                <a:gd name="connsiteX27" fmla="*/ 103085 w 2139400"/>
+                <a:gd name="connsiteY27" fmla="*/ 521110 h 1169413"/>
+                <a:gd name="connsiteX28" fmla="*/ 169760 w 2139400"/>
+                <a:gd name="connsiteY28" fmla="*/ 450625 h 1169413"/>
+                <a:gd name="connsiteX29" fmla="*/ 226910 w 2139400"/>
+                <a:gd name="connsiteY29" fmla="*/ 458245 h 1169413"/>
+                <a:gd name="connsiteX30" fmla="*/ 259295 w 2139400"/>
+                <a:gd name="connsiteY30" fmla="*/ 450625 h 1169413"/>
+                <a:gd name="connsiteX31" fmla="*/ 274535 w 2139400"/>
+                <a:gd name="connsiteY31" fmla="*/ 433480 h 1169413"/>
+                <a:gd name="connsiteX32" fmla="*/ 280250 w 2139400"/>
+                <a:gd name="connsiteY32" fmla="*/ 372520 h 1169413"/>
+                <a:gd name="connsiteX33" fmla="*/ 257390 w 2139400"/>
+                <a:gd name="connsiteY33" fmla="*/ 368710 h 1169413"/>
+                <a:gd name="connsiteX34" fmla="*/ 171665 w 2139400"/>
+                <a:gd name="connsiteY34" fmla="*/ 362995 h 1169413"/>
+                <a:gd name="connsiteX35" fmla="*/ 141185 w 2139400"/>
+                <a:gd name="connsiteY35" fmla="*/ 336325 h 1169413"/>
+                <a:gd name="connsiteX36" fmla="*/ 103085 w 2139400"/>
+                <a:gd name="connsiteY36" fmla="*/ 284890 h 1169413"/>
+                <a:gd name="connsiteX37" fmla="*/ 186905 w 2139400"/>
+                <a:gd name="connsiteY37" fmla="*/ 233455 h 1169413"/>
+                <a:gd name="connsiteX38" fmla="*/ 293585 w 2139400"/>
+                <a:gd name="connsiteY38" fmla="*/ 271555 h 1169413"/>
+                <a:gd name="connsiteX39" fmla="*/ 324065 w 2139400"/>
+                <a:gd name="connsiteY39" fmla="*/ 309655 h 1169413"/>
+                <a:gd name="connsiteX40" fmla="*/ 348830 w 2139400"/>
+                <a:gd name="connsiteY40" fmla="*/ 246790 h 1169413"/>
+                <a:gd name="connsiteX41" fmla="*/ 226910 w 2139400"/>
+                <a:gd name="connsiteY41" fmla="*/ 168685 h 1169413"/>
+                <a:gd name="connsiteX42" fmla="*/ 165950 w 2139400"/>
+                <a:gd name="connsiteY42" fmla="*/ 105820 h 1169413"/>
+                <a:gd name="connsiteX43" fmla="*/ 223100 w 2139400"/>
+                <a:gd name="connsiteY43" fmla="*/ 56290 h 1169413"/>
+                <a:gd name="connsiteX44" fmla="*/ 358355 w 2139400"/>
+                <a:gd name="connsiteY44" fmla="*/ 111535 h 1169413"/>
+                <a:gd name="connsiteX45" fmla="*/ 413600 w 2139400"/>
+                <a:gd name="connsiteY45" fmla="*/ 218215 h 1169413"/>
+                <a:gd name="connsiteX46" fmla="*/ 463130 w 2139400"/>
+                <a:gd name="connsiteY46" fmla="*/ 355375 h 1169413"/>
+                <a:gd name="connsiteX47" fmla="*/ 505040 w 2139400"/>
+                <a:gd name="connsiteY47" fmla="*/ 433480 h 1169413"/>
+                <a:gd name="connsiteX48" fmla="*/ 550760 w 2139400"/>
+                <a:gd name="connsiteY48" fmla="*/ 437290 h 1169413"/>
+                <a:gd name="connsiteX49" fmla="*/ 556475 w 2139400"/>
+                <a:gd name="connsiteY49" fmla="*/ 361090 h 1169413"/>
+                <a:gd name="connsiteX50" fmla="*/ 508850 w 2139400"/>
+                <a:gd name="connsiteY50" fmla="*/ 105820 h 1169413"/>
+                <a:gd name="connsiteX51" fmla="*/ 516470 w 2139400"/>
+                <a:gd name="connsiteY51" fmla="*/ 2950 h 1169413"/>
+                <a:gd name="connsiteX52" fmla="*/ 554570 w 2139400"/>
+                <a:gd name="connsiteY52" fmla="*/ 25810 h 1169413"/>
+                <a:gd name="connsiteX53" fmla="*/ 554570 w 2139400"/>
+                <a:gd name="connsiteY53" fmla="*/ 25810 h 1169413"/>
+                <a:gd name="connsiteX54" fmla="*/ 581240 w 2139400"/>
+                <a:gd name="connsiteY54" fmla="*/ 176305 h 1169413"/>
+                <a:gd name="connsiteX55" fmla="*/ 615530 w 2139400"/>
+                <a:gd name="connsiteY55" fmla="*/ 347755 h 1169413"/>
+                <a:gd name="connsiteX56" fmla="*/ 678395 w 2139400"/>
+                <a:gd name="connsiteY56" fmla="*/ 412525 h 1169413"/>
+                <a:gd name="connsiteX57" fmla="*/ 716495 w 2139400"/>
+                <a:gd name="connsiteY57" fmla="*/ 332515 h 1169413"/>
+                <a:gd name="connsiteX58" fmla="*/ 722210 w 2139400"/>
+                <a:gd name="connsiteY58" fmla="*/ 281080 h 1169413"/>
+                <a:gd name="connsiteX59" fmla="*/ 777455 w 2139400"/>
+                <a:gd name="connsiteY59" fmla="*/ 342040 h 1169413"/>
+                <a:gd name="connsiteX60" fmla="*/ 767930 w 2139400"/>
+                <a:gd name="connsiteY60" fmla="*/ 452530 h 1169413"/>
+                <a:gd name="connsiteX61" fmla="*/ 800315 w 2139400"/>
+                <a:gd name="connsiteY61" fmla="*/ 696370 h 1169413"/>
+                <a:gd name="connsiteX62" fmla="*/ 1040345 w 2139400"/>
+                <a:gd name="connsiteY62" fmla="*/ 759235 h 1169413"/>
+                <a:gd name="connsiteX63" fmla="*/ 1289900 w 2139400"/>
+                <a:gd name="connsiteY63" fmla="*/ 599215 h 1169413"/>
+                <a:gd name="connsiteX64" fmla="*/ 1392770 w 2139400"/>
+                <a:gd name="connsiteY64" fmla="*/ 302035 h 1169413"/>
+                <a:gd name="connsiteX65" fmla="*/ 1510880 w 2139400"/>
+                <a:gd name="connsiteY65" fmla="*/ 172495 h 1169413"/>
+                <a:gd name="connsiteX66" fmla="*/ 1602320 w 2139400"/>
+                <a:gd name="connsiteY66" fmla="*/ 143920 h 1169413"/>
+                <a:gd name="connsiteX67" fmla="*/ 1663280 w 2139400"/>
+                <a:gd name="connsiteY67" fmla="*/ 130585 h 1169413"/>
+                <a:gd name="connsiteX68" fmla="*/ 1722335 w 2139400"/>
+                <a:gd name="connsiteY68" fmla="*/ 126775 h 1169413"/>
+                <a:gd name="connsiteX69" fmla="*/ 1724240 w 2139400"/>
+                <a:gd name="connsiteY69" fmla="*/ 161065 h 1169413"/>
+                <a:gd name="connsiteX70" fmla="*/ 1621370 w 2139400"/>
+                <a:gd name="connsiteY70" fmla="*/ 216310 h 1169413"/>
+                <a:gd name="connsiteX71" fmla="*/ 1554695 w 2139400"/>
+                <a:gd name="connsiteY71" fmla="*/ 214405 h 1169413"/>
+                <a:gd name="connsiteX72" fmla="*/ 1548980 w 2139400"/>
+                <a:gd name="connsiteY72" fmla="*/ 269650 h 1169413"/>
+                <a:gd name="connsiteX73" fmla="*/ 1743290 w 2139400"/>
+                <a:gd name="connsiteY73" fmla="*/ 267745 h 1169413"/>
+                <a:gd name="connsiteX74" fmla="*/ 1889975 w 2139400"/>
+                <a:gd name="connsiteY74" fmla="*/ 193450 h 1169413"/>
+                <a:gd name="connsiteX75" fmla="*/ 2070950 w 2139400"/>
+                <a:gd name="connsiteY75" fmla="*/ 197260 h 1169413"/>
+                <a:gd name="connsiteX76" fmla="*/ 2070950 w 2139400"/>
+                <a:gd name="connsiteY76" fmla="*/ 197260 h 1169413"/>
+                <a:gd name="connsiteX77" fmla="*/ 2137625 w 2139400"/>
+                <a:gd name="connsiteY77" fmla="*/ 302035 h 1169413"/>
+                <a:gd name="connsiteX78" fmla="*/ 1989035 w 2139400"/>
+                <a:gd name="connsiteY78" fmla="*/ 298225 h 1169413"/>
+                <a:gd name="connsiteX79" fmla="*/ 1853780 w 2139400"/>
+                <a:gd name="connsiteY79" fmla="*/ 288700 h 1169413"/>
+                <a:gd name="connsiteX80" fmla="*/ 1771865 w 2139400"/>
+                <a:gd name="connsiteY80" fmla="*/ 349660 h 1169413"/>
+                <a:gd name="connsiteX81" fmla="*/ 1827110 w 2139400"/>
+                <a:gd name="connsiteY81" fmla="*/ 395380 h 1169413"/>
+                <a:gd name="connsiteX82" fmla="*/ 1950935 w 2139400"/>
+                <a:gd name="connsiteY82" fmla="*/ 382045 h 1169413"/>
+                <a:gd name="connsiteX83" fmla="*/ 2061425 w 2139400"/>
+                <a:gd name="connsiteY83" fmla="*/ 383950 h 1169413"/>
+                <a:gd name="connsiteX84" fmla="*/ 2090000 w 2139400"/>
+                <a:gd name="connsiteY84" fmla="*/ 446815 h 1169413"/>
+                <a:gd name="connsiteX85" fmla="*/ 2057615 w 2139400"/>
+                <a:gd name="connsiteY85" fmla="*/ 521110 h 1169413"/>
+                <a:gd name="connsiteX86" fmla="*/ 1950935 w 2139400"/>
+                <a:gd name="connsiteY86" fmla="*/ 490630 h 1169413"/>
+                <a:gd name="connsiteX87" fmla="*/ 1846160 w 2139400"/>
+                <a:gd name="connsiteY87" fmla="*/ 452530 h 1169413"/>
+                <a:gd name="connsiteX88" fmla="*/ 1756625 w 2139400"/>
+                <a:gd name="connsiteY88" fmla="*/ 439195 h 1169413"/>
+                <a:gd name="connsiteX89" fmla="*/ 1707095 w 2139400"/>
+                <a:gd name="connsiteY89" fmla="*/ 427765 h 1169413"/>
+                <a:gd name="connsiteX90" fmla="*/ 1688045 w 2139400"/>
+                <a:gd name="connsiteY90" fmla="*/ 524920 h 1169413"/>
+                <a:gd name="connsiteX91" fmla="*/ 1789010 w 2139400"/>
+                <a:gd name="connsiteY91" fmla="*/ 587785 h 1169413"/>
+                <a:gd name="connsiteX92" fmla="*/ 1895690 w 2139400"/>
+                <a:gd name="connsiteY92" fmla="*/ 610645 h 1169413"/>
+                <a:gd name="connsiteX93" fmla="*/ 1968080 w 2139400"/>
+                <a:gd name="connsiteY93" fmla="*/ 656365 h 1169413"/>
+                <a:gd name="connsiteX94" fmla="*/ 2023325 w 2139400"/>
+                <a:gd name="connsiteY94" fmla="*/ 703990 h 1169413"/>
+                <a:gd name="connsiteX95" fmla="*/ 2044280 w 2139400"/>
+                <a:gd name="connsiteY95" fmla="*/ 797335 h 1169413"/>
+                <a:gd name="connsiteX96" fmla="*/ 1964270 w 2139400"/>
+                <a:gd name="connsiteY96" fmla="*/ 816385 h 1169413"/>
+                <a:gd name="connsiteX97" fmla="*/ 1859495 w 2139400"/>
+                <a:gd name="connsiteY97" fmla="*/ 745900 h 1169413"/>
+                <a:gd name="connsiteX98" fmla="*/ 1739480 w 2139400"/>
+                <a:gd name="connsiteY98" fmla="*/ 700180 h 1169413"/>
+                <a:gd name="connsiteX99" fmla="*/ 1665185 w 2139400"/>
+                <a:gd name="connsiteY99" fmla="*/ 732565 h 1169413"/>
+                <a:gd name="connsiteX100" fmla="*/ 1720430 w 2139400"/>
+                <a:gd name="connsiteY100" fmla="*/ 820195 h 1169413"/>
+                <a:gd name="connsiteX101" fmla="*/ 1806155 w 2139400"/>
+                <a:gd name="connsiteY101" fmla="*/ 858295 h 1169413"/>
+                <a:gd name="connsiteX102" fmla="*/ 1874735 w 2139400"/>
+                <a:gd name="connsiteY102" fmla="*/ 936400 h 1169413"/>
+                <a:gd name="connsiteX103" fmla="*/ 1796630 w 2139400"/>
+                <a:gd name="connsiteY103" fmla="*/ 944020 h 1169413"/>
+                <a:gd name="connsiteX104" fmla="*/ 1846160 w 2139400"/>
+                <a:gd name="connsiteY104" fmla="*/ 980215 h 1169413"/>
+                <a:gd name="connsiteX105" fmla="*/ 1709000 w 2139400"/>
+                <a:gd name="connsiteY105" fmla="*/ 1090705 h 1169413"/>
+                <a:gd name="connsiteX106" fmla="*/ 1032725 w 2139400"/>
+                <a:gd name="connsiteY106" fmla="*/ 1168810 h 1169413"/>
+                <a:gd name="connsiteX107" fmla="*/ 583145 w 2139400"/>
+                <a:gd name="connsiteY107" fmla="*/ 1121185 h 1169413"/>
+                <a:gd name="connsiteX108" fmla="*/ 365975 w 2139400"/>
+                <a:gd name="connsiteY108" fmla="*/ 1016410 h 1169413"/>
+                <a:gd name="connsiteX0" fmla="*/ 365975 w 2149953"/>
+                <a:gd name="connsiteY0" fmla="*/ 1016410 h 1169413"/>
+                <a:gd name="connsiteX1" fmla="*/ 318350 w 2149953"/>
+                <a:gd name="connsiteY1" fmla="*/ 980215 h 1169413"/>
+                <a:gd name="connsiteX2" fmla="*/ 331685 w 2149953"/>
+                <a:gd name="connsiteY2" fmla="*/ 945925 h 1169413"/>
+                <a:gd name="connsiteX3" fmla="*/ 285965 w 2149953"/>
+                <a:gd name="connsiteY3" fmla="*/ 930685 h 1169413"/>
+                <a:gd name="connsiteX4" fmla="*/ 245960 w 2149953"/>
+                <a:gd name="connsiteY4" fmla="*/ 955450 h 1169413"/>
+                <a:gd name="connsiteX5" fmla="*/ 207860 w 2149953"/>
+                <a:gd name="connsiteY5" fmla="*/ 993550 h 1169413"/>
+                <a:gd name="connsiteX6" fmla="*/ 207860 w 2149953"/>
+                <a:gd name="connsiteY6" fmla="*/ 993550 h 1169413"/>
+                <a:gd name="connsiteX7" fmla="*/ 179285 w 2149953"/>
+                <a:gd name="connsiteY7" fmla="*/ 982120 h 1169413"/>
+                <a:gd name="connsiteX8" fmla="*/ 164045 w 2149953"/>
+                <a:gd name="connsiteY8" fmla="*/ 951640 h 1169413"/>
+                <a:gd name="connsiteX9" fmla="*/ 209765 w 2149953"/>
+                <a:gd name="connsiteY9" fmla="*/ 911635 h 1169413"/>
+                <a:gd name="connsiteX10" fmla="*/ 200240 w 2149953"/>
+                <a:gd name="connsiteY10" fmla="*/ 869725 h 1169413"/>
+                <a:gd name="connsiteX11" fmla="*/ 141185 w 2149953"/>
+                <a:gd name="connsiteY11" fmla="*/ 894490 h 1169413"/>
+                <a:gd name="connsiteX12" fmla="*/ 104990 w 2149953"/>
+                <a:gd name="connsiteY12" fmla="*/ 928780 h 1169413"/>
+                <a:gd name="connsiteX13" fmla="*/ 55460 w 2149953"/>
+                <a:gd name="connsiteY13" fmla="*/ 959260 h 1169413"/>
+                <a:gd name="connsiteX14" fmla="*/ 34505 w 2149953"/>
+                <a:gd name="connsiteY14" fmla="*/ 976405 h 1169413"/>
+                <a:gd name="connsiteX15" fmla="*/ 215 w 2149953"/>
+                <a:gd name="connsiteY15" fmla="*/ 945925 h 1169413"/>
+                <a:gd name="connsiteX16" fmla="*/ 21170 w 2149953"/>
+                <a:gd name="connsiteY16" fmla="*/ 904015 h 1169413"/>
+                <a:gd name="connsiteX17" fmla="*/ 45935 w 2149953"/>
+                <a:gd name="connsiteY17" fmla="*/ 869725 h 1169413"/>
+                <a:gd name="connsiteX18" fmla="*/ 104990 w 2149953"/>
+                <a:gd name="connsiteY18" fmla="*/ 793525 h 1169413"/>
+                <a:gd name="connsiteX19" fmla="*/ 200240 w 2149953"/>
+                <a:gd name="connsiteY19" fmla="*/ 734470 h 1169413"/>
+                <a:gd name="connsiteX20" fmla="*/ 217385 w 2149953"/>
+                <a:gd name="connsiteY20" fmla="*/ 625885 h 1169413"/>
+                <a:gd name="connsiteX21" fmla="*/ 217385 w 2149953"/>
+                <a:gd name="connsiteY21" fmla="*/ 625885 h 1169413"/>
+                <a:gd name="connsiteX22" fmla="*/ 196430 w 2149953"/>
+                <a:gd name="connsiteY22" fmla="*/ 610645 h 1169413"/>
+                <a:gd name="connsiteX23" fmla="*/ 146900 w 2149953"/>
+                <a:gd name="connsiteY23" fmla="*/ 648745 h 1169413"/>
+                <a:gd name="connsiteX24" fmla="*/ 103085 w 2149953"/>
+                <a:gd name="connsiteY24" fmla="*/ 681130 h 1169413"/>
+                <a:gd name="connsiteX25" fmla="*/ 68795 w 2149953"/>
+                <a:gd name="connsiteY25" fmla="*/ 660175 h 1169413"/>
+                <a:gd name="connsiteX26" fmla="*/ 64985 w 2149953"/>
+                <a:gd name="connsiteY26" fmla="*/ 583975 h 1169413"/>
+                <a:gd name="connsiteX27" fmla="*/ 103085 w 2149953"/>
+                <a:gd name="connsiteY27" fmla="*/ 521110 h 1169413"/>
+                <a:gd name="connsiteX28" fmla="*/ 169760 w 2149953"/>
+                <a:gd name="connsiteY28" fmla="*/ 450625 h 1169413"/>
+                <a:gd name="connsiteX29" fmla="*/ 226910 w 2149953"/>
+                <a:gd name="connsiteY29" fmla="*/ 458245 h 1169413"/>
+                <a:gd name="connsiteX30" fmla="*/ 259295 w 2149953"/>
+                <a:gd name="connsiteY30" fmla="*/ 450625 h 1169413"/>
+                <a:gd name="connsiteX31" fmla="*/ 274535 w 2149953"/>
+                <a:gd name="connsiteY31" fmla="*/ 433480 h 1169413"/>
+                <a:gd name="connsiteX32" fmla="*/ 280250 w 2149953"/>
+                <a:gd name="connsiteY32" fmla="*/ 372520 h 1169413"/>
+                <a:gd name="connsiteX33" fmla="*/ 257390 w 2149953"/>
+                <a:gd name="connsiteY33" fmla="*/ 368710 h 1169413"/>
+                <a:gd name="connsiteX34" fmla="*/ 171665 w 2149953"/>
+                <a:gd name="connsiteY34" fmla="*/ 362995 h 1169413"/>
+                <a:gd name="connsiteX35" fmla="*/ 141185 w 2149953"/>
+                <a:gd name="connsiteY35" fmla="*/ 336325 h 1169413"/>
+                <a:gd name="connsiteX36" fmla="*/ 103085 w 2149953"/>
+                <a:gd name="connsiteY36" fmla="*/ 284890 h 1169413"/>
+                <a:gd name="connsiteX37" fmla="*/ 186905 w 2149953"/>
+                <a:gd name="connsiteY37" fmla="*/ 233455 h 1169413"/>
+                <a:gd name="connsiteX38" fmla="*/ 293585 w 2149953"/>
+                <a:gd name="connsiteY38" fmla="*/ 271555 h 1169413"/>
+                <a:gd name="connsiteX39" fmla="*/ 324065 w 2149953"/>
+                <a:gd name="connsiteY39" fmla="*/ 309655 h 1169413"/>
+                <a:gd name="connsiteX40" fmla="*/ 348830 w 2149953"/>
+                <a:gd name="connsiteY40" fmla="*/ 246790 h 1169413"/>
+                <a:gd name="connsiteX41" fmla="*/ 226910 w 2149953"/>
+                <a:gd name="connsiteY41" fmla="*/ 168685 h 1169413"/>
+                <a:gd name="connsiteX42" fmla="*/ 165950 w 2149953"/>
+                <a:gd name="connsiteY42" fmla="*/ 105820 h 1169413"/>
+                <a:gd name="connsiteX43" fmla="*/ 223100 w 2149953"/>
+                <a:gd name="connsiteY43" fmla="*/ 56290 h 1169413"/>
+                <a:gd name="connsiteX44" fmla="*/ 358355 w 2149953"/>
+                <a:gd name="connsiteY44" fmla="*/ 111535 h 1169413"/>
+                <a:gd name="connsiteX45" fmla="*/ 413600 w 2149953"/>
+                <a:gd name="connsiteY45" fmla="*/ 218215 h 1169413"/>
+                <a:gd name="connsiteX46" fmla="*/ 463130 w 2149953"/>
+                <a:gd name="connsiteY46" fmla="*/ 355375 h 1169413"/>
+                <a:gd name="connsiteX47" fmla="*/ 505040 w 2149953"/>
+                <a:gd name="connsiteY47" fmla="*/ 433480 h 1169413"/>
+                <a:gd name="connsiteX48" fmla="*/ 550760 w 2149953"/>
+                <a:gd name="connsiteY48" fmla="*/ 437290 h 1169413"/>
+                <a:gd name="connsiteX49" fmla="*/ 556475 w 2149953"/>
+                <a:gd name="connsiteY49" fmla="*/ 361090 h 1169413"/>
+                <a:gd name="connsiteX50" fmla="*/ 508850 w 2149953"/>
+                <a:gd name="connsiteY50" fmla="*/ 105820 h 1169413"/>
+                <a:gd name="connsiteX51" fmla="*/ 516470 w 2149953"/>
+                <a:gd name="connsiteY51" fmla="*/ 2950 h 1169413"/>
+                <a:gd name="connsiteX52" fmla="*/ 554570 w 2149953"/>
+                <a:gd name="connsiteY52" fmla="*/ 25810 h 1169413"/>
+                <a:gd name="connsiteX53" fmla="*/ 554570 w 2149953"/>
+                <a:gd name="connsiteY53" fmla="*/ 25810 h 1169413"/>
+                <a:gd name="connsiteX54" fmla="*/ 581240 w 2149953"/>
+                <a:gd name="connsiteY54" fmla="*/ 176305 h 1169413"/>
+                <a:gd name="connsiteX55" fmla="*/ 615530 w 2149953"/>
+                <a:gd name="connsiteY55" fmla="*/ 347755 h 1169413"/>
+                <a:gd name="connsiteX56" fmla="*/ 678395 w 2149953"/>
+                <a:gd name="connsiteY56" fmla="*/ 412525 h 1169413"/>
+                <a:gd name="connsiteX57" fmla="*/ 716495 w 2149953"/>
+                <a:gd name="connsiteY57" fmla="*/ 332515 h 1169413"/>
+                <a:gd name="connsiteX58" fmla="*/ 722210 w 2149953"/>
+                <a:gd name="connsiteY58" fmla="*/ 281080 h 1169413"/>
+                <a:gd name="connsiteX59" fmla="*/ 777455 w 2149953"/>
+                <a:gd name="connsiteY59" fmla="*/ 342040 h 1169413"/>
+                <a:gd name="connsiteX60" fmla="*/ 767930 w 2149953"/>
+                <a:gd name="connsiteY60" fmla="*/ 452530 h 1169413"/>
+                <a:gd name="connsiteX61" fmla="*/ 800315 w 2149953"/>
+                <a:gd name="connsiteY61" fmla="*/ 696370 h 1169413"/>
+                <a:gd name="connsiteX62" fmla="*/ 1040345 w 2149953"/>
+                <a:gd name="connsiteY62" fmla="*/ 759235 h 1169413"/>
+                <a:gd name="connsiteX63" fmla="*/ 1289900 w 2149953"/>
+                <a:gd name="connsiteY63" fmla="*/ 599215 h 1169413"/>
+                <a:gd name="connsiteX64" fmla="*/ 1392770 w 2149953"/>
+                <a:gd name="connsiteY64" fmla="*/ 302035 h 1169413"/>
+                <a:gd name="connsiteX65" fmla="*/ 1510880 w 2149953"/>
+                <a:gd name="connsiteY65" fmla="*/ 172495 h 1169413"/>
+                <a:gd name="connsiteX66" fmla="*/ 1602320 w 2149953"/>
+                <a:gd name="connsiteY66" fmla="*/ 143920 h 1169413"/>
+                <a:gd name="connsiteX67" fmla="*/ 1663280 w 2149953"/>
+                <a:gd name="connsiteY67" fmla="*/ 130585 h 1169413"/>
+                <a:gd name="connsiteX68" fmla="*/ 1722335 w 2149953"/>
+                <a:gd name="connsiteY68" fmla="*/ 126775 h 1169413"/>
+                <a:gd name="connsiteX69" fmla="*/ 1724240 w 2149953"/>
+                <a:gd name="connsiteY69" fmla="*/ 161065 h 1169413"/>
+                <a:gd name="connsiteX70" fmla="*/ 1621370 w 2149953"/>
+                <a:gd name="connsiteY70" fmla="*/ 216310 h 1169413"/>
+                <a:gd name="connsiteX71" fmla="*/ 1554695 w 2149953"/>
+                <a:gd name="connsiteY71" fmla="*/ 214405 h 1169413"/>
+                <a:gd name="connsiteX72" fmla="*/ 1548980 w 2149953"/>
+                <a:gd name="connsiteY72" fmla="*/ 269650 h 1169413"/>
+                <a:gd name="connsiteX73" fmla="*/ 1743290 w 2149953"/>
+                <a:gd name="connsiteY73" fmla="*/ 267745 h 1169413"/>
+                <a:gd name="connsiteX74" fmla="*/ 1889975 w 2149953"/>
+                <a:gd name="connsiteY74" fmla="*/ 193450 h 1169413"/>
+                <a:gd name="connsiteX75" fmla="*/ 2070950 w 2149953"/>
+                <a:gd name="connsiteY75" fmla="*/ 197260 h 1169413"/>
+                <a:gd name="connsiteX76" fmla="*/ 2070950 w 2149953"/>
+                <a:gd name="connsiteY76" fmla="*/ 197260 h 1169413"/>
+                <a:gd name="connsiteX77" fmla="*/ 2133815 w 2149953"/>
+                <a:gd name="connsiteY77" fmla="*/ 222025 h 1169413"/>
+                <a:gd name="connsiteX78" fmla="*/ 2137625 w 2149953"/>
+                <a:gd name="connsiteY78" fmla="*/ 302035 h 1169413"/>
+                <a:gd name="connsiteX79" fmla="*/ 1989035 w 2149953"/>
+                <a:gd name="connsiteY79" fmla="*/ 298225 h 1169413"/>
+                <a:gd name="connsiteX80" fmla="*/ 1853780 w 2149953"/>
+                <a:gd name="connsiteY80" fmla="*/ 288700 h 1169413"/>
+                <a:gd name="connsiteX81" fmla="*/ 1771865 w 2149953"/>
+                <a:gd name="connsiteY81" fmla="*/ 349660 h 1169413"/>
+                <a:gd name="connsiteX82" fmla="*/ 1827110 w 2149953"/>
+                <a:gd name="connsiteY82" fmla="*/ 395380 h 1169413"/>
+                <a:gd name="connsiteX83" fmla="*/ 1950935 w 2149953"/>
+                <a:gd name="connsiteY83" fmla="*/ 382045 h 1169413"/>
+                <a:gd name="connsiteX84" fmla="*/ 2061425 w 2149953"/>
+                <a:gd name="connsiteY84" fmla="*/ 383950 h 1169413"/>
+                <a:gd name="connsiteX85" fmla="*/ 2090000 w 2149953"/>
+                <a:gd name="connsiteY85" fmla="*/ 446815 h 1169413"/>
+                <a:gd name="connsiteX86" fmla="*/ 2057615 w 2149953"/>
+                <a:gd name="connsiteY86" fmla="*/ 521110 h 1169413"/>
+                <a:gd name="connsiteX87" fmla="*/ 1950935 w 2149953"/>
+                <a:gd name="connsiteY87" fmla="*/ 490630 h 1169413"/>
+                <a:gd name="connsiteX88" fmla="*/ 1846160 w 2149953"/>
+                <a:gd name="connsiteY88" fmla="*/ 452530 h 1169413"/>
+                <a:gd name="connsiteX89" fmla="*/ 1756625 w 2149953"/>
+                <a:gd name="connsiteY89" fmla="*/ 439195 h 1169413"/>
+                <a:gd name="connsiteX90" fmla="*/ 1707095 w 2149953"/>
+                <a:gd name="connsiteY90" fmla="*/ 427765 h 1169413"/>
+                <a:gd name="connsiteX91" fmla="*/ 1688045 w 2149953"/>
+                <a:gd name="connsiteY91" fmla="*/ 524920 h 1169413"/>
+                <a:gd name="connsiteX92" fmla="*/ 1789010 w 2149953"/>
+                <a:gd name="connsiteY92" fmla="*/ 587785 h 1169413"/>
+                <a:gd name="connsiteX93" fmla="*/ 1895690 w 2149953"/>
+                <a:gd name="connsiteY93" fmla="*/ 610645 h 1169413"/>
+                <a:gd name="connsiteX94" fmla="*/ 1968080 w 2149953"/>
+                <a:gd name="connsiteY94" fmla="*/ 656365 h 1169413"/>
+                <a:gd name="connsiteX95" fmla="*/ 2023325 w 2149953"/>
+                <a:gd name="connsiteY95" fmla="*/ 703990 h 1169413"/>
+                <a:gd name="connsiteX96" fmla="*/ 2044280 w 2149953"/>
+                <a:gd name="connsiteY96" fmla="*/ 797335 h 1169413"/>
+                <a:gd name="connsiteX97" fmla="*/ 1964270 w 2149953"/>
+                <a:gd name="connsiteY97" fmla="*/ 816385 h 1169413"/>
+                <a:gd name="connsiteX98" fmla="*/ 1859495 w 2149953"/>
+                <a:gd name="connsiteY98" fmla="*/ 745900 h 1169413"/>
+                <a:gd name="connsiteX99" fmla="*/ 1739480 w 2149953"/>
+                <a:gd name="connsiteY99" fmla="*/ 700180 h 1169413"/>
+                <a:gd name="connsiteX100" fmla="*/ 1665185 w 2149953"/>
+                <a:gd name="connsiteY100" fmla="*/ 732565 h 1169413"/>
+                <a:gd name="connsiteX101" fmla="*/ 1720430 w 2149953"/>
+                <a:gd name="connsiteY101" fmla="*/ 820195 h 1169413"/>
+                <a:gd name="connsiteX102" fmla="*/ 1806155 w 2149953"/>
+                <a:gd name="connsiteY102" fmla="*/ 858295 h 1169413"/>
+                <a:gd name="connsiteX103" fmla="*/ 1874735 w 2149953"/>
+                <a:gd name="connsiteY103" fmla="*/ 936400 h 1169413"/>
+                <a:gd name="connsiteX104" fmla="*/ 1796630 w 2149953"/>
+                <a:gd name="connsiteY104" fmla="*/ 944020 h 1169413"/>
+                <a:gd name="connsiteX105" fmla="*/ 1846160 w 2149953"/>
+                <a:gd name="connsiteY105" fmla="*/ 980215 h 1169413"/>
+                <a:gd name="connsiteX106" fmla="*/ 1709000 w 2149953"/>
+                <a:gd name="connsiteY106" fmla="*/ 1090705 h 1169413"/>
+                <a:gd name="connsiteX107" fmla="*/ 1032725 w 2149953"/>
+                <a:gd name="connsiteY107" fmla="*/ 1168810 h 1169413"/>
+                <a:gd name="connsiteX108" fmla="*/ 583145 w 2149953"/>
+                <a:gd name="connsiteY108" fmla="*/ 1121185 h 1169413"/>
+                <a:gd name="connsiteX109" fmla="*/ 365975 w 2149953"/>
+                <a:gd name="connsiteY109" fmla="*/ 1016410 h 1169413"/>
+                <a:gd name="connsiteX0" fmla="*/ 365975 w 2149953"/>
+                <a:gd name="connsiteY0" fmla="*/ 1016410 h 1169413"/>
+                <a:gd name="connsiteX1" fmla="*/ 318350 w 2149953"/>
+                <a:gd name="connsiteY1" fmla="*/ 980215 h 1169413"/>
+                <a:gd name="connsiteX2" fmla="*/ 331685 w 2149953"/>
+                <a:gd name="connsiteY2" fmla="*/ 945925 h 1169413"/>
+                <a:gd name="connsiteX3" fmla="*/ 285965 w 2149953"/>
+                <a:gd name="connsiteY3" fmla="*/ 930685 h 1169413"/>
+                <a:gd name="connsiteX4" fmla="*/ 245960 w 2149953"/>
+                <a:gd name="connsiteY4" fmla="*/ 955450 h 1169413"/>
+                <a:gd name="connsiteX5" fmla="*/ 207860 w 2149953"/>
+                <a:gd name="connsiteY5" fmla="*/ 993550 h 1169413"/>
+                <a:gd name="connsiteX6" fmla="*/ 207860 w 2149953"/>
+                <a:gd name="connsiteY6" fmla="*/ 993550 h 1169413"/>
+                <a:gd name="connsiteX7" fmla="*/ 179285 w 2149953"/>
+                <a:gd name="connsiteY7" fmla="*/ 982120 h 1169413"/>
+                <a:gd name="connsiteX8" fmla="*/ 164045 w 2149953"/>
+                <a:gd name="connsiteY8" fmla="*/ 951640 h 1169413"/>
+                <a:gd name="connsiteX9" fmla="*/ 209765 w 2149953"/>
+                <a:gd name="connsiteY9" fmla="*/ 911635 h 1169413"/>
+                <a:gd name="connsiteX10" fmla="*/ 200240 w 2149953"/>
+                <a:gd name="connsiteY10" fmla="*/ 869725 h 1169413"/>
+                <a:gd name="connsiteX11" fmla="*/ 141185 w 2149953"/>
+                <a:gd name="connsiteY11" fmla="*/ 894490 h 1169413"/>
+                <a:gd name="connsiteX12" fmla="*/ 104990 w 2149953"/>
+                <a:gd name="connsiteY12" fmla="*/ 928780 h 1169413"/>
+                <a:gd name="connsiteX13" fmla="*/ 55460 w 2149953"/>
+                <a:gd name="connsiteY13" fmla="*/ 959260 h 1169413"/>
+                <a:gd name="connsiteX14" fmla="*/ 34505 w 2149953"/>
+                <a:gd name="connsiteY14" fmla="*/ 976405 h 1169413"/>
+                <a:gd name="connsiteX15" fmla="*/ 215 w 2149953"/>
+                <a:gd name="connsiteY15" fmla="*/ 945925 h 1169413"/>
+                <a:gd name="connsiteX16" fmla="*/ 21170 w 2149953"/>
+                <a:gd name="connsiteY16" fmla="*/ 904015 h 1169413"/>
+                <a:gd name="connsiteX17" fmla="*/ 45935 w 2149953"/>
+                <a:gd name="connsiteY17" fmla="*/ 869725 h 1169413"/>
+                <a:gd name="connsiteX18" fmla="*/ 104990 w 2149953"/>
+                <a:gd name="connsiteY18" fmla="*/ 793525 h 1169413"/>
+                <a:gd name="connsiteX19" fmla="*/ 200240 w 2149953"/>
+                <a:gd name="connsiteY19" fmla="*/ 734470 h 1169413"/>
+                <a:gd name="connsiteX20" fmla="*/ 217385 w 2149953"/>
+                <a:gd name="connsiteY20" fmla="*/ 625885 h 1169413"/>
+                <a:gd name="connsiteX21" fmla="*/ 217385 w 2149953"/>
+                <a:gd name="connsiteY21" fmla="*/ 625885 h 1169413"/>
+                <a:gd name="connsiteX22" fmla="*/ 196430 w 2149953"/>
+                <a:gd name="connsiteY22" fmla="*/ 610645 h 1169413"/>
+                <a:gd name="connsiteX23" fmla="*/ 146900 w 2149953"/>
+                <a:gd name="connsiteY23" fmla="*/ 648745 h 1169413"/>
+                <a:gd name="connsiteX24" fmla="*/ 103085 w 2149953"/>
+                <a:gd name="connsiteY24" fmla="*/ 681130 h 1169413"/>
+                <a:gd name="connsiteX25" fmla="*/ 68795 w 2149953"/>
+                <a:gd name="connsiteY25" fmla="*/ 660175 h 1169413"/>
+                <a:gd name="connsiteX26" fmla="*/ 64985 w 2149953"/>
+                <a:gd name="connsiteY26" fmla="*/ 583975 h 1169413"/>
+                <a:gd name="connsiteX27" fmla="*/ 103085 w 2149953"/>
+                <a:gd name="connsiteY27" fmla="*/ 521110 h 1169413"/>
+                <a:gd name="connsiteX28" fmla="*/ 169760 w 2149953"/>
+                <a:gd name="connsiteY28" fmla="*/ 450625 h 1169413"/>
+                <a:gd name="connsiteX29" fmla="*/ 226910 w 2149953"/>
+                <a:gd name="connsiteY29" fmla="*/ 458245 h 1169413"/>
+                <a:gd name="connsiteX30" fmla="*/ 259295 w 2149953"/>
+                <a:gd name="connsiteY30" fmla="*/ 450625 h 1169413"/>
+                <a:gd name="connsiteX31" fmla="*/ 274535 w 2149953"/>
+                <a:gd name="connsiteY31" fmla="*/ 433480 h 1169413"/>
+                <a:gd name="connsiteX32" fmla="*/ 280250 w 2149953"/>
+                <a:gd name="connsiteY32" fmla="*/ 372520 h 1169413"/>
+                <a:gd name="connsiteX33" fmla="*/ 257390 w 2149953"/>
+                <a:gd name="connsiteY33" fmla="*/ 368710 h 1169413"/>
+                <a:gd name="connsiteX34" fmla="*/ 171665 w 2149953"/>
+                <a:gd name="connsiteY34" fmla="*/ 362995 h 1169413"/>
+                <a:gd name="connsiteX35" fmla="*/ 141185 w 2149953"/>
+                <a:gd name="connsiteY35" fmla="*/ 336325 h 1169413"/>
+                <a:gd name="connsiteX36" fmla="*/ 103085 w 2149953"/>
+                <a:gd name="connsiteY36" fmla="*/ 284890 h 1169413"/>
+                <a:gd name="connsiteX37" fmla="*/ 186905 w 2149953"/>
+                <a:gd name="connsiteY37" fmla="*/ 233455 h 1169413"/>
+                <a:gd name="connsiteX38" fmla="*/ 293585 w 2149953"/>
+                <a:gd name="connsiteY38" fmla="*/ 271555 h 1169413"/>
+                <a:gd name="connsiteX39" fmla="*/ 324065 w 2149953"/>
+                <a:gd name="connsiteY39" fmla="*/ 309655 h 1169413"/>
+                <a:gd name="connsiteX40" fmla="*/ 348830 w 2149953"/>
+                <a:gd name="connsiteY40" fmla="*/ 246790 h 1169413"/>
+                <a:gd name="connsiteX41" fmla="*/ 226910 w 2149953"/>
+                <a:gd name="connsiteY41" fmla="*/ 168685 h 1169413"/>
+                <a:gd name="connsiteX42" fmla="*/ 165950 w 2149953"/>
+                <a:gd name="connsiteY42" fmla="*/ 105820 h 1169413"/>
+                <a:gd name="connsiteX43" fmla="*/ 223100 w 2149953"/>
+                <a:gd name="connsiteY43" fmla="*/ 56290 h 1169413"/>
+                <a:gd name="connsiteX44" fmla="*/ 358355 w 2149953"/>
+                <a:gd name="connsiteY44" fmla="*/ 111535 h 1169413"/>
+                <a:gd name="connsiteX45" fmla="*/ 413600 w 2149953"/>
+                <a:gd name="connsiteY45" fmla="*/ 218215 h 1169413"/>
+                <a:gd name="connsiteX46" fmla="*/ 463130 w 2149953"/>
+                <a:gd name="connsiteY46" fmla="*/ 355375 h 1169413"/>
+                <a:gd name="connsiteX47" fmla="*/ 505040 w 2149953"/>
+                <a:gd name="connsiteY47" fmla="*/ 433480 h 1169413"/>
+                <a:gd name="connsiteX48" fmla="*/ 550760 w 2149953"/>
+                <a:gd name="connsiteY48" fmla="*/ 437290 h 1169413"/>
+                <a:gd name="connsiteX49" fmla="*/ 556475 w 2149953"/>
+                <a:gd name="connsiteY49" fmla="*/ 361090 h 1169413"/>
+                <a:gd name="connsiteX50" fmla="*/ 508850 w 2149953"/>
+                <a:gd name="connsiteY50" fmla="*/ 105820 h 1169413"/>
+                <a:gd name="connsiteX51" fmla="*/ 516470 w 2149953"/>
+                <a:gd name="connsiteY51" fmla="*/ 2950 h 1169413"/>
+                <a:gd name="connsiteX52" fmla="*/ 554570 w 2149953"/>
+                <a:gd name="connsiteY52" fmla="*/ 25810 h 1169413"/>
+                <a:gd name="connsiteX53" fmla="*/ 554570 w 2149953"/>
+                <a:gd name="connsiteY53" fmla="*/ 25810 h 1169413"/>
+                <a:gd name="connsiteX54" fmla="*/ 581240 w 2149953"/>
+                <a:gd name="connsiteY54" fmla="*/ 176305 h 1169413"/>
+                <a:gd name="connsiteX55" fmla="*/ 615530 w 2149953"/>
+                <a:gd name="connsiteY55" fmla="*/ 347755 h 1169413"/>
+                <a:gd name="connsiteX56" fmla="*/ 678395 w 2149953"/>
+                <a:gd name="connsiteY56" fmla="*/ 412525 h 1169413"/>
+                <a:gd name="connsiteX57" fmla="*/ 716495 w 2149953"/>
+                <a:gd name="connsiteY57" fmla="*/ 332515 h 1169413"/>
+                <a:gd name="connsiteX58" fmla="*/ 722210 w 2149953"/>
+                <a:gd name="connsiteY58" fmla="*/ 281080 h 1169413"/>
+                <a:gd name="connsiteX59" fmla="*/ 777455 w 2149953"/>
+                <a:gd name="connsiteY59" fmla="*/ 342040 h 1169413"/>
+                <a:gd name="connsiteX60" fmla="*/ 767930 w 2149953"/>
+                <a:gd name="connsiteY60" fmla="*/ 452530 h 1169413"/>
+                <a:gd name="connsiteX61" fmla="*/ 800315 w 2149953"/>
+                <a:gd name="connsiteY61" fmla="*/ 696370 h 1169413"/>
+                <a:gd name="connsiteX62" fmla="*/ 1040345 w 2149953"/>
+                <a:gd name="connsiteY62" fmla="*/ 759235 h 1169413"/>
+                <a:gd name="connsiteX63" fmla="*/ 1289900 w 2149953"/>
+                <a:gd name="connsiteY63" fmla="*/ 599215 h 1169413"/>
+                <a:gd name="connsiteX64" fmla="*/ 1392770 w 2149953"/>
+                <a:gd name="connsiteY64" fmla="*/ 302035 h 1169413"/>
+                <a:gd name="connsiteX65" fmla="*/ 1510880 w 2149953"/>
+                <a:gd name="connsiteY65" fmla="*/ 172495 h 1169413"/>
+                <a:gd name="connsiteX66" fmla="*/ 1602320 w 2149953"/>
+                <a:gd name="connsiteY66" fmla="*/ 143920 h 1169413"/>
+                <a:gd name="connsiteX67" fmla="*/ 1663280 w 2149953"/>
+                <a:gd name="connsiteY67" fmla="*/ 130585 h 1169413"/>
+                <a:gd name="connsiteX68" fmla="*/ 1722335 w 2149953"/>
+                <a:gd name="connsiteY68" fmla="*/ 126775 h 1169413"/>
+                <a:gd name="connsiteX69" fmla="*/ 1724240 w 2149953"/>
+                <a:gd name="connsiteY69" fmla="*/ 161065 h 1169413"/>
+                <a:gd name="connsiteX70" fmla="*/ 1621370 w 2149953"/>
+                <a:gd name="connsiteY70" fmla="*/ 216310 h 1169413"/>
+                <a:gd name="connsiteX71" fmla="*/ 1554695 w 2149953"/>
+                <a:gd name="connsiteY71" fmla="*/ 214405 h 1169413"/>
+                <a:gd name="connsiteX72" fmla="*/ 1548980 w 2149953"/>
+                <a:gd name="connsiteY72" fmla="*/ 269650 h 1169413"/>
+                <a:gd name="connsiteX73" fmla="*/ 1743290 w 2149953"/>
+                <a:gd name="connsiteY73" fmla="*/ 267745 h 1169413"/>
+                <a:gd name="connsiteX74" fmla="*/ 1889975 w 2149953"/>
+                <a:gd name="connsiteY74" fmla="*/ 193450 h 1169413"/>
+                <a:gd name="connsiteX75" fmla="*/ 1977605 w 2149953"/>
+                <a:gd name="connsiteY75" fmla="*/ 174400 h 1169413"/>
+                <a:gd name="connsiteX76" fmla="*/ 2070950 w 2149953"/>
+                <a:gd name="connsiteY76" fmla="*/ 197260 h 1169413"/>
+                <a:gd name="connsiteX77" fmla="*/ 2070950 w 2149953"/>
+                <a:gd name="connsiteY77" fmla="*/ 197260 h 1169413"/>
+                <a:gd name="connsiteX78" fmla="*/ 2133815 w 2149953"/>
+                <a:gd name="connsiteY78" fmla="*/ 222025 h 1169413"/>
+                <a:gd name="connsiteX79" fmla="*/ 2137625 w 2149953"/>
+                <a:gd name="connsiteY79" fmla="*/ 302035 h 1169413"/>
+                <a:gd name="connsiteX80" fmla="*/ 1989035 w 2149953"/>
+                <a:gd name="connsiteY80" fmla="*/ 298225 h 1169413"/>
+                <a:gd name="connsiteX81" fmla="*/ 1853780 w 2149953"/>
+                <a:gd name="connsiteY81" fmla="*/ 288700 h 1169413"/>
+                <a:gd name="connsiteX82" fmla="*/ 1771865 w 2149953"/>
+                <a:gd name="connsiteY82" fmla="*/ 349660 h 1169413"/>
+                <a:gd name="connsiteX83" fmla="*/ 1827110 w 2149953"/>
+                <a:gd name="connsiteY83" fmla="*/ 395380 h 1169413"/>
+                <a:gd name="connsiteX84" fmla="*/ 1950935 w 2149953"/>
+                <a:gd name="connsiteY84" fmla="*/ 382045 h 1169413"/>
+                <a:gd name="connsiteX85" fmla="*/ 2061425 w 2149953"/>
+                <a:gd name="connsiteY85" fmla="*/ 383950 h 1169413"/>
+                <a:gd name="connsiteX86" fmla="*/ 2090000 w 2149953"/>
+                <a:gd name="connsiteY86" fmla="*/ 446815 h 1169413"/>
+                <a:gd name="connsiteX87" fmla="*/ 2057615 w 2149953"/>
+                <a:gd name="connsiteY87" fmla="*/ 521110 h 1169413"/>
+                <a:gd name="connsiteX88" fmla="*/ 1950935 w 2149953"/>
+                <a:gd name="connsiteY88" fmla="*/ 490630 h 1169413"/>
+                <a:gd name="connsiteX89" fmla="*/ 1846160 w 2149953"/>
+                <a:gd name="connsiteY89" fmla="*/ 452530 h 1169413"/>
+                <a:gd name="connsiteX90" fmla="*/ 1756625 w 2149953"/>
+                <a:gd name="connsiteY90" fmla="*/ 439195 h 1169413"/>
+                <a:gd name="connsiteX91" fmla="*/ 1707095 w 2149953"/>
+                <a:gd name="connsiteY91" fmla="*/ 427765 h 1169413"/>
+                <a:gd name="connsiteX92" fmla="*/ 1688045 w 2149953"/>
+                <a:gd name="connsiteY92" fmla="*/ 524920 h 1169413"/>
+                <a:gd name="connsiteX93" fmla="*/ 1789010 w 2149953"/>
+                <a:gd name="connsiteY93" fmla="*/ 587785 h 1169413"/>
+                <a:gd name="connsiteX94" fmla="*/ 1895690 w 2149953"/>
+                <a:gd name="connsiteY94" fmla="*/ 610645 h 1169413"/>
+                <a:gd name="connsiteX95" fmla="*/ 1968080 w 2149953"/>
+                <a:gd name="connsiteY95" fmla="*/ 656365 h 1169413"/>
+                <a:gd name="connsiteX96" fmla="*/ 2023325 w 2149953"/>
+                <a:gd name="connsiteY96" fmla="*/ 703990 h 1169413"/>
+                <a:gd name="connsiteX97" fmla="*/ 2044280 w 2149953"/>
+                <a:gd name="connsiteY97" fmla="*/ 797335 h 1169413"/>
+                <a:gd name="connsiteX98" fmla="*/ 1964270 w 2149953"/>
+                <a:gd name="connsiteY98" fmla="*/ 816385 h 1169413"/>
+                <a:gd name="connsiteX99" fmla="*/ 1859495 w 2149953"/>
+                <a:gd name="connsiteY99" fmla="*/ 745900 h 1169413"/>
+                <a:gd name="connsiteX100" fmla="*/ 1739480 w 2149953"/>
+                <a:gd name="connsiteY100" fmla="*/ 700180 h 1169413"/>
+                <a:gd name="connsiteX101" fmla="*/ 1665185 w 2149953"/>
+                <a:gd name="connsiteY101" fmla="*/ 732565 h 1169413"/>
+                <a:gd name="connsiteX102" fmla="*/ 1720430 w 2149953"/>
+                <a:gd name="connsiteY102" fmla="*/ 820195 h 1169413"/>
+                <a:gd name="connsiteX103" fmla="*/ 1806155 w 2149953"/>
+                <a:gd name="connsiteY103" fmla="*/ 858295 h 1169413"/>
+                <a:gd name="connsiteX104" fmla="*/ 1874735 w 2149953"/>
+                <a:gd name="connsiteY104" fmla="*/ 936400 h 1169413"/>
+                <a:gd name="connsiteX105" fmla="*/ 1796630 w 2149953"/>
+                <a:gd name="connsiteY105" fmla="*/ 944020 h 1169413"/>
+                <a:gd name="connsiteX106" fmla="*/ 1846160 w 2149953"/>
+                <a:gd name="connsiteY106" fmla="*/ 980215 h 1169413"/>
+                <a:gd name="connsiteX107" fmla="*/ 1709000 w 2149953"/>
+                <a:gd name="connsiteY107" fmla="*/ 1090705 h 1169413"/>
+                <a:gd name="connsiteX108" fmla="*/ 1032725 w 2149953"/>
+                <a:gd name="connsiteY108" fmla="*/ 1168810 h 1169413"/>
+                <a:gd name="connsiteX109" fmla="*/ 583145 w 2149953"/>
+                <a:gd name="connsiteY109" fmla="*/ 1121185 h 1169413"/>
+                <a:gd name="connsiteX110" fmla="*/ 365975 w 2149953"/>
+                <a:gd name="connsiteY110" fmla="*/ 1016410 h 1169413"/>
+                <a:gd name="connsiteX0" fmla="*/ 365975 w 2149953"/>
+                <a:gd name="connsiteY0" fmla="*/ 1016410 h 1169413"/>
+                <a:gd name="connsiteX1" fmla="*/ 318350 w 2149953"/>
+                <a:gd name="connsiteY1" fmla="*/ 980215 h 1169413"/>
+                <a:gd name="connsiteX2" fmla="*/ 331685 w 2149953"/>
+                <a:gd name="connsiteY2" fmla="*/ 945925 h 1169413"/>
+                <a:gd name="connsiteX3" fmla="*/ 285965 w 2149953"/>
+                <a:gd name="connsiteY3" fmla="*/ 930685 h 1169413"/>
+                <a:gd name="connsiteX4" fmla="*/ 245960 w 2149953"/>
+                <a:gd name="connsiteY4" fmla="*/ 955450 h 1169413"/>
+                <a:gd name="connsiteX5" fmla="*/ 207860 w 2149953"/>
+                <a:gd name="connsiteY5" fmla="*/ 993550 h 1169413"/>
+                <a:gd name="connsiteX6" fmla="*/ 207860 w 2149953"/>
+                <a:gd name="connsiteY6" fmla="*/ 993550 h 1169413"/>
+                <a:gd name="connsiteX7" fmla="*/ 179285 w 2149953"/>
+                <a:gd name="connsiteY7" fmla="*/ 982120 h 1169413"/>
+                <a:gd name="connsiteX8" fmla="*/ 164045 w 2149953"/>
+                <a:gd name="connsiteY8" fmla="*/ 951640 h 1169413"/>
+                <a:gd name="connsiteX9" fmla="*/ 209765 w 2149953"/>
+                <a:gd name="connsiteY9" fmla="*/ 911635 h 1169413"/>
+                <a:gd name="connsiteX10" fmla="*/ 200240 w 2149953"/>
+                <a:gd name="connsiteY10" fmla="*/ 869725 h 1169413"/>
+                <a:gd name="connsiteX11" fmla="*/ 141185 w 2149953"/>
+                <a:gd name="connsiteY11" fmla="*/ 894490 h 1169413"/>
+                <a:gd name="connsiteX12" fmla="*/ 104990 w 2149953"/>
+                <a:gd name="connsiteY12" fmla="*/ 928780 h 1169413"/>
+                <a:gd name="connsiteX13" fmla="*/ 55460 w 2149953"/>
+                <a:gd name="connsiteY13" fmla="*/ 959260 h 1169413"/>
+                <a:gd name="connsiteX14" fmla="*/ 34505 w 2149953"/>
+                <a:gd name="connsiteY14" fmla="*/ 976405 h 1169413"/>
+                <a:gd name="connsiteX15" fmla="*/ 215 w 2149953"/>
+                <a:gd name="connsiteY15" fmla="*/ 945925 h 1169413"/>
+                <a:gd name="connsiteX16" fmla="*/ 21170 w 2149953"/>
+                <a:gd name="connsiteY16" fmla="*/ 904015 h 1169413"/>
+                <a:gd name="connsiteX17" fmla="*/ 45935 w 2149953"/>
+                <a:gd name="connsiteY17" fmla="*/ 869725 h 1169413"/>
+                <a:gd name="connsiteX18" fmla="*/ 104990 w 2149953"/>
+                <a:gd name="connsiteY18" fmla="*/ 793525 h 1169413"/>
+                <a:gd name="connsiteX19" fmla="*/ 200240 w 2149953"/>
+                <a:gd name="connsiteY19" fmla="*/ 734470 h 1169413"/>
+                <a:gd name="connsiteX20" fmla="*/ 217385 w 2149953"/>
+                <a:gd name="connsiteY20" fmla="*/ 625885 h 1169413"/>
+                <a:gd name="connsiteX21" fmla="*/ 217385 w 2149953"/>
+                <a:gd name="connsiteY21" fmla="*/ 625885 h 1169413"/>
+                <a:gd name="connsiteX22" fmla="*/ 196430 w 2149953"/>
+                <a:gd name="connsiteY22" fmla="*/ 610645 h 1169413"/>
+                <a:gd name="connsiteX23" fmla="*/ 146900 w 2149953"/>
+                <a:gd name="connsiteY23" fmla="*/ 648745 h 1169413"/>
+                <a:gd name="connsiteX24" fmla="*/ 103085 w 2149953"/>
+                <a:gd name="connsiteY24" fmla="*/ 681130 h 1169413"/>
+                <a:gd name="connsiteX25" fmla="*/ 68795 w 2149953"/>
+                <a:gd name="connsiteY25" fmla="*/ 660175 h 1169413"/>
+                <a:gd name="connsiteX26" fmla="*/ 64985 w 2149953"/>
+                <a:gd name="connsiteY26" fmla="*/ 583975 h 1169413"/>
+                <a:gd name="connsiteX27" fmla="*/ 103085 w 2149953"/>
+                <a:gd name="connsiteY27" fmla="*/ 521110 h 1169413"/>
+                <a:gd name="connsiteX28" fmla="*/ 169760 w 2149953"/>
+                <a:gd name="connsiteY28" fmla="*/ 450625 h 1169413"/>
+                <a:gd name="connsiteX29" fmla="*/ 226910 w 2149953"/>
+                <a:gd name="connsiteY29" fmla="*/ 458245 h 1169413"/>
+                <a:gd name="connsiteX30" fmla="*/ 259295 w 2149953"/>
+                <a:gd name="connsiteY30" fmla="*/ 450625 h 1169413"/>
+                <a:gd name="connsiteX31" fmla="*/ 274535 w 2149953"/>
+                <a:gd name="connsiteY31" fmla="*/ 433480 h 1169413"/>
+                <a:gd name="connsiteX32" fmla="*/ 280250 w 2149953"/>
+                <a:gd name="connsiteY32" fmla="*/ 372520 h 1169413"/>
+                <a:gd name="connsiteX33" fmla="*/ 257390 w 2149953"/>
+                <a:gd name="connsiteY33" fmla="*/ 368710 h 1169413"/>
+                <a:gd name="connsiteX34" fmla="*/ 171665 w 2149953"/>
+                <a:gd name="connsiteY34" fmla="*/ 362995 h 1169413"/>
+                <a:gd name="connsiteX35" fmla="*/ 141185 w 2149953"/>
+                <a:gd name="connsiteY35" fmla="*/ 336325 h 1169413"/>
+                <a:gd name="connsiteX36" fmla="*/ 103085 w 2149953"/>
+                <a:gd name="connsiteY36" fmla="*/ 284890 h 1169413"/>
+                <a:gd name="connsiteX37" fmla="*/ 186905 w 2149953"/>
+                <a:gd name="connsiteY37" fmla="*/ 233455 h 1169413"/>
+                <a:gd name="connsiteX38" fmla="*/ 293585 w 2149953"/>
+                <a:gd name="connsiteY38" fmla="*/ 271555 h 1169413"/>
+                <a:gd name="connsiteX39" fmla="*/ 324065 w 2149953"/>
+                <a:gd name="connsiteY39" fmla="*/ 309655 h 1169413"/>
+                <a:gd name="connsiteX40" fmla="*/ 348830 w 2149953"/>
+                <a:gd name="connsiteY40" fmla="*/ 246790 h 1169413"/>
+                <a:gd name="connsiteX41" fmla="*/ 226910 w 2149953"/>
+                <a:gd name="connsiteY41" fmla="*/ 168685 h 1169413"/>
+                <a:gd name="connsiteX42" fmla="*/ 165950 w 2149953"/>
+                <a:gd name="connsiteY42" fmla="*/ 105820 h 1169413"/>
+                <a:gd name="connsiteX43" fmla="*/ 223100 w 2149953"/>
+                <a:gd name="connsiteY43" fmla="*/ 56290 h 1169413"/>
+                <a:gd name="connsiteX44" fmla="*/ 358355 w 2149953"/>
+                <a:gd name="connsiteY44" fmla="*/ 111535 h 1169413"/>
+                <a:gd name="connsiteX45" fmla="*/ 413600 w 2149953"/>
+                <a:gd name="connsiteY45" fmla="*/ 218215 h 1169413"/>
+                <a:gd name="connsiteX46" fmla="*/ 463130 w 2149953"/>
+                <a:gd name="connsiteY46" fmla="*/ 355375 h 1169413"/>
+                <a:gd name="connsiteX47" fmla="*/ 505040 w 2149953"/>
+                <a:gd name="connsiteY47" fmla="*/ 433480 h 1169413"/>
+                <a:gd name="connsiteX48" fmla="*/ 550760 w 2149953"/>
+                <a:gd name="connsiteY48" fmla="*/ 437290 h 1169413"/>
+                <a:gd name="connsiteX49" fmla="*/ 556475 w 2149953"/>
+                <a:gd name="connsiteY49" fmla="*/ 361090 h 1169413"/>
+                <a:gd name="connsiteX50" fmla="*/ 508850 w 2149953"/>
+                <a:gd name="connsiteY50" fmla="*/ 105820 h 1169413"/>
+                <a:gd name="connsiteX51" fmla="*/ 516470 w 2149953"/>
+                <a:gd name="connsiteY51" fmla="*/ 2950 h 1169413"/>
+                <a:gd name="connsiteX52" fmla="*/ 554570 w 2149953"/>
+                <a:gd name="connsiteY52" fmla="*/ 25810 h 1169413"/>
+                <a:gd name="connsiteX53" fmla="*/ 554570 w 2149953"/>
+                <a:gd name="connsiteY53" fmla="*/ 25810 h 1169413"/>
+                <a:gd name="connsiteX54" fmla="*/ 581240 w 2149953"/>
+                <a:gd name="connsiteY54" fmla="*/ 176305 h 1169413"/>
+                <a:gd name="connsiteX55" fmla="*/ 615530 w 2149953"/>
+                <a:gd name="connsiteY55" fmla="*/ 347755 h 1169413"/>
+                <a:gd name="connsiteX56" fmla="*/ 678395 w 2149953"/>
+                <a:gd name="connsiteY56" fmla="*/ 412525 h 1169413"/>
+                <a:gd name="connsiteX57" fmla="*/ 716495 w 2149953"/>
+                <a:gd name="connsiteY57" fmla="*/ 332515 h 1169413"/>
+                <a:gd name="connsiteX58" fmla="*/ 722210 w 2149953"/>
+                <a:gd name="connsiteY58" fmla="*/ 281080 h 1169413"/>
+                <a:gd name="connsiteX59" fmla="*/ 777455 w 2149953"/>
+                <a:gd name="connsiteY59" fmla="*/ 342040 h 1169413"/>
+                <a:gd name="connsiteX60" fmla="*/ 767930 w 2149953"/>
+                <a:gd name="connsiteY60" fmla="*/ 452530 h 1169413"/>
+                <a:gd name="connsiteX61" fmla="*/ 800315 w 2149953"/>
+                <a:gd name="connsiteY61" fmla="*/ 696370 h 1169413"/>
+                <a:gd name="connsiteX62" fmla="*/ 1040345 w 2149953"/>
+                <a:gd name="connsiteY62" fmla="*/ 759235 h 1169413"/>
+                <a:gd name="connsiteX63" fmla="*/ 1289900 w 2149953"/>
+                <a:gd name="connsiteY63" fmla="*/ 599215 h 1169413"/>
+                <a:gd name="connsiteX64" fmla="*/ 1392770 w 2149953"/>
+                <a:gd name="connsiteY64" fmla="*/ 302035 h 1169413"/>
+                <a:gd name="connsiteX65" fmla="*/ 1510880 w 2149953"/>
+                <a:gd name="connsiteY65" fmla="*/ 172495 h 1169413"/>
+                <a:gd name="connsiteX66" fmla="*/ 1602320 w 2149953"/>
+                <a:gd name="connsiteY66" fmla="*/ 143920 h 1169413"/>
+                <a:gd name="connsiteX67" fmla="*/ 1663280 w 2149953"/>
+                <a:gd name="connsiteY67" fmla="*/ 130585 h 1169413"/>
+                <a:gd name="connsiteX68" fmla="*/ 1722335 w 2149953"/>
+                <a:gd name="connsiteY68" fmla="*/ 126775 h 1169413"/>
+                <a:gd name="connsiteX69" fmla="*/ 1724240 w 2149953"/>
+                <a:gd name="connsiteY69" fmla="*/ 161065 h 1169413"/>
+                <a:gd name="connsiteX70" fmla="*/ 1621370 w 2149953"/>
+                <a:gd name="connsiteY70" fmla="*/ 216310 h 1169413"/>
+                <a:gd name="connsiteX71" fmla="*/ 1569935 w 2149953"/>
+                <a:gd name="connsiteY71" fmla="*/ 241075 h 1169413"/>
+                <a:gd name="connsiteX72" fmla="*/ 1548980 w 2149953"/>
+                <a:gd name="connsiteY72" fmla="*/ 269650 h 1169413"/>
+                <a:gd name="connsiteX73" fmla="*/ 1743290 w 2149953"/>
+                <a:gd name="connsiteY73" fmla="*/ 267745 h 1169413"/>
+                <a:gd name="connsiteX74" fmla="*/ 1889975 w 2149953"/>
+                <a:gd name="connsiteY74" fmla="*/ 193450 h 1169413"/>
+                <a:gd name="connsiteX75" fmla="*/ 1977605 w 2149953"/>
+                <a:gd name="connsiteY75" fmla="*/ 174400 h 1169413"/>
+                <a:gd name="connsiteX76" fmla="*/ 2070950 w 2149953"/>
+                <a:gd name="connsiteY76" fmla="*/ 197260 h 1169413"/>
+                <a:gd name="connsiteX77" fmla="*/ 2070950 w 2149953"/>
+                <a:gd name="connsiteY77" fmla="*/ 197260 h 1169413"/>
+                <a:gd name="connsiteX78" fmla="*/ 2133815 w 2149953"/>
+                <a:gd name="connsiteY78" fmla="*/ 222025 h 1169413"/>
+                <a:gd name="connsiteX79" fmla="*/ 2137625 w 2149953"/>
+                <a:gd name="connsiteY79" fmla="*/ 302035 h 1169413"/>
+                <a:gd name="connsiteX80" fmla="*/ 1989035 w 2149953"/>
+                <a:gd name="connsiteY80" fmla="*/ 298225 h 1169413"/>
+                <a:gd name="connsiteX81" fmla="*/ 1853780 w 2149953"/>
+                <a:gd name="connsiteY81" fmla="*/ 288700 h 1169413"/>
+                <a:gd name="connsiteX82" fmla="*/ 1771865 w 2149953"/>
+                <a:gd name="connsiteY82" fmla="*/ 349660 h 1169413"/>
+                <a:gd name="connsiteX83" fmla="*/ 1827110 w 2149953"/>
+                <a:gd name="connsiteY83" fmla="*/ 395380 h 1169413"/>
+                <a:gd name="connsiteX84" fmla="*/ 1950935 w 2149953"/>
+                <a:gd name="connsiteY84" fmla="*/ 382045 h 1169413"/>
+                <a:gd name="connsiteX85" fmla="*/ 2061425 w 2149953"/>
+                <a:gd name="connsiteY85" fmla="*/ 383950 h 1169413"/>
+                <a:gd name="connsiteX86" fmla="*/ 2090000 w 2149953"/>
+                <a:gd name="connsiteY86" fmla="*/ 446815 h 1169413"/>
+                <a:gd name="connsiteX87" fmla="*/ 2057615 w 2149953"/>
+                <a:gd name="connsiteY87" fmla="*/ 521110 h 1169413"/>
+                <a:gd name="connsiteX88" fmla="*/ 1950935 w 2149953"/>
+                <a:gd name="connsiteY88" fmla="*/ 490630 h 1169413"/>
+                <a:gd name="connsiteX89" fmla="*/ 1846160 w 2149953"/>
+                <a:gd name="connsiteY89" fmla="*/ 452530 h 1169413"/>
+                <a:gd name="connsiteX90" fmla="*/ 1756625 w 2149953"/>
+                <a:gd name="connsiteY90" fmla="*/ 439195 h 1169413"/>
+                <a:gd name="connsiteX91" fmla="*/ 1707095 w 2149953"/>
+                <a:gd name="connsiteY91" fmla="*/ 427765 h 1169413"/>
+                <a:gd name="connsiteX92" fmla="*/ 1688045 w 2149953"/>
+                <a:gd name="connsiteY92" fmla="*/ 524920 h 1169413"/>
+                <a:gd name="connsiteX93" fmla="*/ 1789010 w 2149953"/>
+                <a:gd name="connsiteY93" fmla="*/ 587785 h 1169413"/>
+                <a:gd name="connsiteX94" fmla="*/ 1895690 w 2149953"/>
+                <a:gd name="connsiteY94" fmla="*/ 610645 h 1169413"/>
+                <a:gd name="connsiteX95" fmla="*/ 1968080 w 2149953"/>
+                <a:gd name="connsiteY95" fmla="*/ 656365 h 1169413"/>
+                <a:gd name="connsiteX96" fmla="*/ 2023325 w 2149953"/>
+                <a:gd name="connsiteY96" fmla="*/ 703990 h 1169413"/>
+                <a:gd name="connsiteX97" fmla="*/ 2044280 w 2149953"/>
+                <a:gd name="connsiteY97" fmla="*/ 797335 h 1169413"/>
+                <a:gd name="connsiteX98" fmla="*/ 1964270 w 2149953"/>
+                <a:gd name="connsiteY98" fmla="*/ 816385 h 1169413"/>
+                <a:gd name="connsiteX99" fmla="*/ 1859495 w 2149953"/>
+                <a:gd name="connsiteY99" fmla="*/ 745900 h 1169413"/>
+                <a:gd name="connsiteX100" fmla="*/ 1739480 w 2149953"/>
+                <a:gd name="connsiteY100" fmla="*/ 700180 h 1169413"/>
+                <a:gd name="connsiteX101" fmla="*/ 1665185 w 2149953"/>
+                <a:gd name="connsiteY101" fmla="*/ 732565 h 1169413"/>
+                <a:gd name="connsiteX102" fmla="*/ 1720430 w 2149953"/>
+                <a:gd name="connsiteY102" fmla="*/ 820195 h 1169413"/>
+                <a:gd name="connsiteX103" fmla="*/ 1806155 w 2149953"/>
+                <a:gd name="connsiteY103" fmla="*/ 858295 h 1169413"/>
+                <a:gd name="connsiteX104" fmla="*/ 1874735 w 2149953"/>
+                <a:gd name="connsiteY104" fmla="*/ 936400 h 1169413"/>
+                <a:gd name="connsiteX105" fmla="*/ 1796630 w 2149953"/>
+                <a:gd name="connsiteY105" fmla="*/ 944020 h 1169413"/>
+                <a:gd name="connsiteX106" fmla="*/ 1846160 w 2149953"/>
+                <a:gd name="connsiteY106" fmla="*/ 980215 h 1169413"/>
+                <a:gd name="connsiteX107" fmla="*/ 1709000 w 2149953"/>
+                <a:gd name="connsiteY107" fmla="*/ 1090705 h 1169413"/>
+                <a:gd name="connsiteX108" fmla="*/ 1032725 w 2149953"/>
+                <a:gd name="connsiteY108" fmla="*/ 1168810 h 1169413"/>
+                <a:gd name="connsiteX109" fmla="*/ 583145 w 2149953"/>
+                <a:gd name="connsiteY109" fmla="*/ 1121185 h 1169413"/>
+                <a:gd name="connsiteX110" fmla="*/ 365975 w 2149953"/>
+                <a:gd name="connsiteY110" fmla="*/ 1016410 h 1169413"/>
+                <a:gd name="connsiteX0" fmla="*/ 365975 w 2149953"/>
+                <a:gd name="connsiteY0" fmla="*/ 1016410 h 1169413"/>
+                <a:gd name="connsiteX1" fmla="*/ 318350 w 2149953"/>
+                <a:gd name="connsiteY1" fmla="*/ 980215 h 1169413"/>
+                <a:gd name="connsiteX2" fmla="*/ 331685 w 2149953"/>
+                <a:gd name="connsiteY2" fmla="*/ 945925 h 1169413"/>
+                <a:gd name="connsiteX3" fmla="*/ 285965 w 2149953"/>
+                <a:gd name="connsiteY3" fmla="*/ 930685 h 1169413"/>
+                <a:gd name="connsiteX4" fmla="*/ 245960 w 2149953"/>
+                <a:gd name="connsiteY4" fmla="*/ 955450 h 1169413"/>
+                <a:gd name="connsiteX5" fmla="*/ 207860 w 2149953"/>
+                <a:gd name="connsiteY5" fmla="*/ 993550 h 1169413"/>
+                <a:gd name="connsiteX6" fmla="*/ 207860 w 2149953"/>
+                <a:gd name="connsiteY6" fmla="*/ 993550 h 1169413"/>
+                <a:gd name="connsiteX7" fmla="*/ 179285 w 2149953"/>
+                <a:gd name="connsiteY7" fmla="*/ 982120 h 1169413"/>
+                <a:gd name="connsiteX8" fmla="*/ 164045 w 2149953"/>
+                <a:gd name="connsiteY8" fmla="*/ 951640 h 1169413"/>
+                <a:gd name="connsiteX9" fmla="*/ 209765 w 2149953"/>
+                <a:gd name="connsiteY9" fmla="*/ 911635 h 1169413"/>
+                <a:gd name="connsiteX10" fmla="*/ 200240 w 2149953"/>
+                <a:gd name="connsiteY10" fmla="*/ 869725 h 1169413"/>
+                <a:gd name="connsiteX11" fmla="*/ 141185 w 2149953"/>
+                <a:gd name="connsiteY11" fmla="*/ 894490 h 1169413"/>
+                <a:gd name="connsiteX12" fmla="*/ 104990 w 2149953"/>
+                <a:gd name="connsiteY12" fmla="*/ 928780 h 1169413"/>
+                <a:gd name="connsiteX13" fmla="*/ 55460 w 2149953"/>
+                <a:gd name="connsiteY13" fmla="*/ 959260 h 1169413"/>
+                <a:gd name="connsiteX14" fmla="*/ 34505 w 2149953"/>
+                <a:gd name="connsiteY14" fmla="*/ 976405 h 1169413"/>
+                <a:gd name="connsiteX15" fmla="*/ 215 w 2149953"/>
+                <a:gd name="connsiteY15" fmla="*/ 945925 h 1169413"/>
+                <a:gd name="connsiteX16" fmla="*/ 21170 w 2149953"/>
+                <a:gd name="connsiteY16" fmla="*/ 904015 h 1169413"/>
+                <a:gd name="connsiteX17" fmla="*/ 45935 w 2149953"/>
+                <a:gd name="connsiteY17" fmla="*/ 869725 h 1169413"/>
+                <a:gd name="connsiteX18" fmla="*/ 104990 w 2149953"/>
+                <a:gd name="connsiteY18" fmla="*/ 793525 h 1169413"/>
+                <a:gd name="connsiteX19" fmla="*/ 200240 w 2149953"/>
+                <a:gd name="connsiteY19" fmla="*/ 734470 h 1169413"/>
+                <a:gd name="connsiteX20" fmla="*/ 217385 w 2149953"/>
+                <a:gd name="connsiteY20" fmla="*/ 625885 h 1169413"/>
+                <a:gd name="connsiteX21" fmla="*/ 217385 w 2149953"/>
+                <a:gd name="connsiteY21" fmla="*/ 625885 h 1169413"/>
+                <a:gd name="connsiteX22" fmla="*/ 196430 w 2149953"/>
+                <a:gd name="connsiteY22" fmla="*/ 610645 h 1169413"/>
+                <a:gd name="connsiteX23" fmla="*/ 146900 w 2149953"/>
+                <a:gd name="connsiteY23" fmla="*/ 648745 h 1169413"/>
+                <a:gd name="connsiteX24" fmla="*/ 103085 w 2149953"/>
+                <a:gd name="connsiteY24" fmla="*/ 681130 h 1169413"/>
+                <a:gd name="connsiteX25" fmla="*/ 68795 w 2149953"/>
+                <a:gd name="connsiteY25" fmla="*/ 660175 h 1169413"/>
+                <a:gd name="connsiteX26" fmla="*/ 64985 w 2149953"/>
+                <a:gd name="connsiteY26" fmla="*/ 583975 h 1169413"/>
+                <a:gd name="connsiteX27" fmla="*/ 103085 w 2149953"/>
+                <a:gd name="connsiteY27" fmla="*/ 521110 h 1169413"/>
+                <a:gd name="connsiteX28" fmla="*/ 169760 w 2149953"/>
+                <a:gd name="connsiteY28" fmla="*/ 450625 h 1169413"/>
+                <a:gd name="connsiteX29" fmla="*/ 226910 w 2149953"/>
+                <a:gd name="connsiteY29" fmla="*/ 458245 h 1169413"/>
+                <a:gd name="connsiteX30" fmla="*/ 259295 w 2149953"/>
+                <a:gd name="connsiteY30" fmla="*/ 450625 h 1169413"/>
+                <a:gd name="connsiteX31" fmla="*/ 274535 w 2149953"/>
+                <a:gd name="connsiteY31" fmla="*/ 433480 h 1169413"/>
+                <a:gd name="connsiteX32" fmla="*/ 280250 w 2149953"/>
+                <a:gd name="connsiteY32" fmla="*/ 372520 h 1169413"/>
+                <a:gd name="connsiteX33" fmla="*/ 257390 w 2149953"/>
+                <a:gd name="connsiteY33" fmla="*/ 368710 h 1169413"/>
+                <a:gd name="connsiteX34" fmla="*/ 171665 w 2149953"/>
+                <a:gd name="connsiteY34" fmla="*/ 362995 h 1169413"/>
+                <a:gd name="connsiteX35" fmla="*/ 141185 w 2149953"/>
+                <a:gd name="connsiteY35" fmla="*/ 336325 h 1169413"/>
+                <a:gd name="connsiteX36" fmla="*/ 103085 w 2149953"/>
+                <a:gd name="connsiteY36" fmla="*/ 284890 h 1169413"/>
+                <a:gd name="connsiteX37" fmla="*/ 186905 w 2149953"/>
+                <a:gd name="connsiteY37" fmla="*/ 233455 h 1169413"/>
+                <a:gd name="connsiteX38" fmla="*/ 293585 w 2149953"/>
+                <a:gd name="connsiteY38" fmla="*/ 271555 h 1169413"/>
+                <a:gd name="connsiteX39" fmla="*/ 324065 w 2149953"/>
+                <a:gd name="connsiteY39" fmla="*/ 309655 h 1169413"/>
+                <a:gd name="connsiteX40" fmla="*/ 348830 w 2149953"/>
+                <a:gd name="connsiteY40" fmla="*/ 246790 h 1169413"/>
+                <a:gd name="connsiteX41" fmla="*/ 226910 w 2149953"/>
+                <a:gd name="connsiteY41" fmla="*/ 168685 h 1169413"/>
+                <a:gd name="connsiteX42" fmla="*/ 165950 w 2149953"/>
+                <a:gd name="connsiteY42" fmla="*/ 105820 h 1169413"/>
+                <a:gd name="connsiteX43" fmla="*/ 223100 w 2149953"/>
+                <a:gd name="connsiteY43" fmla="*/ 56290 h 1169413"/>
+                <a:gd name="connsiteX44" fmla="*/ 358355 w 2149953"/>
+                <a:gd name="connsiteY44" fmla="*/ 111535 h 1169413"/>
+                <a:gd name="connsiteX45" fmla="*/ 413600 w 2149953"/>
+                <a:gd name="connsiteY45" fmla="*/ 218215 h 1169413"/>
+                <a:gd name="connsiteX46" fmla="*/ 463130 w 2149953"/>
+                <a:gd name="connsiteY46" fmla="*/ 355375 h 1169413"/>
+                <a:gd name="connsiteX47" fmla="*/ 505040 w 2149953"/>
+                <a:gd name="connsiteY47" fmla="*/ 433480 h 1169413"/>
+                <a:gd name="connsiteX48" fmla="*/ 550760 w 2149953"/>
+                <a:gd name="connsiteY48" fmla="*/ 437290 h 1169413"/>
+                <a:gd name="connsiteX49" fmla="*/ 556475 w 2149953"/>
+                <a:gd name="connsiteY49" fmla="*/ 361090 h 1169413"/>
+                <a:gd name="connsiteX50" fmla="*/ 508850 w 2149953"/>
+                <a:gd name="connsiteY50" fmla="*/ 105820 h 1169413"/>
+                <a:gd name="connsiteX51" fmla="*/ 516470 w 2149953"/>
+                <a:gd name="connsiteY51" fmla="*/ 2950 h 1169413"/>
+                <a:gd name="connsiteX52" fmla="*/ 554570 w 2149953"/>
+                <a:gd name="connsiteY52" fmla="*/ 25810 h 1169413"/>
+                <a:gd name="connsiteX53" fmla="*/ 554570 w 2149953"/>
+                <a:gd name="connsiteY53" fmla="*/ 25810 h 1169413"/>
+                <a:gd name="connsiteX54" fmla="*/ 581240 w 2149953"/>
+                <a:gd name="connsiteY54" fmla="*/ 176305 h 1169413"/>
+                <a:gd name="connsiteX55" fmla="*/ 615530 w 2149953"/>
+                <a:gd name="connsiteY55" fmla="*/ 347755 h 1169413"/>
+                <a:gd name="connsiteX56" fmla="*/ 678395 w 2149953"/>
+                <a:gd name="connsiteY56" fmla="*/ 412525 h 1169413"/>
+                <a:gd name="connsiteX57" fmla="*/ 716495 w 2149953"/>
+                <a:gd name="connsiteY57" fmla="*/ 332515 h 1169413"/>
+                <a:gd name="connsiteX58" fmla="*/ 722210 w 2149953"/>
+                <a:gd name="connsiteY58" fmla="*/ 281080 h 1169413"/>
+                <a:gd name="connsiteX59" fmla="*/ 777455 w 2149953"/>
+                <a:gd name="connsiteY59" fmla="*/ 342040 h 1169413"/>
+                <a:gd name="connsiteX60" fmla="*/ 767930 w 2149953"/>
+                <a:gd name="connsiteY60" fmla="*/ 452530 h 1169413"/>
+                <a:gd name="connsiteX61" fmla="*/ 800315 w 2149953"/>
+                <a:gd name="connsiteY61" fmla="*/ 696370 h 1169413"/>
+                <a:gd name="connsiteX62" fmla="*/ 1040345 w 2149953"/>
+                <a:gd name="connsiteY62" fmla="*/ 759235 h 1169413"/>
+                <a:gd name="connsiteX63" fmla="*/ 1289900 w 2149953"/>
+                <a:gd name="connsiteY63" fmla="*/ 599215 h 1169413"/>
+                <a:gd name="connsiteX64" fmla="*/ 1392770 w 2149953"/>
+                <a:gd name="connsiteY64" fmla="*/ 302035 h 1169413"/>
+                <a:gd name="connsiteX65" fmla="*/ 1510880 w 2149953"/>
+                <a:gd name="connsiteY65" fmla="*/ 172495 h 1169413"/>
+                <a:gd name="connsiteX66" fmla="*/ 1598510 w 2149953"/>
+                <a:gd name="connsiteY66" fmla="*/ 124870 h 1169413"/>
+                <a:gd name="connsiteX67" fmla="*/ 1663280 w 2149953"/>
+                <a:gd name="connsiteY67" fmla="*/ 130585 h 1169413"/>
+                <a:gd name="connsiteX68" fmla="*/ 1722335 w 2149953"/>
+                <a:gd name="connsiteY68" fmla="*/ 126775 h 1169413"/>
+                <a:gd name="connsiteX69" fmla="*/ 1724240 w 2149953"/>
+                <a:gd name="connsiteY69" fmla="*/ 161065 h 1169413"/>
+                <a:gd name="connsiteX70" fmla="*/ 1621370 w 2149953"/>
+                <a:gd name="connsiteY70" fmla="*/ 216310 h 1169413"/>
+                <a:gd name="connsiteX71" fmla="*/ 1569935 w 2149953"/>
+                <a:gd name="connsiteY71" fmla="*/ 241075 h 1169413"/>
+                <a:gd name="connsiteX72" fmla="*/ 1548980 w 2149953"/>
+                <a:gd name="connsiteY72" fmla="*/ 269650 h 1169413"/>
+                <a:gd name="connsiteX73" fmla="*/ 1743290 w 2149953"/>
+                <a:gd name="connsiteY73" fmla="*/ 267745 h 1169413"/>
+                <a:gd name="connsiteX74" fmla="*/ 1889975 w 2149953"/>
+                <a:gd name="connsiteY74" fmla="*/ 193450 h 1169413"/>
+                <a:gd name="connsiteX75" fmla="*/ 1977605 w 2149953"/>
+                <a:gd name="connsiteY75" fmla="*/ 174400 h 1169413"/>
+                <a:gd name="connsiteX76" fmla="*/ 2070950 w 2149953"/>
+                <a:gd name="connsiteY76" fmla="*/ 197260 h 1169413"/>
+                <a:gd name="connsiteX77" fmla="*/ 2070950 w 2149953"/>
+                <a:gd name="connsiteY77" fmla="*/ 197260 h 1169413"/>
+                <a:gd name="connsiteX78" fmla="*/ 2133815 w 2149953"/>
+                <a:gd name="connsiteY78" fmla="*/ 222025 h 1169413"/>
+                <a:gd name="connsiteX79" fmla="*/ 2137625 w 2149953"/>
+                <a:gd name="connsiteY79" fmla="*/ 302035 h 1169413"/>
+                <a:gd name="connsiteX80" fmla="*/ 1989035 w 2149953"/>
+                <a:gd name="connsiteY80" fmla="*/ 298225 h 1169413"/>
+                <a:gd name="connsiteX81" fmla="*/ 1853780 w 2149953"/>
+                <a:gd name="connsiteY81" fmla="*/ 288700 h 1169413"/>
+                <a:gd name="connsiteX82" fmla="*/ 1771865 w 2149953"/>
+                <a:gd name="connsiteY82" fmla="*/ 349660 h 1169413"/>
+                <a:gd name="connsiteX83" fmla="*/ 1827110 w 2149953"/>
+                <a:gd name="connsiteY83" fmla="*/ 395380 h 1169413"/>
+                <a:gd name="connsiteX84" fmla="*/ 1950935 w 2149953"/>
+                <a:gd name="connsiteY84" fmla="*/ 382045 h 1169413"/>
+                <a:gd name="connsiteX85" fmla="*/ 2061425 w 2149953"/>
+                <a:gd name="connsiteY85" fmla="*/ 383950 h 1169413"/>
+                <a:gd name="connsiteX86" fmla="*/ 2090000 w 2149953"/>
+                <a:gd name="connsiteY86" fmla="*/ 446815 h 1169413"/>
+                <a:gd name="connsiteX87" fmla="*/ 2057615 w 2149953"/>
+                <a:gd name="connsiteY87" fmla="*/ 521110 h 1169413"/>
+                <a:gd name="connsiteX88" fmla="*/ 1950935 w 2149953"/>
+                <a:gd name="connsiteY88" fmla="*/ 490630 h 1169413"/>
+                <a:gd name="connsiteX89" fmla="*/ 1846160 w 2149953"/>
+                <a:gd name="connsiteY89" fmla="*/ 452530 h 1169413"/>
+                <a:gd name="connsiteX90" fmla="*/ 1756625 w 2149953"/>
+                <a:gd name="connsiteY90" fmla="*/ 439195 h 1169413"/>
+                <a:gd name="connsiteX91" fmla="*/ 1707095 w 2149953"/>
+                <a:gd name="connsiteY91" fmla="*/ 427765 h 1169413"/>
+                <a:gd name="connsiteX92" fmla="*/ 1688045 w 2149953"/>
+                <a:gd name="connsiteY92" fmla="*/ 524920 h 1169413"/>
+                <a:gd name="connsiteX93" fmla="*/ 1789010 w 2149953"/>
+                <a:gd name="connsiteY93" fmla="*/ 587785 h 1169413"/>
+                <a:gd name="connsiteX94" fmla="*/ 1895690 w 2149953"/>
+                <a:gd name="connsiteY94" fmla="*/ 610645 h 1169413"/>
+                <a:gd name="connsiteX95" fmla="*/ 1968080 w 2149953"/>
+                <a:gd name="connsiteY95" fmla="*/ 656365 h 1169413"/>
+                <a:gd name="connsiteX96" fmla="*/ 2023325 w 2149953"/>
+                <a:gd name="connsiteY96" fmla="*/ 703990 h 1169413"/>
+                <a:gd name="connsiteX97" fmla="*/ 2044280 w 2149953"/>
+                <a:gd name="connsiteY97" fmla="*/ 797335 h 1169413"/>
+                <a:gd name="connsiteX98" fmla="*/ 1964270 w 2149953"/>
+                <a:gd name="connsiteY98" fmla="*/ 816385 h 1169413"/>
+                <a:gd name="connsiteX99" fmla="*/ 1859495 w 2149953"/>
+                <a:gd name="connsiteY99" fmla="*/ 745900 h 1169413"/>
+                <a:gd name="connsiteX100" fmla="*/ 1739480 w 2149953"/>
+                <a:gd name="connsiteY100" fmla="*/ 700180 h 1169413"/>
+                <a:gd name="connsiteX101" fmla="*/ 1665185 w 2149953"/>
+                <a:gd name="connsiteY101" fmla="*/ 732565 h 1169413"/>
+                <a:gd name="connsiteX102" fmla="*/ 1720430 w 2149953"/>
+                <a:gd name="connsiteY102" fmla="*/ 820195 h 1169413"/>
+                <a:gd name="connsiteX103" fmla="*/ 1806155 w 2149953"/>
+                <a:gd name="connsiteY103" fmla="*/ 858295 h 1169413"/>
+                <a:gd name="connsiteX104" fmla="*/ 1874735 w 2149953"/>
+                <a:gd name="connsiteY104" fmla="*/ 936400 h 1169413"/>
+                <a:gd name="connsiteX105" fmla="*/ 1796630 w 2149953"/>
+                <a:gd name="connsiteY105" fmla="*/ 944020 h 1169413"/>
+                <a:gd name="connsiteX106" fmla="*/ 1846160 w 2149953"/>
+                <a:gd name="connsiteY106" fmla="*/ 980215 h 1169413"/>
+                <a:gd name="connsiteX107" fmla="*/ 1709000 w 2149953"/>
+                <a:gd name="connsiteY107" fmla="*/ 1090705 h 1169413"/>
+                <a:gd name="connsiteX108" fmla="*/ 1032725 w 2149953"/>
+                <a:gd name="connsiteY108" fmla="*/ 1168810 h 1169413"/>
+                <a:gd name="connsiteX109" fmla="*/ 583145 w 2149953"/>
+                <a:gd name="connsiteY109" fmla="*/ 1121185 h 1169413"/>
+                <a:gd name="connsiteX110" fmla="*/ 365975 w 2149953"/>
+                <a:gd name="connsiteY110" fmla="*/ 1016410 h 1169413"/>
+                <a:gd name="connsiteX0" fmla="*/ 365975 w 2149953"/>
+                <a:gd name="connsiteY0" fmla="*/ 1016410 h 1169413"/>
+                <a:gd name="connsiteX1" fmla="*/ 318350 w 2149953"/>
+                <a:gd name="connsiteY1" fmla="*/ 980215 h 1169413"/>
+                <a:gd name="connsiteX2" fmla="*/ 331685 w 2149953"/>
+                <a:gd name="connsiteY2" fmla="*/ 945925 h 1169413"/>
+                <a:gd name="connsiteX3" fmla="*/ 285965 w 2149953"/>
+                <a:gd name="connsiteY3" fmla="*/ 930685 h 1169413"/>
+                <a:gd name="connsiteX4" fmla="*/ 245960 w 2149953"/>
+                <a:gd name="connsiteY4" fmla="*/ 955450 h 1169413"/>
+                <a:gd name="connsiteX5" fmla="*/ 207860 w 2149953"/>
+                <a:gd name="connsiteY5" fmla="*/ 993550 h 1169413"/>
+                <a:gd name="connsiteX6" fmla="*/ 207860 w 2149953"/>
+                <a:gd name="connsiteY6" fmla="*/ 993550 h 1169413"/>
+                <a:gd name="connsiteX7" fmla="*/ 179285 w 2149953"/>
+                <a:gd name="connsiteY7" fmla="*/ 982120 h 1169413"/>
+                <a:gd name="connsiteX8" fmla="*/ 164045 w 2149953"/>
+                <a:gd name="connsiteY8" fmla="*/ 951640 h 1169413"/>
+                <a:gd name="connsiteX9" fmla="*/ 209765 w 2149953"/>
+                <a:gd name="connsiteY9" fmla="*/ 911635 h 1169413"/>
+                <a:gd name="connsiteX10" fmla="*/ 200240 w 2149953"/>
+                <a:gd name="connsiteY10" fmla="*/ 869725 h 1169413"/>
+                <a:gd name="connsiteX11" fmla="*/ 141185 w 2149953"/>
+                <a:gd name="connsiteY11" fmla="*/ 894490 h 1169413"/>
+                <a:gd name="connsiteX12" fmla="*/ 104990 w 2149953"/>
+                <a:gd name="connsiteY12" fmla="*/ 928780 h 1169413"/>
+                <a:gd name="connsiteX13" fmla="*/ 55460 w 2149953"/>
+                <a:gd name="connsiteY13" fmla="*/ 959260 h 1169413"/>
+                <a:gd name="connsiteX14" fmla="*/ 34505 w 2149953"/>
+                <a:gd name="connsiteY14" fmla="*/ 976405 h 1169413"/>
+                <a:gd name="connsiteX15" fmla="*/ 215 w 2149953"/>
+                <a:gd name="connsiteY15" fmla="*/ 945925 h 1169413"/>
+                <a:gd name="connsiteX16" fmla="*/ 21170 w 2149953"/>
+                <a:gd name="connsiteY16" fmla="*/ 904015 h 1169413"/>
+                <a:gd name="connsiteX17" fmla="*/ 45935 w 2149953"/>
+                <a:gd name="connsiteY17" fmla="*/ 869725 h 1169413"/>
+                <a:gd name="connsiteX18" fmla="*/ 104990 w 2149953"/>
+                <a:gd name="connsiteY18" fmla="*/ 793525 h 1169413"/>
+                <a:gd name="connsiteX19" fmla="*/ 200240 w 2149953"/>
+                <a:gd name="connsiteY19" fmla="*/ 734470 h 1169413"/>
+                <a:gd name="connsiteX20" fmla="*/ 217385 w 2149953"/>
+                <a:gd name="connsiteY20" fmla="*/ 625885 h 1169413"/>
+                <a:gd name="connsiteX21" fmla="*/ 217385 w 2149953"/>
+                <a:gd name="connsiteY21" fmla="*/ 625885 h 1169413"/>
+                <a:gd name="connsiteX22" fmla="*/ 196430 w 2149953"/>
+                <a:gd name="connsiteY22" fmla="*/ 610645 h 1169413"/>
+                <a:gd name="connsiteX23" fmla="*/ 146900 w 2149953"/>
+                <a:gd name="connsiteY23" fmla="*/ 648745 h 1169413"/>
+                <a:gd name="connsiteX24" fmla="*/ 103085 w 2149953"/>
+                <a:gd name="connsiteY24" fmla="*/ 681130 h 1169413"/>
+                <a:gd name="connsiteX25" fmla="*/ 68795 w 2149953"/>
+                <a:gd name="connsiteY25" fmla="*/ 660175 h 1169413"/>
+                <a:gd name="connsiteX26" fmla="*/ 64985 w 2149953"/>
+                <a:gd name="connsiteY26" fmla="*/ 583975 h 1169413"/>
+                <a:gd name="connsiteX27" fmla="*/ 103085 w 2149953"/>
+                <a:gd name="connsiteY27" fmla="*/ 521110 h 1169413"/>
+                <a:gd name="connsiteX28" fmla="*/ 169760 w 2149953"/>
+                <a:gd name="connsiteY28" fmla="*/ 450625 h 1169413"/>
+                <a:gd name="connsiteX29" fmla="*/ 226910 w 2149953"/>
+                <a:gd name="connsiteY29" fmla="*/ 458245 h 1169413"/>
+                <a:gd name="connsiteX30" fmla="*/ 259295 w 2149953"/>
+                <a:gd name="connsiteY30" fmla="*/ 450625 h 1169413"/>
+                <a:gd name="connsiteX31" fmla="*/ 274535 w 2149953"/>
+                <a:gd name="connsiteY31" fmla="*/ 433480 h 1169413"/>
+                <a:gd name="connsiteX32" fmla="*/ 280250 w 2149953"/>
+                <a:gd name="connsiteY32" fmla="*/ 372520 h 1169413"/>
+                <a:gd name="connsiteX33" fmla="*/ 257390 w 2149953"/>
+                <a:gd name="connsiteY33" fmla="*/ 368710 h 1169413"/>
+                <a:gd name="connsiteX34" fmla="*/ 171665 w 2149953"/>
+                <a:gd name="connsiteY34" fmla="*/ 362995 h 1169413"/>
+                <a:gd name="connsiteX35" fmla="*/ 141185 w 2149953"/>
+                <a:gd name="connsiteY35" fmla="*/ 336325 h 1169413"/>
+                <a:gd name="connsiteX36" fmla="*/ 103085 w 2149953"/>
+                <a:gd name="connsiteY36" fmla="*/ 284890 h 1169413"/>
+                <a:gd name="connsiteX37" fmla="*/ 186905 w 2149953"/>
+                <a:gd name="connsiteY37" fmla="*/ 233455 h 1169413"/>
+                <a:gd name="connsiteX38" fmla="*/ 293585 w 2149953"/>
+                <a:gd name="connsiteY38" fmla="*/ 271555 h 1169413"/>
+                <a:gd name="connsiteX39" fmla="*/ 324065 w 2149953"/>
+                <a:gd name="connsiteY39" fmla="*/ 309655 h 1169413"/>
+                <a:gd name="connsiteX40" fmla="*/ 348830 w 2149953"/>
+                <a:gd name="connsiteY40" fmla="*/ 246790 h 1169413"/>
+                <a:gd name="connsiteX41" fmla="*/ 226910 w 2149953"/>
+                <a:gd name="connsiteY41" fmla="*/ 168685 h 1169413"/>
+                <a:gd name="connsiteX42" fmla="*/ 165950 w 2149953"/>
+                <a:gd name="connsiteY42" fmla="*/ 105820 h 1169413"/>
+                <a:gd name="connsiteX43" fmla="*/ 223100 w 2149953"/>
+                <a:gd name="connsiteY43" fmla="*/ 56290 h 1169413"/>
+                <a:gd name="connsiteX44" fmla="*/ 358355 w 2149953"/>
+                <a:gd name="connsiteY44" fmla="*/ 111535 h 1169413"/>
+                <a:gd name="connsiteX45" fmla="*/ 413600 w 2149953"/>
+                <a:gd name="connsiteY45" fmla="*/ 218215 h 1169413"/>
+                <a:gd name="connsiteX46" fmla="*/ 463130 w 2149953"/>
+                <a:gd name="connsiteY46" fmla="*/ 355375 h 1169413"/>
+                <a:gd name="connsiteX47" fmla="*/ 505040 w 2149953"/>
+                <a:gd name="connsiteY47" fmla="*/ 433480 h 1169413"/>
+                <a:gd name="connsiteX48" fmla="*/ 550760 w 2149953"/>
+                <a:gd name="connsiteY48" fmla="*/ 437290 h 1169413"/>
+                <a:gd name="connsiteX49" fmla="*/ 556475 w 2149953"/>
+                <a:gd name="connsiteY49" fmla="*/ 361090 h 1169413"/>
+                <a:gd name="connsiteX50" fmla="*/ 508850 w 2149953"/>
+                <a:gd name="connsiteY50" fmla="*/ 105820 h 1169413"/>
+                <a:gd name="connsiteX51" fmla="*/ 516470 w 2149953"/>
+                <a:gd name="connsiteY51" fmla="*/ 2950 h 1169413"/>
+                <a:gd name="connsiteX52" fmla="*/ 554570 w 2149953"/>
+                <a:gd name="connsiteY52" fmla="*/ 25810 h 1169413"/>
+                <a:gd name="connsiteX53" fmla="*/ 554570 w 2149953"/>
+                <a:gd name="connsiteY53" fmla="*/ 25810 h 1169413"/>
+                <a:gd name="connsiteX54" fmla="*/ 581240 w 2149953"/>
+                <a:gd name="connsiteY54" fmla="*/ 176305 h 1169413"/>
+                <a:gd name="connsiteX55" fmla="*/ 615530 w 2149953"/>
+                <a:gd name="connsiteY55" fmla="*/ 347755 h 1169413"/>
+                <a:gd name="connsiteX56" fmla="*/ 678395 w 2149953"/>
+                <a:gd name="connsiteY56" fmla="*/ 412525 h 1169413"/>
+                <a:gd name="connsiteX57" fmla="*/ 716495 w 2149953"/>
+                <a:gd name="connsiteY57" fmla="*/ 332515 h 1169413"/>
+                <a:gd name="connsiteX58" fmla="*/ 722210 w 2149953"/>
+                <a:gd name="connsiteY58" fmla="*/ 281080 h 1169413"/>
+                <a:gd name="connsiteX59" fmla="*/ 777455 w 2149953"/>
+                <a:gd name="connsiteY59" fmla="*/ 342040 h 1169413"/>
+                <a:gd name="connsiteX60" fmla="*/ 767930 w 2149953"/>
+                <a:gd name="connsiteY60" fmla="*/ 452530 h 1169413"/>
+                <a:gd name="connsiteX61" fmla="*/ 800315 w 2149953"/>
+                <a:gd name="connsiteY61" fmla="*/ 696370 h 1169413"/>
+                <a:gd name="connsiteX62" fmla="*/ 1040345 w 2149953"/>
+                <a:gd name="connsiteY62" fmla="*/ 759235 h 1169413"/>
+                <a:gd name="connsiteX63" fmla="*/ 1289900 w 2149953"/>
+                <a:gd name="connsiteY63" fmla="*/ 599215 h 1169413"/>
+                <a:gd name="connsiteX64" fmla="*/ 1392770 w 2149953"/>
+                <a:gd name="connsiteY64" fmla="*/ 302035 h 1169413"/>
+                <a:gd name="connsiteX65" fmla="*/ 1510880 w 2149953"/>
+                <a:gd name="connsiteY65" fmla="*/ 172495 h 1169413"/>
+                <a:gd name="connsiteX66" fmla="*/ 1598510 w 2149953"/>
+                <a:gd name="connsiteY66" fmla="*/ 124870 h 1169413"/>
+                <a:gd name="connsiteX67" fmla="*/ 1665185 w 2149953"/>
+                <a:gd name="connsiteY67" fmla="*/ 94390 h 1169413"/>
+                <a:gd name="connsiteX68" fmla="*/ 1722335 w 2149953"/>
+                <a:gd name="connsiteY68" fmla="*/ 126775 h 1169413"/>
+                <a:gd name="connsiteX69" fmla="*/ 1724240 w 2149953"/>
+                <a:gd name="connsiteY69" fmla="*/ 161065 h 1169413"/>
+                <a:gd name="connsiteX70" fmla="*/ 1621370 w 2149953"/>
+                <a:gd name="connsiteY70" fmla="*/ 216310 h 1169413"/>
+                <a:gd name="connsiteX71" fmla="*/ 1569935 w 2149953"/>
+                <a:gd name="connsiteY71" fmla="*/ 241075 h 1169413"/>
+                <a:gd name="connsiteX72" fmla="*/ 1548980 w 2149953"/>
+                <a:gd name="connsiteY72" fmla="*/ 269650 h 1169413"/>
+                <a:gd name="connsiteX73" fmla="*/ 1743290 w 2149953"/>
+                <a:gd name="connsiteY73" fmla="*/ 267745 h 1169413"/>
+                <a:gd name="connsiteX74" fmla="*/ 1889975 w 2149953"/>
+                <a:gd name="connsiteY74" fmla="*/ 193450 h 1169413"/>
+                <a:gd name="connsiteX75" fmla="*/ 1977605 w 2149953"/>
+                <a:gd name="connsiteY75" fmla="*/ 174400 h 1169413"/>
+                <a:gd name="connsiteX76" fmla="*/ 2070950 w 2149953"/>
+                <a:gd name="connsiteY76" fmla="*/ 197260 h 1169413"/>
+                <a:gd name="connsiteX77" fmla="*/ 2070950 w 2149953"/>
+                <a:gd name="connsiteY77" fmla="*/ 197260 h 1169413"/>
+                <a:gd name="connsiteX78" fmla="*/ 2133815 w 2149953"/>
+                <a:gd name="connsiteY78" fmla="*/ 222025 h 1169413"/>
+                <a:gd name="connsiteX79" fmla="*/ 2137625 w 2149953"/>
+                <a:gd name="connsiteY79" fmla="*/ 302035 h 1169413"/>
+                <a:gd name="connsiteX80" fmla="*/ 1989035 w 2149953"/>
+                <a:gd name="connsiteY80" fmla="*/ 298225 h 1169413"/>
+                <a:gd name="connsiteX81" fmla="*/ 1853780 w 2149953"/>
+                <a:gd name="connsiteY81" fmla="*/ 288700 h 1169413"/>
+                <a:gd name="connsiteX82" fmla="*/ 1771865 w 2149953"/>
+                <a:gd name="connsiteY82" fmla="*/ 349660 h 1169413"/>
+                <a:gd name="connsiteX83" fmla="*/ 1827110 w 2149953"/>
+                <a:gd name="connsiteY83" fmla="*/ 395380 h 1169413"/>
+                <a:gd name="connsiteX84" fmla="*/ 1950935 w 2149953"/>
+                <a:gd name="connsiteY84" fmla="*/ 382045 h 1169413"/>
+                <a:gd name="connsiteX85" fmla="*/ 2061425 w 2149953"/>
+                <a:gd name="connsiteY85" fmla="*/ 383950 h 1169413"/>
+                <a:gd name="connsiteX86" fmla="*/ 2090000 w 2149953"/>
+                <a:gd name="connsiteY86" fmla="*/ 446815 h 1169413"/>
+                <a:gd name="connsiteX87" fmla="*/ 2057615 w 2149953"/>
+                <a:gd name="connsiteY87" fmla="*/ 521110 h 1169413"/>
+                <a:gd name="connsiteX88" fmla="*/ 1950935 w 2149953"/>
+                <a:gd name="connsiteY88" fmla="*/ 490630 h 1169413"/>
+                <a:gd name="connsiteX89" fmla="*/ 1846160 w 2149953"/>
+                <a:gd name="connsiteY89" fmla="*/ 452530 h 1169413"/>
+                <a:gd name="connsiteX90" fmla="*/ 1756625 w 2149953"/>
+                <a:gd name="connsiteY90" fmla="*/ 439195 h 1169413"/>
+                <a:gd name="connsiteX91" fmla="*/ 1707095 w 2149953"/>
+                <a:gd name="connsiteY91" fmla="*/ 427765 h 1169413"/>
+                <a:gd name="connsiteX92" fmla="*/ 1688045 w 2149953"/>
+                <a:gd name="connsiteY92" fmla="*/ 524920 h 1169413"/>
+                <a:gd name="connsiteX93" fmla="*/ 1789010 w 2149953"/>
+                <a:gd name="connsiteY93" fmla="*/ 587785 h 1169413"/>
+                <a:gd name="connsiteX94" fmla="*/ 1895690 w 2149953"/>
+                <a:gd name="connsiteY94" fmla="*/ 610645 h 1169413"/>
+                <a:gd name="connsiteX95" fmla="*/ 1968080 w 2149953"/>
+                <a:gd name="connsiteY95" fmla="*/ 656365 h 1169413"/>
+                <a:gd name="connsiteX96" fmla="*/ 2023325 w 2149953"/>
+                <a:gd name="connsiteY96" fmla="*/ 703990 h 1169413"/>
+                <a:gd name="connsiteX97" fmla="*/ 2044280 w 2149953"/>
+                <a:gd name="connsiteY97" fmla="*/ 797335 h 1169413"/>
+                <a:gd name="connsiteX98" fmla="*/ 1964270 w 2149953"/>
+                <a:gd name="connsiteY98" fmla="*/ 816385 h 1169413"/>
+                <a:gd name="connsiteX99" fmla="*/ 1859495 w 2149953"/>
+                <a:gd name="connsiteY99" fmla="*/ 745900 h 1169413"/>
+                <a:gd name="connsiteX100" fmla="*/ 1739480 w 2149953"/>
+                <a:gd name="connsiteY100" fmla="*/ 700180 h 1169413"/>
+                <a:gd name="connsiteX101" fmla="*/ 1665185 w 2149953"/>
+                <a:gd name="connsiteY101" fmla="*/ 732565 h 1169413"/>
+                <a:gd name="connsiteX102" fmla="*/ 1720430 w 2149953"/>
+                <a:gd name="connsiteY102" fmla="*/ 820195 h 1169413"/>
+                <a:gd name="connsiteX103" fmla="*/ 1806155 w 2149953"/>
+                <a:gd name="connsiteY103" fmla="*/ 858295 h 1169413"/>
+                <a:gd name="connsiteX104" fmla="*/ 1874735 w 2149953"/>
+                <a:gd name="connsiteY104" fmla="*/ 936400 h 1169413"/>
+                <a:gd name="connsiteX105" fmla="*/ 1796630 w 2149953"/>
+                <a:gd name="connsiteY105" fmla="*/ 944020 h 1169413"/>
+                <a:gd name="connsiteX106" fmla="*/ 1846160 w 2149953"/>
+                <a:gd name="connsiteY106" fmla="*/ 980215 h 1169413"/>
+                <a:gd name="connsiteX107" fmla="*/ 1709000 w 2149953"/>
+                <a:gd name="connsiteY107" fmla="*/ 1090705 h 1169413"/>
+                <a:gd name="connsiteX108" fmla="*/ 1032725 w 2149953"/>
+                <a:gd name="connsiteY108" fmla="*/ 1168810 h 1169413"/>
+                <a:gd name="connsiteX109" fmla="*/ 583145 w 2149953"/>
+                <a:gd name="connsiteY109" fmla="*/ 1121185 h 1169413"/>
+                <a:gd name="connsiteX110" fmla="*/ 365975 w 2149953"/>
+                <a:gd name="connsiteY110" fmla="*/ 1016410 h 1169413"/>
+              </a:gdLst>
+              <a:ahLst/>
+              <a:cxnLst>
+                <a:cxn ang="0">
+                  <a:pos x="connsiteX0" y="connsiteY0"/>
+                </a:cxn>
+                <a:cxn ang="0">
+                  <a:pos x="connsiteX1" y="connsiteY1"/>
+                </a:cxn>
+                <a:cxn ang="0">
+                  <a:pos x="connsiteX2" y="connsiteY2"/>
+                </a:cxn>
+                <a:cxn ang="0">
+                  <a:pos x="connsiteX3" y="connsiteY3"/>
+                </a:cxn>
+                <a:cxn ang="0">
+                  <a:pos x="connsiteX4" y="connsiteY4"/>
+                </a:cxn>
+                <a:cxn ang="0">
+                  <a:pos x="connsiteX5" y="connsiteY5"/>
+                </a:cxn>
+                <a:cxn ang="0">
+                  <a:pos x="connsiteX6" y="connsiteY6"/>
+                </a:cxn>
+                <a:cxn ang="0">
+                  <a:pos x="connsiteX7" y="connsiteY7"/>
+                </a:cxn>
+                <a:cxn ang="0">
+                  <a:pos x="connsiteX8" y="connsiteY8"/>
+                </a:cxn>
+                <a:cxn ang="0">
+                  <a:pos x="connsiteX9" y="connsiteY9"/>
+                </a:cxn>
+                <a:cxn ang="0">
+                  <a:pos x="connsiteX10" y="connsiteY10"/>
+                </a:cxn>
+                <a:cxn ang="0">
+                  <a:pos x="connsiteX11" y="connsiteY11"/>
+                </a:cxn>
+                <a:cxn ang="0">
+                  <a:pos x="connsiteX12" y="connsiteY12"/>
+                </a:cxn>
+                <a:cxn ang="0">
+                  <a:pos x="connsiteX13" y="connsiteY13"/>
+                </a:cxn>
+                <a:cxn ang="0">
+                  <a:pos x="connsiteX14" y="connsiteY14"/>
+                </a:cxn>
+                <a:cxn ang="0">
+                  <a:pos x="connsiteX15" y="connsiteY15"/>
+                </a:cxn>
+                <a:cxn ang="0">
+                  <a:pos x="connsiteX16" y="connsiteY16"/>
+                </a:cxn>
+                <a:cxn ang="0">
+                  <a:pos x="connsiteX17" y="connsiteY17"/>
+                </a:cxn>
+                <a:cxn ang="0">
+                  <a:pos x="connsiteX18" y="connsiteY18"/>
+                </a:cxn>
+                <a:cxn ang="0">
+                  <a:pos x="connsiteX19" y="connsiteY19"/>
+                </a:cxn>
+                <a:cxn ang="0">
+                  <a:pos x="connsiteX20" y="connsiteY20"/>
+                </a:cxn>
+                <a:cxn ang="0">
+                  <a:pos x="connsiteX21" y="connsiteY21"/>
+                </a:cxn>
+                <a:cxn ang="0">
+                  <a:pos x="connsiteX22" y="connsiteY22"/>
+                </a:cxn>
+                <a:cxn ang="0">
+                  <a:pos x="connsiteX23" y="connsiteY23"/>
+                </a:cxn>
+                <a:cxn ang="0">
+                  <a:pos x="connsiteX24" y="connsiteY24"/>
+                </a:cxn>
+                <a:cxn ang="0">
+                  <a:pos x="connsiteX25" y="connsiteY25"/>
+                </a:cxn>
+                <a:cxn ang="0">
+                  <a:pos x="connsiteX26" y="connsiteY26"/>
+                </a:cxn>
+                <a:cxn ang="0">
+                  <a:pos x="connsiteX27" y="connsiteY27"/>
+                </a:cxn>
+                <a:cxn ang="0">
+                  <a:pos x="connsiteX28" y="connsiteY28"/>
+                </a:cxn>
+                <a:cxn ang="0">
+                  <a:pos x="connsiteX29" y="connsiteY29"/>
+                </a:cxn>
+                <a:cxn ang="0">
+                  <a:pos x="connsiteX30" y="connsiteY30"/>
+                </a:cxn>
+                <a:cxn ang="0">
+                  <a:pos x="connsiteX31" y="connsiteY31"/>
+                </a:cxn>
+                <a:cxn ang="0">
+                  <a:pos x="connsiteX32" y="connsiteY32"/>
+                </a:cxn>
+                <a:cxn ang="0">
+                  <a:pos x="connsiteX33" y="connsiteY33"/>
+                </a:cxn>
+                <a:cxn ang="0">
+                  <a:pos x="connsiteX34" y="connsiteY34"/>
+                </a:cxn>
+                <a:cxn ang="0">
+                  <a:pos x="connsiteX35" y="connsiteY35"/>
+                </a:cxn>
+                <a:cxn ang="0">
+                  <a:pos x="connsiteX36" y="connsiteY36"/>
+                </a:cxn>
+                <a:cxn ang="0">
+                  <a:pos x="connsiteX37" y="connsiteY37"/>
+                </a:cxn>
+                <a:cxn ang="0">
+                  <a:pos x="connsiteX38" y="connsiteY38"/>
+                </a:cxn>
+                <a:cxn ang="0">
+                  <a:pos x="connsiteX39" y="connsiteY39"/>
+                </a:cxn>
+                <a:cxn ang="0">
+                  <a:pos x="connsiteX40" y="connsiteY40"/>
+                </a:cxn>
+                <a:cxn ang="0">
+                  <a:pos x="connsiteX41" y="connsiteY41"/>
+                </a:cxn>
+                <a:cxn ang="0">
+                  <a:pos x="connsiteX42" y="connsiteY42"/>
+                </a:cxn>
+                <a:cxn ang="0">
+                  <a:pos x="connsiteX43" y="connsiteY43"/>
+                </a:cxn>
+                <a:cxn ang="0">
+                  <a:pos x="connsiteX44" y="connsiteY44"/>
+                </a:cxn>
+                <a:cxn ang="0">
+                  <a:pos x="connsiteX45" y="connsiteY45"/>
+                </a:cxn>
+                <a:cxn ang="0">
+                  <a:pos x="connsiteX46" y="connsiteY46"/>
+                </a:cxn>
+                <a:cxn ang="0">
+                  <a:pos x="connsiteX47" y="connsiteY47"/>
+                </a:cxn>
+                <a:cxn ang="0">
+                  <a:pos x="connsiteX48" y="connsiteY48"/>
+                </a:cxn>
+                <a:cxn ang="0">
+                  <a:pos x="connsiteX49" y="connsiteY49"/>
+                </a:cxn>
+                <a:cxn ang="0">
+                  <a:pos x="connsiteX50" y="connsiteY50"/>
+                </a:cxn>
+                <a:cxn ang="0">
+                  <a:pos x="connsiteX51" y="connsiteY51"/>
+                </a:cxn>
+                <a:cxn ang="0">
+                  <a:pos x="connsiteX52" y="connsiteY52"/>
+                </a:cxn>
+                <a:cxn ang="0">
+                  <a:pos x="connsiteX53" y="connsiteY53"/>
+                </a:cxn>
+                <a:cxn ang="0">
+                  <a:pos x="connsiteX54" y="connsiteY54"/>
+                </a:cxn>
+                <a:cxn ang="0">
+                  <a:pos x="connsiteX55" y="connsiteY55"/>
+                </a:cxn>
+                <a:cxn ang="0">
+                  <a:pos x="connsiteX56" y="connsiteY56"/>
+                </a:cxn>
+                <a:cxn ang="0">
+                  <a:pos x="connsiteX57" y="connsiteY57"/>
+                </a:cxn>
+                <a:cxn ang="0">
+                  <a:pos x="connsiteX58" y="connsiteY58"/>
+                </a:cxn>
+                <a:cxn ang="0">
+                  <a:pos x="connsiteX59" y="connsiteY59"/>
+                </a:cxn>
+                <a:cxn ang="0">
+                  <a:pos x="connsiteX60" y="connsiteY60"/>
+                </a:cxn>
+                <a:cxn ang="0">
+                  <a:pos x="connsiteX61" y="connsiteY61"/>
+                </a:cxn>
+                <a:cxn ang="0">
+                  <a:pos x="connsiteX62" y="connsiteY62"/>
+                </a:cxn>
+                <a:cxn ang="0">
+                  <a:pos x="connsiteX63" y="connsiteY63"/>
+                </a:cxn>
+                <a:cxn ang="0">
+                  <a:pos x="connsiteX64" y="connsiteY64"/>
+                </a:cxn>
+                <a:cxn ang="0">
+                  <a:pos x="connsiteX65" y="connsiteY65"/>
+                </a:cxn>
+                <a:cxn ang="0">
+                  <a:pos x="connsiteX66" y="connsiteY66"/>
+                </a:cxn>
+                <a:cxn ang="0">
+                  <a:pos x="connsiteX67" y="connsiteY67"/>
+                </a:cxn>
+                <a:cxn ang="0">
+                  <a:pos x="connsiteX68" y="connsiteY68"/>
+                </a:cxn>
+                <a:cxn ang="0">
+                  <a:pos x="connsiteX69" y="connsiteY69"/>
+                </a:cxn>
+                <a:cxn ang="0">
+                  <a:pos x="connsiteX70" y="connsiteY70"/>
+                </a:cxn>
+                <a:cxn ang="0">
+                  <a:pos x="connsiteX71" y="connsiteY71"/>
+                </a:cxn>
+                <a:cxn ang="0">
+                  <a:pos x="connsiteX72" y="connsiteY72"/>
+                </a:cxn>
+                <a:cxn ang="0">
+                  <a:pos x="connsiteX73" y="connsiteY73"/>
+                </a:cxn>
+                <a:cxn ang="0">
+                  <a:pos x="connsiteX74" y="connsiteY74"/>
+                </a:cxn>
+                <a:cxn ang="0">
+                  <a:pos x="connsiteX75" y="connsiteY75"/>
+                </a:cxn>
+                <a:cxn ang="0">
+                  <a:pos x="connsiteX76" y="connsiteY76"/>
+                </a:cxn>
+                <a:cxn ang="0">
+                  <a:pos x="connsiteX77" y="connsiteY77"/>
+                </a:cxn>
+                <a:cxn ang="0">
+                  <a:pos x="connsiteX78" y="connsiteY78"/>
+                </a:cxn>
+                <a:cxn ang="0">
+                  <a:pos x="connsiteX79" y="connsiteY79"/>
+                </a:cxn>
+                <a:cxn ang="0">
+                  <a:pos x="connsiteX80" y="connsiteY80"/>
+                </a:cxn>
+                <a:cxn ang="0">
+                  <a:pos x="connsiteX81" y="connsiteY81"/>
+                </a:cxn>
+                <a:cxn ang="0">
+                  <a:pos x="connsiteX82" y="connsiteY82"/>
+                </a:cxn>
+                <a:cxn ang="0">
+                  <a:pos x="connsiteX83" y="connsiteY83"/>
+                </a:cxn>
+                <a:cxn ang="0">
+                  <a:pos x="connsiteX84" y="connsiteY84"/>
+                </a:cxn>
+                <a:cxn ang="0">
+                  <a:pos x="connsiteX85" y="connsiteY85"/>
+                </a:cxn>
+                <a:cxn ang="0">
+                  <a:pos x="connsiteX86" y="connsiteY86"/>
+                </a:cxn>
+                <a:cxn ang="0">
+                  <a:pos x="connsiteX87" y="connsiteY87"/>
+                </a:cxn>
+                <a:cxn ang="0">
+                  <a:pos x="connsiteX88" y="connsiteY88"/>
+                </a:cxn>
+                <a:cxn ang="0">
+                  <a:pos x="connsiteX89" y="connsiteY89"/>
+                </a:cxn>
+                <a:cxn ang="0">
+                  <a:pos x="connsiteX90" y="connsiteY90"/>
+                </a:cxn>
+                <a:cxn ang="0">
+                  <a:pos x="connsiteX91" y="connsiteY91"/>
+                </a:cxn>
+                <a:cxn ang="0">
+                  <a:pos x="connsiteX92" y="connsiteY92"/>
+                </a:cxn>
+                <a:cxn ang="0">
+                  <a:pos x="connsiteX93" y="connsiteY93"/>
+                </a:cxn>
+                <a:cxn ang="0">
+                  <a:pos x="connsiteX94" y="connsiteY94"/>
+                </a:cxn>
+                <a:cxn ang="0">
+                  <a:pos x="connsiteX95" y="connsiteY95"/>
+                </a:cxn>
+                <a:cxn ang="0">
+                  <a:pos x="connsiteX96" y="connsiteY96"/>
+                </a:cxn>
+                <a:cxn ang="0">
+                  <a:pos x="connsiteX97" y="connsiteY97"/>
+                </a:cxn>
+                <a:cxn ang="0">
+                  <a:pos x="connsiteX98" y="connsiteY98"/>
+                </a:cxn>
+                <a:cxn ang="0">
+                  <a:pos x="connsiteX99" y="connsiteY99"/>
+                </a:cxn>
+                <a:cxn ang="0">
+                  <a:pos x="connsiteX100" y="connsiteY100"/>
+                </a:cxn>
+                <a:cxn ang="0">
+                  <a:pos x="connsiteX101" y="connsiteY101"/>
+                </a:cxn>
+                <a:cxn ang="0">
+                  <a:pos x="connsiteX102" y="connsiteY102"/>
+                </a:cxn>
+                <a:cxn ang="0">
+                  <a:pos x="connsiteX103" y="connsiteY103"/>
+                </a:cxn>
+                <a:cxn ang="0">
+                  <a:pos x="connsiteX104" y="connsiteY104"/>
+                </a:cxn>
+                <a:cxn ang="0">
+                  <a:pos x="connsiteX105" y="connsiteY105"/>
+                </a:cxn>
+                <a:cxn ang="0">
+                  <a:pos x="connsiteX106" y="connsiteY106"/>
+                </a:cxn>
+                <a:cxn ang="0">
+                  <a:pos x="connsiteX107" y="connsiteY107"/>
+                </a:cxn>
+                <a:cxn ang="0">
+                  <a:pos x="connsiteX108" y="connsiteY108"/>
+                </a:cxn>
+                <a:cxn ang="0">
+                  <a:pos x="connsiteX109" y="connsiteY109"/>
+                </a:cxn>
+                <a:cxn ang="0">
+                  <a:pos x="connsiteX110" y="connsiteY110"/>
+                </a:cxn>
+              </a:cxnLst>
+              <a:rect l="l" t="t" r="r" b="b"/>
+              <a:pathLst>
+                <a:path w="2149953" h="1169413">
+                  <a:moveTo>
+                    <a:pt x="365975" y="1016410"/>
+                  </a:moveTo>
+                  <a:cubicBezTo>
+                    <a:pt x="321842" y="992915"/>
+                    <a:pt x="324065" y="991962"/>
+                    <a:pt x="318350" y="980215"/>
+                  </a:cubicBezTo>
+                  <a:cubicBezTo>
+                    <a:pt x="312635" y="968468"/>
+                    <a:pt x="337082" y="954180"/>
+                    <a:pt x="331685" y="945925"/>
+                  </a:cubicBezTo>
+                  <a:cubicBezTo>
+                    <a:pt x="326288" y="937670"/>
+                    <a:pt x="300252" y="929098"/>
+                    <a:pt x="285965" y="930685"/>
+                  </a:cubicBezTo>
+                  <a:cubicBezTo>
+                    <a:pt x="271678" y="932272"/>
+                    <a:pt x="258977" y="944973"/>
+                    <a:pt x="245960" y="955450"/>
+                  </a:cubicBezTo>
+                  <a:cubicBezTo>
+                    <a:pt x="232943" y="965927"/>
+                    <a:pt x="207860" y="993550"/>
+                    <a:pt x="207860" y="993550"/>
+                  </a:cubicBezTo>
+                  <a:lnTo>
+                    <a:pt x="207860" y="993550"/>
+                  </a:lnTo>
+                  <a:cubicBezTo>
+                    <a:pt x="203098" y="991645"/>
+                    <a:pt x="186587" y="989105"/>
+                    <a:pt x="179285" y="982120"/>
+                  </a:cubicBezTo>
+                  <a:cubicBezTo>
+                    <a:pt x="171982" y="975135"/>
+                    <a:pt x="158965" y="963387"/>
+                    <a:pt x="164045" y="951640"/>
+                  </a:cubicBezTo>
+                  <a:cubicBezTo>
+                    <a:pt x="169125" y="939892"/>
+                    <a:pt x="203733" y="925287"/>
+                    <a:pt x="209765" y="911635"/>
+                  </a:cubicBezTo>
+                  <a:cubicBezTo>
+                    <a:pt x="215797" y="897983"/>
+                    <a:pt x="211670" y="872582"/>
+                    <a:pt x="200240" y="869725"/>
+                  </a:cubicBezTo>
+                  <a:cubicBezTo>
+                    <a:pt x="188810" y="866868"/>
+                    <a:pt x="157060" y="884648"/>
+                    <a:pt x="141185" y="894490"/>
+                  </a:cubicBezTo>
+                  <a:cubicBezTo>
+                    <a:pt x="125310" y="904332"/>
+                    <a:pt x="119277" y="917985"/>
+                    <a:pt x="104990" y="928780"/>
+                  </a:cubicBezTo>
+                  <a:cubicBezTo>
+                    <a:pt x="90703" y="939575"/>
+                    <a:pt x="67207" y="951323"/>
+                    <a:pt x="55460" y="959260"/>
+                  </a:cubicBezTo>
+                  <a:cubicBezTo>
+                    <a:pt x="43713" y="967197"/>
+                    <a:pt x="43712" y="978627"/>
+                    <a:pt x="34505" y="976405"/>
+                  </a:cubicBezTo>
+                  <a:cubicBezTo>
+                    <a:pt x="25297" y="974182"/>
+                    <a:pt x="2437" y="957990"/>
+                    <a:pt x="215" y="945925"/>
+                  </a:cubicBezTo>
+                  <a:cubicBezTo>
+                    <a:pt x="-2007" y="933860"/>
+                    <a:pt x="13550" y="916715"/>
+                    <a:pt x="21170" y="904015"/>
+                  </a:cubicBezTo>
+                  <a:cubicBezTo>
+                    <a:pt x="28790" y="891315"/>
+                    <a:pt x="31965" y="888140"/>
+                    <a:pt x="45935" y="869725"/>
+                  </a:cubicBezTo>
+                  <a:cubicBezTo>
+                    <a:pt x="59905" y="851310"/>
+                    <a:pt x="79272" y="816067"/>
+                    <a:pt x="104990" y="793525"/>
+                  </a:cubicBezTo>
+                  <a:cubicBezTo>
+                    <a:pt x="130707" y="770982"/>
+                    <a:pt x="181507" y="762410"/>
+                    <a:pt x="200240" y="734470"/>
+                  </a:cubicBezTo>
+                  <a:cubicBezTo>
+                    <a:pt x="218972" y="706530"/>
+                    <a:pt x="217385" y="625885"/>
+                    <a:pt x="217385" y="625885"/>
+                  </a:cubicBezTo>
+                  <a:lnTo>
+                    <a:pt x="217385" y="625885"/>
+                  </a:lnTo>
+                  <a:cubicBezTo>
+                    <a:pt x="213892" y="623345"/>
+                    <a:pt x="208177" y="606835"/>
+                    <a:pt x="196430" y="610645"/>
+                  </a:cubicBezTo>
+                  <a:cubicBezTo>
+                    <a:pt x="184682" y="614455"/>
+                    <a:pt x="162457" y="636998"/>
+                    <a:pt x="146900" y="648745"/>
+                  </a:cubicBezTo>
+                  <a:cubicBezTo>
+                    <a:pt x="131343" y="660492"/>
+                    <a:pt x="116102" y="679225"/>
+                    <a:pt x="103085" y="681130"/>
+                  </a:cubicBezTo>
+                  <a:cubicBezTo>
+                    <a:pt x="90068" y="683035"/>
+                    <a:pt x="75145" y="676367"/>
+                    <a:pt x="68795" y="660175"/>
+                  </a:cubicBezTo>
+                  <a:cubicBezTo>
+                    <a:pt x="62445" y="643983"/>
+                    <a:pt x="59270" y="607153"/>
+                    <a:pt x="64985" y="583975"/>
+                  </a:cubicBezTo>
+                  <a:cubicBezTo>
+                    <a:pt x="70700" y="560797"/>
+                    <a:pt x="85623" y="543335"/>
+                    <a:pt x="103085" y="521110"/>
+                  </a:cubicBezTo>
+                  <a:cubicBezTo>
+                    <a:pt x="120547" y="498885"/>
+                    <a:pt x="149122" y="461102"/>
+                    <a:pt x="169760" y="450625"/>
+                  </a:cubicBezTo>
+                  <a:cubicBezTo>
+                    <a:pt x="190397" y="440147"/>
+                    <a:pt x="211988" y="458245"/>
+                    <a:pt x="226910" y="458245"/>
+                  </a:cubicBezTo>
+                  <a:cubicBezTo>
+                    <a:pt x="241832" y="458245"/>
+                    <a:pt x="251358" y="454752"/>
+                    <a:pt x="259295" y="450625"/>
+                  </a:cubicBezTo>
+                  <a:cubicBezTo>
+                    <a:pt x="267232" y="446498"/>
+                    <a:pt x="271043" y="446497"/>
+                    <a:pt x="274535" y="433480"/>
+                  </a:cubicBezTo>
+                  <a:cubicBezTo>
+                    <a:pt x="278027" y="420463"/>
+                    <a:pt x="283107" y="383315"/>
+                    <a:pt x="280250" y="372520"/>
+                  </a:cubicBezTo>
+                  <a:cubicBezTo>
+                    <a:pt x="277393" y="361725"/>
+                    <a:pt x="275488" y="370298"/>
+                    <a:pt x="257390" y="368710"/>
+                  </a:cubicBezTo>
+                  <a:cubicBezTo>
+                    <a:pt x="239292" y="367122"/>
+                    <a:pt x="191032" y="368392"/>
+                    <a:pt x="171665" y="362995"/>
+                  </a:cubicBezTo>
+                  <a:cubicBezTo>
+                    <a:pt x="152297" y="357597"/>
+                    <a:pt x="152615" y="349342"/>
+                    <a:pt x="141185" y="336325"/>
+                  </a:cubicBezTo>
+                  <a:cubicBezTo>
+                    <a:pt x="129755" y="323308"/>
+                    <a:pt x="95465" y="302035"/>
+                    <a:pt x="103085" y="284890"/>
+                  </a:cubicBezTo>
+                  <a:cubicBezTo>
+                    <a:pt x="110705" y="267745"/>
+                    <a:pt x="155155" y="235677"/>
+                    <a:pt x="186905" y="233455"/>
+                  </a:cubicBezTo>
+                  <a:cubicBezTo>
+                    <a:pt x="218655" y="231233"/>
+                    <a:pt x="270725" y="258855"/>
+                    <a:pt x="293585" y="271555"/>
+                  </a:cubicBezTo>
+                  <a:cubicBezTo>
+                    <a:pt x="316445" y="284255"/>
+                    <a:pt x="314857" y="313782"/>
+                    <a:pt x="324065" y="309655"/>
+                  </a:cubicBezTo>
+                  <a:cubicBezTo>
+                    <a:pt x="333272" y="305527"/>
+                    <a:pt x="365022" y="270285"/>
+                    <a:pt x="348830" y="246790"/>
+                  </a:cubicBezTo>
+                  <a:cubicBezTo>
+                    <a:pt x="332638" y="223295"/>
+                    <a:pt x="257390" y="192180"/>
+                    <a:pt x="226910" y="168685"/>
+                  </a:cubicBezTo>
+                  <a:cubicBezTo>
+                    <a:pt x="196430" y="145190"/>
+                    <a:pt x="166585" y="124552"/>
+                    <a:pt x="165950" y="105820"/>
+                  </a:cubicBezTo>
+                  <a:cubicBezTo>
+                    <a:pt x="165315" y="87088"/>
+                    <a:pt x="191033" y="55338"/>
+                    <a:pt x="223100" y="56290"/>
+                  </a:cubicBezTo>
+                  <a:cubicBezTo>
+                    <a:pt x="255167" y="57242"/>
+                    <a:pt x="326605" y="84548"/>
+                    <a:pt x="358355" y="111535"/>
+                  </a:cubicBezTo>
+                  <a:cubicBezTo>
+                    <a:pt x="390105" y="138522"/>
+                    <a:pt x="396137" y="177575"/>
+                    <a:pt x="413600" y="218215"/>
+                  </a:cubicBezTo>
+                  <a:cubicBezTo>
+                    <a:pt x="431063" y="258855"/>
+                    <a:pt x="447890" y="319497"/>
+                    <a:pt x="463130" y="355375"/>
+                  </a:cubicBezTo>
+                  <a:cubicBezTo>
+                    <a:pt x="478370" y="391252"/>
+                    <a:pt x="490435" y="419828"/>
+                    <a:pt x="505040" y="433480"/>
+                  </a:cubicBezTo>
+                  <a:cubicBezTo>
+                    <a:pt x="519645" y="447132"/>
+                    <a:pt x="542188" y="449355"/>
+                    <a:pt x="550760" y="437290"/>
+                  </a:cubicBezTo>
+                  <a:cubicBezTo>
+                    <a:pt x="559332" y="425225"/>
+                    <a:pt x="563460" y="416335"/>
+                    <a:pt x="556475" y="361090"/>
+                  </a:cubicBezTo>
+                  <a:cubicBezTo>
+                    <a:pt x="549490" y="305845"/>
+                    <a:pt x="515517" y="165510"/>
+                    <a:pt x="508850" y="105820"/>
+                  </a:cubicBezTo>
+                  <a:cubicBezTo>
+                    <a:pt x="502183" y="46130"/>
+                    <a:pt x="508850" y="16285"/>
+                    <a:pt x="516470" y="2950"/>
+                  </a:cubicBezTo>
+                  <a:cubicBezTo>
+                    <a:pt x="524090" y="-10385"/>
+                    <a:pt x="554570" y="25810"/>
+                    <a:pt x="554570" y="25810"/>
+                  </a:cubicBezTo>
+                  <a:lnTo>
+                    <a:pt x="554570" y="25810"/>
+                  </a:lnTo>
+                  <a:cubicBezTo>
+                    <a:pt x="559015" y="50892"/>
+                    <a:pt x="571080" y="122648"/>
+                    <a:pt x="581240" y="176305"/>
+                  </a:cubicBezTo>
+                  <a:cubicBezTo>
+                    <a:pt x="591400" y="229962"/>
+                    <a:pt x="599338" y="308385"/>
+                    <a:pt x="615530" y="347755"/>
+                  </a:cubicBezTo>
+                  <a:cubicBezTo>
+                    <a:pt x="631722" y="387125"/>
+                    <a:pt x="661568" y="415065"/>
+                    <a:pt x="678395" y="412525"/>
+                  </a:cubicBezTo>
+                  <a:cubicBezTo>
+                    <a:pt x="695222" y="409985"/>
+                    <a:pt x="709193" y="354422"/>
+                    <a:pt x="716495" y="332515"/>
+                  </a:cubicBezTo>
+                  <a:cubicBezTo>
+                    <a:pt x="723798" y="310607"/>
+                    <a:pt x="712050" y="279493"/>
+                    <a:pt x="722210" y="281080"/>
+                  </a:cubicBezTo>
+                  <a:cubicBezTo>
+                    <a:pt x="732370" y="282667"/>
+                    <a:pt x="769835" y="313465"/>
+                    <a:pt x="777455" y="342040"/>
+                  </a:cubicBezTo>
+                  <a:cubicBezTo>
+                    <a:pt x="785075" y="370615"/>
+                    <a:pt x="764120" y="393475"/>
+                    <a:pt x="767930" y="452530"/>
+                  </a:cubicBezTo>
+                  <a:cubicBezTo>
+                    <a:pt x="771740" y="511585"/>
+                    <a:pt x="754913" y="645253"/>
+                    <a:pt x="800315" y="696370"/>
+                  </a:cubicBezTo>
+                  <a:cubicBezTo>
+                    <a:pt x="845717" y="747487"/>
+                    <a:pt x="958747" y="775428"/>
+                    <a:pt x="1040345" y="759235"/>
+                  </a:cubicBezTo>
+                  <a:cubicBezTo>
+                    <a:pt x="1121943" y="743042"/>
+                    <a:pt x="1231163" y="675415"/>
+                    <a:pt x="1289900" y="599215"/>
+                  </a:cubicBezTo>
+                  <a:cubicBezTo>
+                    <a:pt x="1348637" y="523015"/>
+                    <a:pt x="1355940" y="373155"/>
+                    <a:pt x="1392770" y="302035"/>
+                  </a:cubicBezTo>
+                  <a:cubicBezTo>
+                    <a:pt x="1429600" y="230915"/>
+                    <a:pt x="1476590" y="202022"/>
+                    <a:pt x="1510880" y="172495"/>
+                  </a:cubicBezTo>
+                  <a:cubicBezTo>
+                    <a:pt x="1545170" y="142968"/>
+                    <a:pt x="1572793" y="137887"/>
+                    <a:pt x="1598510" y="124870"/>
+                  </a:cubicBezTo>
+                  <a:cubicBezTo>
+                    <a:pt x="1624227" y="111853"/>
+                    <a:pt x="1644548" y="94073"/>
+                    <a:pt x="1665185" y="94390"/>
+                  </a:cubicBezTo>
+                  <a:cubicBezTo>
+                    <a:pt x="1685822" y="94707"/>
+                    <a:pt x="1712493" y="115663"/>
+                    <a:pt x="1722335" y="126775"/>
+                  </a:cubicBezTo>
+                  <a:cubicBezTo>
+                    <a:pt x="1732177" y="137887"/>
+                    <a:pt x="1741067" y="146143"/>
+                    <a:pt x="1724240" y="161065"/>
+                  </a:cubicBezTo>
+                  <a:cubicBezTo>
+                    <a:pt x="1707413" y="175987"/>
+                    <a:pt x="1647087" y="202975"/>
+                    <a:pt x="1621370" y="216310"/>
+                  </a:cubicBezTo>
+                  <a:cubicBezTo>
+                    <a:pt x="1595653" y="229645"/>
+                    <a:pt x="1582000" y="232185"/>
+                    <a:pt x="1569935" y="241075"/>
+                  </a:cubicBezTo>
+                  <a:cubicBezTo>
+                    <a:pt x="1557870" y="249965"/>
+                    <a:pt x="1520088" y="265205"/>
+                    <a:pt x="1548980" y="269650"/>
+                  </a:cubicBezTo>
+                  <a:cubicBezTo>
+                    <a:pt x="1577872" y="274095"/>
+                    <a:pt x="1686458" y="280445"/>
+                    <a:pt x="1743290" y="267745"/>
+                  </a:cubicBezTo>
+                  <a:cubicBezTo>
+                    <a:pt x="1800122" y="255045"/>
+                    <a:pt x="1850923" y="209007"/>
+                    <a:pt x="1889975" y="193450"/>
+                  </a:cubicBezTo>
+                  <a:cubicBezTo>
+                    <a:pt x="1929027" y="177893"/>
+                    <a:pt x="1947443" y="173765"/>
+                    <a:pt x="1977605" y="174400"/>
+                  </a:cubicBezTo>
+                  <a:cubicBezTo>
+                    <a:pt x="2007767" y="175035"/>
+                    <a:pt x="2055393" y="193450"/>
+                    <a:pt x="2070950" y="197260"/>
+                  </a:cubicBezTo>
+                  <a:lnTo>
+                    <a:pt x="2070950" y="197260"/>
+                  </a:lnTo>
+                  <a:cubicBezTo>
+                    <a:pt x="2081428" y="201388"/>
+                    <a:pt x="2122703" y="204563"/>
+                    <a:pt x="2133815" y="222025"/>
+                  </a:cubicBezTo>
+                  <a:cubicBezTo>
+                    <a:pt x="2144927" y="239487"/>
+                    <a:pt x="2161755" y="289335"/>
+                    <a:pt x="2137625" y="302035"/>
+                  </a:cubicBezTo>
+                  <a:cubicBezTo>
+                    <a:pt x="2113495" y="314735"/>
+                    <a:pt x="2036342" y="300447"/>
+                    <a:pt x="1989035" y="298225"/>
+                  </a:cubicBezTo>
+                  <a:cubicBezTo>
+                    <a:pt x="1941728" y="296003"/>
+                    <a:pt x="1889975" y="280128"/>
+                    <a:pt x="1853780" y="288700"/>
+                  </a:cubicBezTo>
+                  <a:cubicBezTo>
+                    <a:pt x="1817585" y="297272"/>
+                    <a:pt x="1776310" y="331880"/>
+                    <a:pt x="1771865" y="349660"/>
+                  </a:cubicBezTo>
+                  <a:cubicBezTo>
+                    <a:pt x="1767420" y="367440"/>
+                    <a:pt x="1797265" y="389982"/>
+                    <a:pt x="1827110" y="395380"/>
+                  </a:cubicBezTo>
+                  <a:cubicBezTo>
+                    <a:pt x="1856955" y="400777"/>
+                    <a:pt x="1911883" y="383950"/>
+                    <a:pt x="1950935" y="382045"/>
+                  </a:cubicBezTo>
+                  <a:cubicBezTo>
+                    <a:pt x="1989987" y="380140"/>
+                    <a:pt x="2038248" y="373155"/>
+                    <a:pt x="2061425" y="383950"/>
+                  </a:cubicBezTo>
+                  <a:cubicBezTo>
+                    <a:pt x="2084602" y="394745"/>
+                    <a:pt x="2090635" y="423955"/>
+                    <a:pt x="2090000" y="446815"/>
+                  </a:cubicBezTo>
+                  <a:cubicBezTo>
+                    <a:pt x="2089365" y="469675"/>
+                    <a:pt x="2080793" y="513808"/>
+                    <a:pt x="2057615" y="521110"/>
+                  </a:cubicBezTo>
+                  <a:cubicBezTo>
+                    <a:pt x="2034438" y="528413"/>
+                    <a:pt x="1986177" y="502060"/>
+                    <a:pt x="1950935" y="490630"/>
+                  </a:cubicBezTo>
+                  <a:cubicBezTo>
+                    <a:pt x="1915693" y="479200"/>
+                    <a:pt x="1878545" y="461102"/>
+                    <a:pt x="1846160" y="452530"/>
+                  </a:cubicBezTo>
+                  <a:cubicBezTo>
+                    <a:pt x="1813775" y="443958"/>
+                    <a:pt x="1779802" y="443322"/>
+                    <a:pt x="1756625" y="439195"/>
+                  </a:cubicBezTo>
+                  <a:cubicBezTo>
+                    <a:pt x="1733448" y="435068"/>
+                    <a:pt x="1718525" y="413477"/>
+                    <a:pt x="1707095" y="427765"/>
+                  </a:cubicBezTo>
+                  <a:cubicBezTo>
+                    <a:pt x="1695665" y="442053"/>
+                    <a:pt x="1674393" y="498250"/>
+                    <a:pt x="1688045" y="524920"/>
+                  </a:cubicBezTo>
+                  <a:cubicBezTo>
+                    <a:pt x="1701697" y="551590"/>
+                    <a:pt x="1754403" y="573498"/>
+                    <a:pt x="1789010" y="587785"/>
+                  </a:cubicBezTo>
+                  <a:cubicBezTo>
+                    <a:pt x="1823617" y="602072"/>
+                    <a:pt x="1865845" y="599215"/>
+                    <a:pt x="1895690" y="610645"/>
+                  </a:cubicBezTo>
+                  <a:cubicBezTo>
+                    <a:pt x="1925535" y="622075"/>
+                    <a:pt x="1946808" y="640808"/>
+                    <a:pt x="1968080" y="656365"/>
+                  </a:cubicBezTo>
+                  <a:cubicBezTo>
+                    <a:pt x="1989352" y="671922"/>
+                    <a:pt x="2010625" y="680495"/>
+                    <a:pt x="2023325" y="703990"/>
+                  </a:cubicBezTo>
+                  <a:cubicBezTo>
+                    <a:pt x="2036025" y="727485"/>
+                    <a:pt x="2054123" y="778603"/>
+                    <a:pt x="2044280" y="797335"/>
+                  </a:cubicBezTo>
+                  <a:cubicBezTo>
+                    <a:pt x="2034438" y="816068"/>
+                    <a:pt x="1995067" y="824957"/>
+                    <a:pt x="1964270" y="816385"/>
+                  </a:cubicBezTo>
+                  <a:cubicBezTo>
+                    <a:pt x="1933473" y="807813"/>
+                    <a:pt x="1896960" y="765267"/>
+                    <a:pt x="1859495" y="745900"/>
+                  </a:cubicBezTo>
+                  <a:cubicBezTo>
+                    <a:pt x="1822030" y="726533"/>
+                    <a:pt x="1771865" y="702402"/>
+                    <a:pt x="1739480" y="700180"/>
+                  </a:cubicBezTo>
+                  <a:cubicBezTo>
+                    <a:pt x="1707095" y="697958"/>
+                    <a:pt x="1668360" y="712563"/>
+                    <a:pt x="1665185" y="732565"/>
+                  </a:cubicBezTo>
+                  <a:cubicBezTo>
+                    <a:pt x="1662010" y="752567"/>
+                    <a:pt x="1696935" y="799240"/>
+                    <a:pt x="1720430" y="820195"/>
+                  </a:cubicBezTo>
+                  <a:cubicBezTo>
+                    <a:pt x="1743925" y="841150"/>
+                    <a:pt x="1780438" y="838928"/>
+                    <a:pt x="1806155" y="858295"/>
+                  </a:cubicBezTo>
+                  <a:cubicBezTo>
+                    <a:pt x="1831872" y="877662"/>
+                    <a:pt x="1876322" y="922113"/>
+                    <a:pt x="1874735" y="936400"/>
+                  </a:cubicBezTo>
+                  <a:cubicBezTo>
+                    <a:pt x="1873148" y="950687"/>
+                    <a:pt x="1801393" y="936717"/>
+                    <a:pt x="1796630" y="944020"/>
+                  </a:cubicBezTo>
+                  <a:cubicBezTo>
+                    <a:pt x="1791867" y="951323"/>
+                    <a:pt x="1860765" y="955767"/>
+                    <a:pt x="1846160" y="980215"/>
+                  </a:cubicBezTo>
+                  <a:cubicBezTo>
+                    <a:pt x="1831555" y="1004662"/>
+                    <a:pt x="1844572" y="1059273"/>
+                    <a:pt x="1709000" y="1090705"/>
+                  </a:cubicBezTo>
+                  <a:cubicBezTo>
+                    <a:pt x="1573428" y="1122137"/>
+                    <a:pt x="1220367" y="1163730"/>
+                    <a:pt x="1032725" y="1168810"/>
+                  </a:cubicBezTo>
+                  <a:cubicBezTo>
+                    <a:pt x="845083" y="1173890"/>
+                    <a:pt x="697128" y="1145950"/>
+                    <a:pt x="583145" y="1121185"/>
+                  </a:cubicBezTo>
+                  <a:cubicBezTo>
+                    <a:pt x="469162" y="1096420"/>
+                    <a:pt x="410108" y="1039905"/>
+                    <a:pt x="365975" y="1016410"/>
+                  </a:cubicBezTo>
+                  <a:close/>
+                </a:path>
+              </a:pathLst>
+            </a:custGeom>
             <a:solidFill>
-              <a:srgbClr val="614439"/>
+              <a:srgbClr val="00B0F0"/>
             </a:solidFill>
-          </a:ln>
-        </p:spPr>
-        <p:style>
-          <a:lnRef idx="2">
-            <a:schemeClr val="accent1">
-              <a:shade val="50000"/>
-            </a:schemeClr>
-          </a:lnRef>
-          <a:fillRef idx="1">
-            <a:schemeClr val="accent1"/>
-          </a:fillRef>
-          <a:effectRef idx="0">
-            <a:schemeClr val="accent1"/>
-          </a:effectRef>
-          <a:fontRef idx="minor">
-            <a:schemeClr val="lt1"/>
-          </a:fontRef>
-        </p:style>
-        <p:txBody>
-          <a:bodyPr rtlCol="0" anchor="ctr"/>
-          <a:lstStyle/>
-          <a:p>
-            <a:pPr algn="ctr"/>
-            <a:endParaRPr lang="pt-BR"/>
-          </a:p>
-        </p:txBody>
-      </p:sp>
-      <p:sp>
-        <p:nvSpPr>
-          <p:cNvPr id="6" name="Retângulo 5"/>
-          <p:cNvSpPr/>
-          <p:nvPr/>
-        </p:nvSpPr>
-        <p:spPr>
-          <a:xfrm rot="2021820">
-            <a:off x="4838692" y="3457055"/>
-            <a:ext cx="190500" cy="1164586"/>
-          </a:xfrm>
-          <a:prstGeom prst="rect">
-            <a:avLst/>
-          </a:prstGeom>
-          <a:solidFill>
-            <a:srgbClr val="795547"/>
-          </a:solidFill>
-          <a:ln>
+            <a:ln w="9525">
+              <a:solidFill>
+                <a:srgbClr val="0070C0"/>
+              </a:solidFill>
+            </a:ln>
+          </p:spPr>
+          <p:style>
+            <a:lnRef idx="2">
+              <a:schemeClr val="accent1">
+                <a:shade val="50000"/>
+              </a:schemeClr>
+            </a:lnRef>
+            <a:fillRef idx="1">
+              <a:schemeClr val="accent1"/>
+            </a:fillRef>
+            <a:effectRef idx="0">
+              <a:schemeClr val="accent1"/>
+            </a:effectRef>
+            <a:fontRef idx="minor">
+              <a:schemeClr val="lt1"/>
+            </a:fontRef>
+          </p:style>
+          <p:txBody>
+            <a:bodyPr rtlCol="0" anchor="ctr"/>
+            <a:lstStyle/>
+            <a:p>
+              <a:pPr algn="ctr"/>
+              <a:endParaRPr lang="pt-BR"/>
+            </a:p>
+          </p:txBody>
+        </p:sp>
+        <p:sp>
+          <p:nvSpPr>
+            <p:cNvPr id="5" name="Retângulo 4"/>
+            <p:cNvSpPr/>
+            <p:nvPr/>
+          </p:nvSpPr>
+          <p:spPr>
+            <a:xfrm rot="19478001">
+              <a:off x="5173984" y="3254555"/>
+              <a:ext cx="190500" cy="1452300"/>
+            </a:xfrm>
+            <a:prstGeom prst="rect">
+              <a:avLst/>
+            </a:prstGeom>
             <a:solidFill>
-              <a:srgbClr val="614439"/>
+              <a:srgbClr val="795547"/>
             </a:solidFill>
-          </a:ln>
-        </p:spPr>
-        <p:style>
-          <a:lnRef idx="2">
-            <a:schemeClr val="accent1">
-              <a:shade val="50000"/>
-            </a:schemeClr>
-          </a:lnRef>
-          <a:fillRef idx="1">
-            <a:schemeClr val="accent1"/>
-          </a:fillRef>
-          <a:effectRef idx="0">
-            <a:schemeClr val="accent1"/>
-          </a:effectRef>
-          <a:fontRef idx="minor">
-            <a:schemeClr val="lt1"/>
-          </a:fontRef>
-        </p:style>
-        <p:txBody>
-          <a:bodyPr rtlCol="0" anchor="ctr"/>
-          <a:lstStyle/>
-          <a:p>
-            <a:pPr algn="ctr"/>
-            <a:endParaRPr lang="pt-BR"/>
-          </a:p>
-        </p:txBody>
-      </p:sp>
-      <p:sp>
-        <p:nvSpPr>
-          <p:cNvPr id="7" name="Retângulo 6"/>
-          <p:cNvSpPr/>
-          <p:nvPr/>
-        </p:nvSpPr>
-        <p:spPr>
-          <a:xfrm rot="17945236">
-            <a:off x="5372074" y="3511003"/>
-            <a:ext cx="190500" cy="918403"/>
-          </a:xfrm>
-          <a:prstGeom prst="rect">
-            <a:avLst/>
-          </a:prstGeom>
-          <a:solidFill>
-            <a:srgbClr val="795547"/>
-          </a:solidFill>
-          <a:ln>
+            <a:ln>
+              <a:solidFill>
+                <a:srgbClr val="614439"/>
+              </a:solidFill>
+            </a:ln>
+          </p:spPr>
+          <p:style>
+            <a:lnRef idx="2">
+              <a:schemeClr val="accent1">
+                <a:shade val="50000"/>
+              </a:schemeClr>
+            </a:lnRef>
+            <a:fillRef idx="1">
+              <a:schemeClr val="accent1"/>
+            </a:fillRef>
+            <a:effectRef idx="0">
+              <a:schemeClr val="accent1"/>
+            </a:effectRef>
+            <a:fontRef idx="minor">
+              <a:schemeClr val="lt1"/>
+            </a:fontRef>
+          </p:style>
+          <p:txBody>
+            <a:bodyPr rtlCol="0" anchor="ctr"/>
+            <a:lstStyle/>
+            <a:p>
+              <a:pPr algn="ctr"/>
+              <a:endParaRPr lang="pt-BR"/>
+            </a:p>
+          </p:txBody>
+        </p:sp>
+        <p:sp>
+          <p:nvSpPr>
+            <p:cNvPr id="6" name="Retângulo 5"/>
+            <p:cNvSpPr/>
+            <p:nvPr/>
+          </p:nvSpPr>
+          <p:spPr>
+            <a:xfrm rot="2021820">
+              <a:off x="4838692" y="3457055"/>
+              <a:ext cx="190500" cy="1164586"/>
+            </a:xfrm>
+            <a:prstGeom prst="rect">
+              <a:avLst/>
+            </a:prstGeom>
             <a:solidFill>
-              <a:srgbClr val="614439"/>
+              <a:srgbClr val="795547"/>
             </a:solidFill>
-          </a:ln>
-        </p:spPr>
-        <p:style>
-          <a:lnRef idx="2">
-            <a:schemeClr val="accent1">
-              <a:shade val="50000"/>
-            </a:schemeClr>
-          </a:lnRef>
-          <a:fillRef idx="1">
-            <a:schemeClr val="accent1"/>
-          </a:fillRef>
-          <a:effectRef idx="0">
-            <a:schemeClr val="accent1"/>
-          </a:effectRef>
-          <a:fontRef idx="minor">
-            <a:schemeClr val="lt1"/>
-          </a:fontRef>
-        </p:style>
-        <p:txBody>
-          <a:bodyPr rtlCol="0" anchor="ctr"/>
-          <a:lstStyle/>
-          <a:p>
-            <a:pPr algn="ctr"/>
-            <a:endParaRPr lang="pt-BR"/>
-          </a:p>
-        </p:txBody>
-      </p:sp>
-      <p:sp>
-        <p:nvSpPr>
-          <p:cNvPr id="8" name="Retângulo 7"/>
-          <p:cNvSpPr/>
-          <p:nvPr/>
-        </p:nvSpPr>
-        <p:spPr>
-          <a:xfrm rot="2594824">
-            <a:off x="4648103" y="3451074"/>
-            <a:ext cx="190500" cy="1138460"/>
-          </a:xfrm>
-          <a:prstGeom prst="rect">
-            <a:avLst/>
-          </a:prstGeom>
-          <a:solidFill>
-            <a:srgbClr val="795547"/>
-          </a:solidFill>
-          <a:ln>
+            <a:ln>
+              <a:solidFill>
+                <a:srgbClr val="614439"/>
+              </a:solidFill>
+            </a:ln>
+          </p:spPr>
+          <p:style>
+            <a:lnRef idx="2">
+              <a:schemeClr val="accent1">
+                <a:shade val="50000"/>
+              </a:schemeClr>
+            </a:lnRef>
+            <a:fillRef idx="1">
+              <a:schemeClr val="accent1"/>
+            </a:fillRef>
+            <a:effectRef idx="0">
+              <a:schemeClr val="accent1"/>
+            </a:effectRef>
+            <a:fontRef idx="minor">
+              <a:schemeClr val="lt1"/>
+            </a:fontRef>
+          </p:style>
+          <p:txBody>
+            <a:bodyPr rtlCol="0" anchor="ctr"/>
+            <a:lstStyle/>
+            <a:p>
+              <a:pPr algn="ctr"/>
+              <a:endParaRPr lang="pt-BR"/>
+            </a:p>
+          </p:txBody>
+        </p:sp>
+        <p:sp>
+          <p:nvSpPr>
+            <p:cNvPr id="7" name="Retângulo 6"/>
+            <p:cNvSpPr/>
+            <p:nvPr/>
+          </p:nvSpPr>
+          <p:spPr>
+            <a:xfrm rot="17945236">
+              <a:off x="5372074" y="3511003"/>
+              <a:ext cx="190500" cy="918403"/>
+            </a:xfrm>
+            <a:prstGeom prst="rect">
+              <a:avLst/>
+            </a:prstGeom>
             <a:solidFill>
-              <a:srgbClr val="614439"/>
+              <a:srgbClr val="795547"/>
             </a:solidFill>
-          </a:ln>
-        </p:spPr>
-        <p:style>
-          <a:lnRef idx="2">
-            <a:schemeClr val="accent1">
-              <a:shade val="50000"/>
-            </a:schemeClr>
-          </a:lnRef>
-          <a:fillRef idx="1">
-            <a:schemeClr val="accent1"/>
-          </a:fillRef>
-          <a:effectRef idx="0">
-            <a:schemeClr val="accent1"/>
-          </a:effectRef>
-          <a:fontRef idx="minor">
-            <a:schemeClr val="lt1"/>
-          </a:fontRef>
-        </p:style>
-        <p:txBody>
-          <a:bodyPr rtlCol="0" anchor="ctr"/>
-          <a:lstStyle/>
-          <a:p>
-            <a:pPr algn="ctr"/>
-            <a:endParaRPr lang="pt-BR"/>
-          </a:p>
-        </p:txBody>
-      </p:sp>
-      <p:sp>
-        <p:nvSpPr>
-          <p:cNvPr id="9" name="Retângulo 8"/>
-          <p:cNvSpPr/>
-          <p:nvPr/>
-        </p:nvSpPr>
-        <p:spPr>
-          <a:xfrm>
-            <a:off x="4924482" y="3420506"/>
-            <a:ext cx="190500" cy="1207480"/>
-          </a:xfrm>
-          <a:prstGeom prst="rect">
-            <a:avLst/>
-          </a:prstGeom>
-          <a:solidFill>
-            <a:srgbClr val="795547"/>
-          </a:solidFill>
-          <a:ln>
+            <a:ln>
+              <a:solidFill>
+                <a:srgbClr val="614439"/>
+              </a:solidFill>
+            </a:ln>
+          </p:spPr>
+          <p:style>
+            <a:lnRef idx="2">
+              <a:schemeClr val="accent1">
+                <a:shade val="50000"/>
+              </a:schemeClr>
+            </a:lnRef>
+            <a:fillRef idx="1">
+              <a:schemeClr val="accent1"/>
+            </a:fillRef>
+            <a:effectRef idx="0">
+              <a:schemeClr val="accent1"/>
+            </a:effectRef>
+            <a:fontRef idx="minor">
+              <a:schemeClr val="lt1"/>
+            </a:fontRef>
+          </p:style>
+          <p:txBody>
+            <a:bodyPr rtlCol="0" anchor="ctr"/>
+            <a:lstStyle/>
+            <a:p>
+              <a:pPr algn="ctr"/>
+              <a:endParaRPr lang="pt-BR"/>
+            </a:p>
+          </p:txBody>
+        </p:sp>
+        <p:sp>
+          <p:nvSpPr>
+            <p:cNvPr id="8" name="Retângulo 7"/>
+            <p:cNvSpPr/>
+            <p:nvPr/>
+          </p:nvSpPr>
+          <p:spPr>
+            <a:xfrm rot="2594824">
+              <a:off x="4648103" y="3451074"/>
+              <a:ext cx="190500" cy="1138460"/>
+            </a:xfrm>
+            <a:prstGeom prst="rect">
+              <a:avLst/>
+            </a:prstGeom>
             <a:solidFill>
-              <a:srgbClr val="614439"/>
+              <a:srgbClr val="795547"/>
             </a:solidFill>
-          </a:ln>
-        </p:spPr>
-        <p:style>
-          <a:lnRef idx="2">
-            <a:schemeClr val="accent1">
-              <a:shade val="50000"/>
-            </a:schemeClr>
-          </a:lnRef>
-          <a:fillRef idx="1">
-            <a:schemeClr val="accent1"/>
-          </a:fillRef>
-          <a:effectRef idx="0">
-            <a:schemeClr val="accent1"/>
-          </a:effectRef>
-          <a:fontRef idx="minor">
-            <a:schemeClr val="lt1"/>
-          </a:fontRef>
-        </p:style>
-        <p:txBody>
-          <a:bodyPr rtlCol="0" anchor="ctr"/>
-          <a:lstStyle/>
-          <a:p>
-            <a:pPr algn="ctr"/>
-            <a:endParaRPr lang="pt-BR"/>
-          </a:p>
-        </p:txBody>
-      </p:sp>
-      <p:sp>
-        <p:nvSpPr>
-          <p:cNvPr id="10" name="Retângulo 9"/>
-          <p:cNvSpPr/>
-          <p:nvPr/>
-        </p:nvSpPr>
-        <p:spPr>
-          <a:xfrm rot="20118622">
-            <a:off x="5038314" y="3566315"/>
-            <a:ext cx="190500" cy="1017036"/>
-          </a:xfrm>
-          <a:prstGeom prst="rect">
-            <a:avLst/>
-          </a:prstGeom>
-          <a:solidFill>
-            <a:srgbClr val="795547"/>
-          </a:solidFill>
-          <a:ln>
+            <a:ln>
+              <a:solidFill>
+                <a:srgbClr val="614439"/>
+              </a:solidFill>
+            </a:ln>
+          </p:spPr>
+          <p:style>
+            <a:lnRef idx="2">
+              <a:schemeClr val="accent1">
+                <a:shade val="50000"/>
+              </a:schemeClr>
+            </a:lnRef>
+            <a:fillRef idx="1">
+              <a:schemeClr val="accent1"/>
+            </a:fillRef>
+            <a:effectRef idx="0">
+              <a:schemeClr val="accent1"/>
+            </a:effectRef>
+            <a:fontRef idx="minor">
+              <a:schemeClr val="lt1"/>
+            </a:fontRef>
+          </p:style>
+          <p:txBody>
+            <a:bodyPr rtlCol="0" anchor="ctr"/>
+            <a:lstStyle/>
+            <a:p>
+              <a:pPr algn="ctr"/>
+              <a:endParaRPr lang="pt-BR"/>
+            </a:p>
+          </p:txBody>
+        </p:sp>
+        <p:sp>
+          <p:nvSpPr>
+            <p:cNvPr id="9" name="Retângulo 8"/>
+            <p:cNvSpPr/>
+            <p:nvPr/>
+          </p:nvSpPr>
+          <p:spPr>
+            <a:xfrm>
+              <a:off x="4924482" y="3420506"/>
+              <a:ext cx="190500" cy="1207480"/>
+            </a:xfrm>
+            <a:prstGeom prst="rect">
+              <a:avLst/>
+            </a:prstGeom>
             <a:solidFill>
-              <a:srgbClr val="614439"/>
+              <a:srgbClr val="795547"/>
             </a:solidFill>
-          </a:ln>
-        </p:spPr>
-        <p:style>
-          <a:lnRef idx="2">
-            <a:schemeClr val="accent1">
-              <a:shade val="50000"/>
-            </a:schemeClr>
-          </a:lnRef>
-          <a:fillRef idx="1">
-            <a:schemeClr val="accent1"/>
-          </a:fillRef>
-          <a:effectRef idx="0">
-            <a:schemeClr val="accent1"/>
-          </a:effectRef>
-          <a:fontRef idx="minor">
-            <a:schemeClr val="lt1"/>
-          </a:fontRef>
-        </p:style>
-        <p:txBody>
-          <a:bodyPr rtlCol="0" anchor="ctr"/>
-          <a:lstStyle/>
-          <a:p>
-            <a:pPr algn="ctr"/>
-            <a:endParaRPr lang="pt-BR"/>
-          </a:p>
-        </p:txBody>
-      </p:sp>
-      <p:sp>
-        <p:nvSpPr>
-          <p:cNvPr id="13" name="Elipse 12"/>
-          <p:cNvSpPr/>
-          <p:nvPr/>
-        </p:nvSpPr>
-        <p:spPr>
-          <a:xfrm>
-            <a:off x="3894077" y="1569205"/>
-            <a:ext cx="2355539" cy="2367771"/>
-          </a:xfrm>
-          <a:custGeom>
-            <a:avLst/>
-            <a:gdLst/>
-            <a:ahLst/>
-            <a:cxnLst/>
-            <a:rect l="l" t="t" r="r" b="b"/>
-            <a:pathLst>
-              <a:path w="3215110" h="2367771">
-                <a:moveTo>
-                  <a:pt x="117143" y="0"/>
-                </a:moveTo>
-                <a:lnTo>
-                  <a:pt x="3097967" y="0"/>
-                </a:lnTo>
-                <a:cubicBezTo>
-                  <a:pt x="3173886" y="198692"/>
-                  <a:pt x="3215110" y="416204"/>
-                  <a:pt x="3215110" y="644041"/>
-                </a:cubicBezTo>
-                <a:cubicBezTo>
-                  <a:pt x="3215110" y="1596031"/>
-                  <a:pt x="2495383" y="2367771"/>
-                  <a:pt x="1607555" y="2367771"/>
-                </a:cubicBezTo>
-                <a:cubicBezTo>
-                  <a:pt x="719727" y="2367771"/>
-                  <a:pt x="0" y="1596031"/>
-                  <a:pt x="0" y="644041"/>
-                </a:cubicBezTo>
-                <a:cubicBezTo>
-                  <a:pt x="0" y="416204"/>
-                  <a:pt x="41224" y="198692"/>
-                  <a:pt x="117143" y="0"/>
-                </a:cubicBezTo>
-                <a:close/>
-              </a:path>
-            </a:pathLst>
-          </a:custGeom>
-        </p:spPr>
-        <p:style>
-          <a:lnRef idx="2">
-            <a:schemeClr val="accent1">
-              <a:shade val="50000"/>
-            </a:schemeClr>
-          </a:lnRef>
-          <a:fillRef idx="1">
-            <a:schemeClr val="accent1"/>
-          </a:fillRef>
-          <a:effectRef idx="0">
-            <a:schemeClr val="accent1"/>
-          </a:effectRef>
-          <a:fontRef idx="minor">
-            <a:schemeClr val="lt1"/>
-          </a:fontRef>
-        </p:style>
-        <p:txBody>
-          <a:bodyPr rtlCol="0" anchor="ctr"/>
-          <a:lstStyle/>
-          <a:p>
-            <a:pPr algn="ctr"/>
-            <a:endParaRPr lang="pt-BR"/>
-          </a:p>
-        </p:txBody>
-      </p:sp>
-      <p:sp>
-        <p:nvSpPr>
-          <p:cNvPr id="11" name="Forma livre 10"/>
-          <p:cNvSpPr/>
-          <p:nvPr/>
-        </p:nvSpPr>
-        <p:spPr>
-          <a:xfrm>
-            <a:off x="4523479" y="2603167"/>
-            <a:ext cx="1080209" cy="1421079"/>
-          </a:xfrm>
-          <a:custGeom>
-            <a:avLst/>
-            <a:gdLst>
-              <a:gd name="connsiteX0" fmla="*/ 22678 w 3560062"/>
-              <a:gd name="connsiteY0" fmla="*/ 2794047 h 4494648"/>
-              <a:gd name="connsiteX1" fmla="*/ 73478 w 3560062"/>
-              <a:gd name="connsiteY1" fmla="*/ 3454447 h 4494648"/>
-              <a:gd name="connsiteX2" fmla="*/ 479878 w 3560062"/>
-              <a:gd name="connsiteY2" fmla="*/ 4165647 h 4494648"/>
-              <a:gd name="connsiteX3" fmla="*/ 1267278 w 3560062"/>
-              <a:gd name="connsiteY3" fmla="*/ 4419647 h 4494648"/>
-              <a:gd name="connsiteX4" fmla="*/ 2702378 w 3560062"/>
-              <a:gd name="connsiteY4" fmla="*/ 4394247 h 4494648"/>
-              <a:gd name="connsiteX5" fmla="*/ 3553278 w 3560062"/>
-              <a:gd name="connsiteY5" fmla="*/ 3302047 h 4494648"/>
-              <a:gd name="connsiteX6" fmla="*/ 3096078 w 3560062"/>
-              <a:gd name="connsiteY6" fmla="*/ 1257347 h 4494648"/>
-              <a:gd name="connsiteX7" fmla="*/ 2994478 w 3560062"/>
-              <a:gd name="connsiteY7" fmla="*/ 1397047 h 4494648"/>
-              <a:gd name="connsiteX8" fmla="*/ 2702378 w 3560062"/>
-              <a:gd name="connsiteY8" fmla="*/ 1651047 h 4494648"/>
-              <a:gd name="connsiteX9" fmla="*/ 2334078 w 3560062"/>
-              <a:gd name="connsiteY9" fmla="*/ 1460547 h 4494648"/>
-              <a:gd name="connsiteX10" fmla="*/ 2168978 w 3560062"/>
-              <a:gd name="connsiteY10" fmla="*/ 520747 h 4494648"/>
-              <a:gd name="connsiteX11" fmla="*/ 1699078 w 3560062"/>
-              <a:gd name="connsiteY11" fmla="*/ 47 h 4494648"/>
-              <a:gd name="connsiteX12" fmla="*/ 1686378 w 3560062"/>
-              <a:gd name="connsiteY12" fmla="*/ 546147 h 4494648"/>
-              <a:gd name="connsiteX13" fmla="*/ 1305378 w 3560062"/>
-              <a:gd name="connsiteY13" fmla="*/ 1282747 h 4494648"/>
-              <a:gd name="connsiteX14" fmla="*/ 898978 w 3560062"/>
-              <a:gd name="connsiteY14" fmla="*/ 1333547 h 4494648"/>
-              <a:gd name="connsiteX15" fmla="*/ 619578 w 3560062"/>
-              <a:gd name="connsiteY15" fmla="*/ 990647 h 4494648"/>
-              <a:gd name="connsiteX16" fmla="*/ 454478 w 3560062"/>
-              <a:gd name="connsiteY16" fmla="*/ 1498647 h 4494648"/>
-              <a:gd name="connsiteX17" fmla="*/ 657678 w 3560062"/>
-              <a:gd name="connsiteY17" fmla="*/ 2298747 h 4494648"/>
-              <a:gd name="connsiteX18" fmla="*/ 594178 w 3560062"/>
-              <a:gd name="connsiteY18" fmla="*/ 2832147 h 4494648"/>
-              <a:gd name="connsiteX19" fmla="*/ 327478 w 3560062"/>
-              <a:gd name="connsiteY19" fmla="*/ 2895647 h 4494648"/>
-              <a:gd name="connsiteX20" fmla="*/ 22678 w 3560062"/>
-              <a:gd name="connsiteY20" fmla="*/ 2794047 h 4494648"/>
-            </a:gdLst>
-            <a:ahLst/>
-            <a:cxnLst>
-              <a:cxn ang="0">
-                <a:pos x="connsiteX0" y="connsiteY0"/>
-              </a:cxn>
-              <a:cxn ang="0">
-                <a:pos x="connsiteX1" y="connsiteY1"/>
-              </a:cxn>
-              <a:cxn ang="0">
-                <a:pos x="connsiteX2" y="connsiteY2"/>
-              </a:cxn>
-              <a:cxn ang="0">
-                <a:pos x="connsiteX3" y="connsiteY3"/>
-              </a:cxn>
-              <a:cxn ang="0">
-                <a:pos x="connsiteX4" y="connsiteY4"/>
-              </a:cxn>
-              <a:cxn ang="0">
-                <a:pos x="connsiteX5" y="connsiteY5"/>
-              </a:cxn>
-              <a:cxn ang="0">
-                <a:pos x="connsiteX6" y="connsiteY6"/>
-              </a:cxn>
-              <a:cxn ang="0">
-                <a:pos x="connsiteX7" y="connsiteY7"/>
-              </a:cxn>
-              <a:cxn ang="0">
-                <a:pos x="connsiteX8" y="connsiteY8"/>
-              </a:cxn>
-              <a:cxn ang="0">
-                <a:pos x="connsiteX9" y="connsiteY9"/>
-              </a:cxn>
-              <a:cxn ang="0">
-                <a:pos x="connsiteX10" y="connsiteY10"/>
-              </a:cxn>
-              <a:cxn ang="0">
-                <a:pos x="connsiteX11" y="connsiteY11"/>
-              </a:cxn>
-              <a:cxn ang="0">
-                <a:pos x="connsiteX12" y="connsiteY12"/>
-              </a:cxn>
-              <a:cxn ang="0">
-                <a:pos x="connsiteX13" y="connsiteY13"/>
-              </a:cxn>
-              <a:cxn ang="0">
-                <a:pos x="connsiteX14" y="connsiteY14"/>
-              </a:cxn>
-              <a:cxn ang="0">
-                <a:pos x="connsiteX15" y="connsiteY15"/>
-              </a:cxn>
-              <a:cxn ang="0">
-                <a:pos x="connsiteX16" y="connsiteY16"/>
-              </a:cxn>
-              <a:cxn ang="0">
-                <a:pos x="connsiteX17" y="connsiteY17"/>
-              </a:cxn>
-              <a:cxn ang="0">
-                <a:pos x="connsiteX18" y="connsiteY18"/>
-              </a:cxn>
-              <a:cxn ang="0">
-                <a:pos x="connsiteX19" y="connsiteY19"/>
-              </a:cxn>
-              <a:cxn ang="0">
-                <a:pos x="connsiteX20" y="connsiteY20"/>
-              </a:cxn>
-            </a:cxnLst>
-            <a:rect l="l" t="t" r="r" b="b"/>
-            <a:pathLst>
-              <a:path w="3560062" h="4494648">
-                <a:moveTo>
-                  <a:pt x="22678" y="2794047"/>
-                </a:moveTo>
-                <a:cubicBezTo>
-                  <a:pt x="-19655" y="2887180"/>
-                  <a:pt x="-2722" y="3225847"/>
-                  <a:pt x="73478" y="3454447"/>
-                </a:cubicBezTo>
-                <a:cubicBezTo>
-                  <a:pt x="149678" y="3683047"/>
-                  <a:pt x="280911" y="4004780"/>
-                  <a:pt x="479878" y="4165647"/>
-                </a:cubicBezTo>
-                <a:cubicBezTo>
-                  <a:pt x="678845" y="4326514"/>
-                  <a:pt x="896861" y="4381547"/>
-                  <a:pt x="1267278" y="4419647"/>
-                </a:cubicBezTo>
-                <a:cubicBezTo>
-                  <a:pt x="1637695" y="4457747"/>
-                  <a:pt x="2321378" y="4580514"/>
-                  <a:pt x="2702378" y="4394247"/>
-                </a:cubicBezTo>
-                <a:cubicBezTo>
-                  <a:pt x="3083378" y="4207980"/>
-                  <a:pt x="3487661" y="3824864"/>
-                  <a:pt x="3553278" y="3302047"/>
-                </a:cubicBezTo>
-                <a:cubicBezTo>
-                  <a:pt x="3618895" y="2779230"/>
-                  <a:pt x="3189211" y="1574847"/>
-                  <a:pt x="3096078" y="1257347"/>
-                </a:cubicBezTo>
-                <a:cubicBezTo>
-                  <a:pt x="3002945" y="939847"/>
-                  <a:pt x="3060095" y="1331430"/>
-                  <a:pt x="2994478" y="1397047"/>
-                </a:cubicBezTo>
-                <a:cubicBezTo>
-                  <a:pt x="2928861" y="1462664"/>
-                  <a:pt x="2812445" y="1640464"/>
-                  <a:pt x="2702378" y="1651047"/>
-                </a:cubicBezTo>
-                <a:cubicBezTo>
-                  <a:pt x="2592311" y="1661630"/>
-                  <a:pt x="2422978" y="1648930"/>
-                  <a:pt x="2334078" y="1460547"/>
-                </a:cubicBezTo>
-                <a:cubicBezTo>
-                  <a:pt x="2245178" y="1272164"/>
-                  <a:pt x="2274811" y="764164"/>
-                  <a:pt x="2168978" y="520747"/>
-                </a:cubicBezTo>
-                <a:cubicBezTo>
-                  <a:pt x="2063145" y="277330"/>
-                  <a:pt x="1779511" y="-4186"/>
-                  <a:pt x="1699078" y="47"/>
-                </a:cubicBezTo>
-                <a:cubicBezTo>
-                  <a:pt x="1618645" y="4280"/>
-                  <a:pt x="1751995" y="332364"/>
-                  <a:pt x="1686378" y="546147"/>
-                </a:cubicBezTo>
-                <a:cubicBezTo>
-                  <a:pt x="1620761" y="759930"/>
-                  <a:pt x="1436611" y="1151514"/>
-                  <a:pt x="1305378" y="1282747"/>
-                </a:cubicBezTo>
-                <a:cubicBezTo>
-                  <a:pt x="1174145" y="1413980"/>
-                  <a:pt x="1013278" y="1382230"/>
-                  <a:pt x="898978" y="1333547"/>
-                </a:cubicBezTo>
-                <a:cubicBezTo>
-                  <a:pt x="784678" y="1284864"/>
-                  <a:pt x="693661" y="963130"/>
-                  <a:pt x="619578" y="990647"/>
-                </a:cubicBezTo>
-                <a:cubicBezTo>
-                  <a:pt x="545495" y="1018164"/>
-                  <a:pt x="448128" y="1280630"/>
-                  <a:pt x="454478" y="1498647"/>
-                </a:cubicBezTo>
-                <a:cubicBezTo>
-                  <a:pt x="460828" y="1716664"/>
-                  <a:pt x="634395" y="2076497"/>
-                  <a:pt x="657678" y="2298747"/>
-                </a:cubicBezTo>
-                <a:cubicBezTo>
-                  <a:pt x="680961" y="2520997"/>
-                  <a:pt x="649211" y="2732664"/>
-                  <a:pt x="594178" y="2832147"/>
-                </a:cubicBezTo>
-                <a:cubicBezTo>
-                  <a:pt x="539145" y="2931630"/>
-                  <a:pt x="422728" y="2899880"/>
-                  <a:pt x="327478" y="2895647"/>
-                </a:cubicBezTo>
-                <a:cubicBezTo>
-                  <a:pt x="232228" y="2891414"/>
-                  <a:pt x="65011" y="2700914"/>
-                  <a:pt x="22678" y="2794047"/>
-                </a:cubicBezTo>
-                <a:close/>
-              </a:path>
-            </a:pathLst>
-          </a:custGeom>
-          <a:solidFill>
-            <a:srgbClr val="FFC000"/>
-          </a:solidFill>
-          <a:ln>
+            <a:ln>
+              <a:solidFill>
+                <a:srgbClr val="614439"/>
+              </a:solidFill>
+            </a:ln>
+          </p:spPr>
+          <p:style>
+            <a:lnRef idx="2">
+              <a:schemeClr val="accent1">
+                <a:shade val="50000"/>
+              </a:schemeClr>
+            </a:lnRef>
+            <a:fillRef idx="1">
+              <a:schemeClr val="accent1"/>
+            </a:fillRef>
+            <a:effectRef idx="0">
+              <a:schemeClr val="accent1"/>
+            </a:effectRef>
+            <a:fontRef idx="minor">
+              <a:schemeClr val="lt1"/>
+            </a:fontRef>
+          </p:style>
+          <p:txBody>
+            <a:bodyPr rtlCol="0" anchor="ctr"/>
+            <a:lstStyle/>
+            <a:p>
+              <a:pPr algn="ctr"/>
+              <a:endParaRPr lang="pt-BR"/>
+            </a:p>
+          </p:txBody>
+        </p:sp>
+        <p:sp>
+          <p:nvSpPr>
+            <p:cNvPr id="10" name="Retângulo 9"/>
+            <p:cNvSpPr/>
+            <p:nvPr/>
+          </p:nvSpPr>
+          <p:spPr>
+            <a:xfrm rot="20118622">
+              <a:off x="5038314" y="3566315"/>
+              <a:ext cx="190500" cy="1017036"/>
+            </a:xfrm>
+            <a:prstGeom prst="rect">
+              <a:avLst/>
+            </a:prstGeom>
+            <a:solidFill>
+              <a:srgbClr val="795547"/>
+            </a:solidFill>
+            <a:ln>
+              <a:solidFill>
+                <a:srgbClr val="614439"/>
+              </a:solidFill>
+            </a:ln>
+          </p:spPr>
+          <p:style>
+            <a:lnRef idx="2">
+              <a:schemeClr val="accent1">
+                <a:shade val="50000"/>
+              </a:schemeClr>
+            </a:lnRef>
+            <a:fillRef idx="1">
+              <a:schemeClr val="accent1"/>
+            </a:fillRef>
+            <a:effectRef idx="0">
+              <a:schemeClr val="accent1"/>
+            </a:effectRef>
+            <a:fontRef idx="minor">
+              <a:schemeClr val="lt1"/>
+            </a:fontRef>
+          </p:style>
+          <p:txBody>
+            <a:bodyPr rtlCol="0" anchor="ctr"/>
+            <a:lstStyle/>
+            <a:p>
+              <a:pPr algn="ctr"/>
+              <a:endParaRPr lang="pt-BR"/>
+            </a:p>
+          </p:txBody>
+        </p:sp>
+        <p:sp>
+          <p:nvSpPr>
+            <p:cNvPr id="13" name="Elipse 12"/>
+            <p:cNvSpPr/>
+            <p:nvPr/>
+          </p:nvSpPr>
+          <p:spPr>
+            <a:xfrm>
+              <a:off x="3784385" y="2127219"/>
+              <a:ext cx="2558395" cy="1884780"/>
+            </a:xfrm>
+            <a:custGeom>
+              <a:avLst/>
+              <a:gdLst/>
+              <a:ahLst/>
+              <a:cxnLst/>
+              <a:rect l="l" t="t" r="r" b="b"/>
+              <a:pathLst>
+                <a:path w="3215110" h="2367771">
+                  <a:moveTo>
+                    <a:pt x="117143" y="0"/>
+                  </a:moveTo>
+                  <a:lnTo>
+                    <a:pt x="3097967" y="0"/>
+                  </a:lnTo>
+                  <a:cubicBezTo>
+                    <a:pt x="3173886" y="198692"/>
+                    <a:pt x="3215110" y="416204"/>
+                    <a:pt x="3215110" y="644041"/>
+                  </a:cubicBezTo>
+                  <a:cubicBezTo>
+                    <a:pt x="3215110" y="1596031"/>
+                    <a:pt x="2495383" y="2367771"/>
+                    <a:pt x="1607555" y="2367771"/>
+                  </a:cubicBezTo>
+                  <a:cubicBezTo>
+                    <a:pt x="719727" y="2367771"/>
+                    <a:pt x="0" y="1596031"/>
+                    <a:pt x="0" y="644041"/>
+                  </a:cubicBezTo>
+                  <a:cubicBezTo>
+                    <a:pt x="0" y="416204"/>
+                    <a:pt x="41224" y="198692"/>
+                    <a:pt x="117143" y="0"/>
+                  </a:cubicBezTo>
+                  <a:close/>
+                </a:path>
+              </a:pathLst>
+            </a:custGeom>
+            <a:solidFill>
+              <a:schemeClr val="tx1">
+                <a:lumMod val="75000"/>
+                <a:lumOff val="25000"/>
+              </a:schemeClr>
+            </a:solidFill>
+            <a:ln>
+              <a:solidFill>
+                <a:schemeClr val="tx1">
+                  <a:lumMod val="95000"/>
+                  <a:lumOff val="5000"/>
+                </a:schemeClr>
+              </a:solidFill>
+            </a:ln>
+          </p:spPr>
+          <p:style>
+            <a:lnRef idx="2">
+              <a:schemeClr val="accent1">
+                <a:shade val="50000"/>
+              </a:schemeClr>
+            </a:lnRef>
+            <a:fillRef idx="1">
+              <a:schemeClr val="accent1"/>
+            </a:fillRef>
+            <a:effectRef idx="0">
+              <a:schemeClr val="accent1"/>
+            </a:effectRef>
+            <a:fontRef idx="minor">
+              <a:schemeClr val="lt1"/>
+            </a:fontRef>
+          </p:style>
+          <p:txBody>
+            <a:bodyPr rtlCol="0" anchor="ctr"/>
+            <a:lstStyle/>
+            <a:p>
+              <a:pPr algn="ctr"/>
+              <a:endParaRPr lang="pt-BR"/>
+            </a:p>
+          </p:txBody>
+        </p:sp>
+        <p:sp>
+          <p:nvSpPr>
+            <p:cNvPr id="11" name="Forma livre 10"/>
+            <p:cNvSpPr/>
+            <p:nvPr/>
+          </p:nvSpPr>
+          <p:spPr>
+            <a:xfrm>
+              <a:off x="4237876" y="2996952"/>
+              <a:ext cx="1632699" cy="1040714"/>
+            </a:xfrm>
+            <a:custGeom>
+              <a:avLst/>
+              <a:gdLst>
+                <a:gd name="connsiteX0" fmla="*/ 22678 w 3560062"/>
+                <a:gd name="connsiteY0" fmla="*/ 2794047 h 4494648"/>
+                <a:gd name="connsiteX1" fmla="*/ 73478 w 3560062"/>
+                <a:gd name="connsiteY1" fmla="*/ 3454447 h 4494648"/>
+                <a:gd name="connsiteX2" fmla="*/ 479878 w 3560062"/>
+                <a:gd name="connsiteY2" fmla="*/ 4165647 h 4494648"/>
+                <a:gd name="connsiteX3" fmla="*/ 1267278 w 3560062"/>
+                <a:gd name="connsiteY3" fmla="*/ 4419647 h 4494648"/>
+                <a:gd name="connsiteX4" fmla="*/ 2702378 w 3560062"/>
+                <a:gd name="connsiteY4" fmla="*/ 4394247 h 4494648"/>
+                <a:gd name="connsiteX5" fmla="*/ 3553278 w 3560062"/>
+                <a:gd name="connsiteY5" fmla="*/ 3302047 h 4494648"/>
+                <a:gd name="connsiteX6" fmla="*/ 3096078 w 3560062"/>
+                <a:gd name="connsiteY6" fmla="*/ 1257347 h 4494648"/>
+                <a:gd name="connsiteX7" fmla="*/ 2994478 w 3560062"/>
+                <a:gd name="connsiteY7" fmla="*/ 1397047 h 4494648"/>
+                <a:gd name="connsiteX8" fmla="*/ 2702378 w 3560062"/>
+                <a:gd name="connsiteY8" fmla="*/ 1651047 h 4494648"/>
+                <a:gd name="connsiteX9" fmla="*/ 2334078 w 3560062"/>
+                <a:gd name="connsiteY9" fmla="*/ 1460547 h 4494648"/>
+                <a:gd name="connsiteX10" fmla="*/ 2168978 w 3560062"/>
+                <a:gd name="connsiteY10" fmla="*/ 520747 h 4494648"/>
+                <a:gd name="connsiteX11" fmla="*/ 1699078 w 3560062"/>
+                <a:gd name="connsiteY11" fmla="*/ 47 h 4494648"/>
+                <a:gd name="connsiteX12" fmla="*/ 1686378 w 3560062"/>
+                <a:gd name="connsiteY12" fmla="*/ 546147 h 4494648"/>
+                <a:gd name="connsiteX13" fmla="*/ 1305378 w 3560062"/>
+                <a:gd name="connsiteY13" fmla="*/ 1282747 h 4494648"/>
+                <a:gd name="connsiteX14" fmla="*/ 898978 w 3560062"/>
+                <a:gd name="connsiteY14" fmla="*/ 1333547 h 4494648"/>
+                <a:gd name="connsiteX15" fmla="*/ 619578 w 3560062"/>
+                <a:gd name="connsiteY15" fmla="*/ 990647 h 4494648"/>
+                <a:gd name="connsiteX16" fmla="*/ 454478 w 3560062"/>
+                <a:gd name="connsiteY16" fmla="*/ 1498647 h 4494648"/>
+                <a:gd name="connsiteX17" fmla="*/ 657678 w 3560062"/>
+                <a:gd name="connsiteY17" fmla="*/ 2298747 h 4494648"/>
+                <a:gd name="connsiteX18" fmla="*/ 594178 w 3560062"/>
+                <a:gd name="connsiteY18" fmla="*/ 2832147 h 4494648"/>
+                <a:gd name="connsiteX19" fmla="*/ 327478 w 3560062"/>
+                <a:gd name="connsiteY19" fmla="*/ 2895647 h 4494648"/>
+                <a:gd name="connsiteX20" fmla="*/ 22678 w 3560062"/>
+                <a:gd name="connsiteY20" fmla="*/ 2794047 h 4494648"/>
+              </a:gdLst>
+              <a:ahLst/>
+              <a:cxnLst>
+                <a:cxn ang="0">
+                  <a:pos x="connsiteX0" y="connsiteY0"/>
+                </a:cxn>
+                <a:cxn ang="0">
+                  <a:pos x="connsiteX1" y="connsiteY1"/>
+                </a:cxn>
+                <a:cxn ang="0">
+                  <a:pos x="connsiteX2" y="connsiteY2"/>
+                </a:cxn>
+                <a:cxn ang="0">
+                  <a:pos x="connsiteX3" y="connsiteY3"/>
+                </a:cxn>
+                <a:cxn ang="0">
+                  <a:pos x="connsiteX4" y="connsiteY4"/>
+                </a:cxn>
+                <a:cxn ang="0">
+                  <a:pos x="connsiteX5" y="connsiteY5"/>
+                </a:cxn>
+                <a:cxn ang="0">
+                  <a:pos x="connsiteX6" y="connsiteY6"/>
+                </a:cxn>
+                <a:cxn ang="0">
+                  <a:pos x="connsiteX7" y="connsiteY7"/>
+                </a:cxn>
+                <a:cxn ang="0">
+                  <a:pos x="connsiteX8" y="connsiteY8"/>
+                </a:cxn>
+                <a:cxn ang="0">
+                  <a:pos x="connsiteX9" y="connsiteY9"/>
+                </a:cxn>
+                <a:cxn ang="0">
+                  <a:pos x="connsiteX10" y="connsiteY10"/>
+                </a:cxn>
+                <a:cxn ang="0">
+                  <a:pos x="connsiteX11" y="connsiteY11"/>
+                </a:cxn>
+                <a:cxn ang="0">
+                  <a:pos x="connsiteX12" y="connsiteY12"/>
+                </a:cxn>
+                <a:cxn ang="0">
+                  <a:pos x="connsiteX13" y="connsiteY13"/>
+                </a:cxn>
+                <a:cxn ang="0">
+                  <a:pos x="connsiteX14" y="connsiteY14"/>
+                </a:cxn>
+                <a:cxn ang="0">
+                  <a:pos x="connsiteX15" y="connsiteY15"/>
+                </a:cxn>
+                <a:cxn ang="0">
+                  <a:pos x="connsiteX16" y="connsiteY16"/>
+                </a:cxn>
+                <a:cxn ang="0">
+                  <a:pos x="connsiteX17" y="connsiteY17"/>
+                </a:cxn>
+                <a:cxn ang="0">
+                  <a:pos x="connsiteX18" y="connsiteY18"/>
+                </a:cxn>
+                <a:cxn ang="0">
+                  <a:pos x="connsiteX19" y="connsiteY19"/>
+                </a:cxn>
+                <a:cxn ang="0">
+                  <a:pos x="connsiteX20" y="connsiteY20"/>
+                </a:cxn>
+              </a:cxnLst>
+              <a:rect l="l" t="t" r="r" b="b"/>
+              <a:pathLst>
+                <a:path w="3560062" h="4494648">
+                  <a:moveTo>
+                    <a:pt x="22678" y="2794047"/>
+                  </a:moveTo>
+                  <a:cubicBezTo>
+                    <a:pt x="-19655" y="2887180"/>
+                    <a:pt x="-2722" y="3225847"/>
+                    <a:pt x="73478" y="3454447"/>
+                  </a:cubicBezTo>
+                  <a:cubicBezTo>
+                    <a:pt x="149678" y="3683047"/>
+                    <a:pt x="280911" y="4004780"/>
+                    <a:pt x="479878" y="4165647"/>
+                  </a:cubicBezTo>
+                  <a:cubicBezTo>
+                    <a:pt x="678845" y="4326514"/>
+                    <a:pt x="896861" y="4381547"/>
+                    <a:pt x="1267278" y="4419647"/>
+                  </a:cubicBezTo>
+                  <a:cubicBezTo>
+                    <a:pt x="1637695" y="4457747"/>
+                    <a:pt x="2321378" y="4580514"/>
+                    <a:pt x="2702378" y="4394247"/>
+                  </a:cubicBezTo>
+                  <a:cubicBezTo>
+                    <a:pt x="3083378" y="4207980"/>
+                    <a:pt x="3487661" y="3824864"/>
+                    <a:pt x="3553278" y="3302047"/>
+                  </a:cubicBezTo>
+                  <a:cubicBezTo>
+                    <a:pt x="3618895" y="2779230"/>
+                    <a:pt x="3189211" y="1574847"/>
+                    <a:pt x="3096078" y="1257347"/>
+                  </a:cubicBezTo>
+                  <a:cubicBezTo>
+                    <a:pt x="3002945" y="939847"/>
+                    <a:pt x="3060095" y="1331430"/>
+                    <a:pt x="2994478" y="1397047"/>
+                  </a:cubicBezTo>
+                  <a:cubicBezTo>
+                    <a:pt x="2928861" y="1462664"/>
+                    <a:pt x="2812445" y="1640464"/>
+                    <a:pt x="2702378" y="1651047"/>
+                  </a:cubicBezTo>
+                  <a:cubicBezTo>
+                    <a:pt x="2592311" y="1661630"/>
+                    <a:pt x="2422978" y="1648930"/>
+                    <a:pt x="2334078" y="1460547"/>
+                  </a:cubicBezTo>
+                  <a:cubicBezTo>
+                    <a:pt x="2245178" y="1272164"/>
+                    <a:pt x="2274811" y="764164"/>
+                    <a:pt x="2168978" y="520747"/>
+                  </a:cubicBezTo>
+                  <a:cubicBezTo>
+                    <a:pt x="2063145" y="277330"/>
+                    <a:pt x="1779511" y="-4186"/>
+                    <a:pt x="1699078" y="47"/>
+                  </a:cubicBezTo>
+                  <a:cubicBezTo>
+                    <a:pt x="1618645" y="4280"/>
+                    <a:pt x="1751995" y="332364"/>
+                    <a:pt x="1686378" y="546147"/>
+                  </a:cubicBezTo>
+                  <a:cubicBezTo>
+                    <a:pt x="1620761" y="759930"/>
+                    <a:pt x="1436611" y="1151514"/>
+                    <a:pt x="1305378" y="1282747"/>
+                  </a:cubicBezTo>
+                  <a:cubicBezTo>
+                    <a:pt x="1174145" y="1413980"/>
+                    <a:pt x="1013278" y="1382230"/>
+                    <a:pt x="898978" y="1333547"/>
+                  </a:cubicBezTo>
+                  <a:cubicBezTo>
+                    <a:pt x="784678" y="1284864"/>
+                    <a:pt x="693661" y="963130"/>
+                    <a:pt x="619578" y="990647"/>
+                  </a:cubicBezTo>
+                  <a:cubicBezTo>
+                    <a:pt x="545495" y="1018164"/>
+                    <a:pt x="448128" y="1280630"/>
+                    <a:pt x="454478" y="1498647"/>
+                  </a:cubicBezTo>
+                  <a:cubicBezTo>
+                    <a:pt x="460828" y="1716664"/>
+                    <a:pt x="634395" y="2076497"/>
+                    <a:pt x="657678" y="2298747"/>
+                  </a:cubicBezTo>
+                  <a:cubicBezTo>
+                    <a:pt x="680961" y="2520997"/>
+                    <a:pt x="649211" y="2732664"/>
+                    <a:pt x="594178" y="2832147"/>
+                  </a:cubicBezTo>
+                  <a:cubicBezTo>
+                    <a:pt x="539145" y="2931630"/>
+                    <a:pt x="422728" y="2899880"/>
+                    <a:pt x="327478" y="2895647"/>
+                  </a:cubicBezTo>
+                  <a:cubicBezTo>
+                    <a:pt x="232228" y="2891414"/>
+                    <a:pt x="65011" y="2700914"/>
+                    <a:pt x="22678" y="2794047"/>
+                  </a:cubicBezTo>
+                  <a:close/>
+                </a:path>
+              </a:pathLst>
+            </a:custGeom>
+            <a:solidFill>
+              <a:srgbClr val="FFC000"/>
+            </a:solidFill>
+            <a:ln>
+              <a:noFill/>
+            </a:ln>
+          </p:spPr>
+          <p:style>
+            <a:lnRef idx="2">
+              <a:schemeClr val="accent1">
+                <a:shade val="50000"/>
+              </a:schemeClr>
+            </a:lnRef>
+            <a:fillRef idx="1">
+              <a:schemeClr val="accent1"/>
+            </a:fillRef>
+            <a:effectRef idx="0">
+              <a:schemeClr val="accent1"/>
+            </a:effectRef>
+            <a:fontRef idx="minor">
+              <a:schemeClr val="lt1"/>
+            </a:fontRef>
+          </p:style>
+          <p:txBody>
+            <a:bodyPr rtlCol="0" anchor="ctr"/>
+            <a:lstStyle/>
+            <a:p>
+              <a:pPr algn="ctr"/>
+              <a:endParaRPr lang="pt-BR"/>
+            </a:p>
+          </p:txBody>
+        </p:sp>
+        <p:sp>
+          <p:nvSpPr>
+            <p:cNvPr id="12" name="Forma livre 11"/>
+            <p:cNvSpPr/>
+            <p:nvPr/>
+          </p:nvSpPr>
+          <p:spPr>
+            <a:xfrm>
+              <a:off x="4483711" y="3463957"/>
+              <a:ext cx="1141028" cy="573709"/>
+            </a:xfrm>
+            <a:custGeom>
+              <a:avLst/>
+              <a:gdLst>
+                <a:gd name="connsiteX0" fmla="*/ 22678 w 3560062"/>
+                <a:gd name="connsiteY0" fmla="*/ 2794047 h 4494648"/>
+                <a:gd name="connsiteX1" fmla="*/ 73478 w 3560062"/>
+                <a:gd name="connsiteY1" fmla="*/ 3454447 h 4494648"/>
+                <a:gd name="connsiteX2" fmla="*/ 479878 w 3560062"/>
+                <a:gd name="connsiteY2" fmla="*/ 4165647 h 4494648"/>
+                <a:gd name="connsiteX3" fmla="*/ 1267278 w 3560062"/>
+                <a:gd name="connsiteY3" fmla="*/ 4419647 h 4494648"/>
+                <a:gd name="connsiteX4" fmla="*/ 2702378 w 3560062"/>
+                <a:gd name="connsiteY4" fmla="*/ 4394247 h 4494648"/>
+                <a:gd name="connsiteX5" fmla="*/ 3553278 w 3560062"/>
+                <a:gd name="connsiteY5" fmla="*/ 3302047 h 4494648"/>
+                <a:gd name="connsiteX6" fmla="*/ 3096078 w 3560062"/>
+                <a:gd name="connsiteY6" fmla="*/ 1257347 h 4494648"/>
+                <a:gd name="connsiteX7" fmla="*/ 2994478 w 3560062"/>
+                <a:gd name="connsiteY7" fmla="*/ 1397047 h 4494648"/>
+                <a:gd name="connsiteX8" fmla="*/ 2702378 w 3560062"/>
+                <a:gd name="connsiteY8" fmla="*/ 1651047 h 4494648"/>
+                <a:gd name="connsiteX9" fmla="*/ 2334078 w 3560062"/>
+                <a:gd name="connsiteY9" fmla="*/ 1460547 h 4494648"/>
+                <a:gd name="connsiteX10" fmla="*/ 2168978 w 3560062"/>
+                <a:gd name="connsiteY10" fmla="*/ 520747 h 4494648"/>
+                <a:gd name="connsiteX11" fmla="*/ 1699078 w 3560062"/>
+                <a:gd name="connsiteY11" fmla="*/ 47 h 4494648"/>
+                <a:gd name="connsiteX12" fmla="*/ 1686378 w 3560062"/>
+                <a:gd name="connsiteY12" fmla="*/ 546147 h 4494648"/>
+                <a:gd name="connsiteX13" fmla="*/ 1305378 w 3560062"/>
+                <a:gd name="connsiteY13" fmla="*/ 1282747 h 4494648"/>
+                <a:gd name="connsiteX14" fmla="*/ 898978 w 3560062"/>
+                <a:gd name="connsiteY14" fmla="*/ 1333547 h 4494648"/>
+                <a:gd name="connsiteX15" fmla="*/ 619578 w 3560062"/>
+                <a:gd name="connsiteY15" fmla="*/ 990647 h 4494648"/>
+                <a:gd name="connsiteX16" fmla="*/ 454478 w 3560062"/>
+                <a:gd name="connsiteY16" fmla="*/ 1498647 h 4494648"/>
+                <a:gd name="connsiteX17" fmla="*/ 657678 w 3560062"/>
+                <a:gd name="connsiteY17" fmla="*/ 2298747 h 4494648"/>
+                <a:gd name="connsiteX18" fmla="*/ 594178 w 3560062"/>
+                <a:gd name="connsiteY18" fmla="*/ 2832147 h 4494648"/>
+                <a:gd name="connsiteX19" fmla="*/ 327478 w 3560062"/>
+                <a:gd name="connsiteY19" fmla="*/ 2895647 h 4494648"/>
+                <a:gd name="connsiteX20" fmla="*/ 22678 w 3560062"/>
+                <a:gd name="connsiteY20" fmla="*/ 2794047 h 4494648"/>
+              </a:gdLst>
+              <a:ahLst/>
+              <a:cxnLst>
+                <a:cxn ang="0">
+                  <a:pos x="connsiteX0" y="connsiteY0"/>
+                </a:cxn>
+                <a:cxn ang="0">
+                  <a:pos x="connsiteX1" y="connsiteY1"/>
+                </a:cxn>
+                <a:cxn ang="0">
+                  <a:pos x="connsiteX2" y="connsiteY2"/>
+                </a:cxn>
+                <a:cxn ang="0">
+                  <a:pos x="connsiteX3" y="connsiteY3"/>
+                </a:cxn>
+                <a:cxn ang="0">
+                  <a:pos x="connsiteX4" y="connsiteY4"/>
+                </a:cxn>
+                <a:cxn ang="0">
+                  <a:pos x="connsiteX5" y="connsiteY5"/>
+                </a:cxn>
+                <a:cxn ang="0">
+                  <a:pos x="connsiteX6" y="connsiteY6"/>
+                </a:cxn>
+                <a:cxn ang="0">
+                  <a:pos x="connsiteX7" y="connsiteY7"/>
+                </a:cxn>
+                <a:cxn ang="0">
+                  <a:pos x="connsiteX8" y="connsiteY8"/>
+                </a:cxn>
+                <a:cxn ang="0">
+                  <a:pos x="connsiteX9" y="connsiteY9"/>
+                </a:cxn>
+                <a:cxn ang="0">
+                  <a:pos x="connsiteX10" y="connsiteY10"/>
+                </a:cxn>
+                <a:cxn ang="0">
+                  <a:pos x="connsiteX11" y="connsiteY11"/>
+                </a:cxn>
+                <a:cxn ang="0">
+                  <a:pos x="connsiteX12" y="connsiteY12"/>
+                </a:cxn>
+                <a:cxn ang="0">
+                  <a:pos x="connsiteX13" y="connsiteY13"/>
+                </a:cxn>
+                <a:cxn ang="0">
+                  <a:pos x="connsiteX14" y="connsiteY14"/>
+                </a:cxn>
+                <a:cxn ang="0">
+                  <a:pos x="connsiteX15" y="connsiteY15"/>
+                </a:cxn>
+                <a:cxn ang="0">
+                  <a:pos x="connsiteX16" y="connsiteY16"/>
+                </a:cxn>
+                <a:cxn ang="0">
+                  <a:pos x="connsiteX17" y="connsiteY17"/>
+                </a:cxn>
+                <a:cxn ang="0">
+                  <a:pos x="connsiteX18" y="connsiteY18"/>
+                </a:cxn>
+                <a:cxn ang="0">
+                  <a:pos x="connsiteX19" y="connsiteY19"/>
+                </a:cxn>
+                <a:cxn ang="0">
+                  <a:pos x="connsiteX20" y="connsiteY20"/>
+                </a:cxn>
+              </a:cxnLst>
+              <a:rect l="l" t="t" r="r" b="b"/>
+              <a:pathLst>
+                <a:path w="3560062" h="4494648">
+                  <a:moveTo>
+                    <a:pt x="22678" y="2794047"/>
+                  </a:moveTo>
+                  <a:cubicBezTo>
+                    <a:pt x="-19655" y="2887180"/>
+                    <a:pt x="-2722" y="3225847"/>
+                    <a:pt x="73478" y="3454447"/>
+                  </a:cubicBezTo>
+                  <a:cubicBezTo>
+                    <a:pt x="149678" y="3683047"/>
+                    <a:pt x="280911" y="4004780"/>
+                    <a:pt x="479878" y="4165647"/>
+                  </a:cubicBezTo>
+                  <a:cubicBezTo>
+                    <a:pt x="678845" y="4326514"/>
+                    <a:pt x="896861" y="4381547"/>
+                    <a:pt x="1267278" y="4419647"/>
+                  </a:cubicBezTo>
+                  <a:cubicBezTo>
+                    <a:pt x="1637695" y="4457747"/>
+                    <a:pt x="2321378" y="4580514"/>
+                    <a:pt x="2702378" y="4394247"/>
+                  </a:cubicBezTo>
+                  <a:cubicBezTo>
+                    <a:pt x="3083378" y="4207980"/>
+                    <a:pt x="3487661" y="3824864"/>
+                    <a:pt x="3553278" y="3302047"/>
+                  </a:cubicBezTo>
+                  <a:cubicBezTo>
+                    <a:pt x="3618895" y="2779230"/>
+                    <a:pt x="3189211" y="1574847"/>
+                    <a:pt x="3096078" y="1257347"/>
+                  </a:cubicBezTo>
+                  <a:cubicBezTo>
+                    <a:pt x="3002945" y="939847"/>
+                    <a:pt x="3060095" y="1331430"/>
+                    <a:pt x="2994478" y="1397047"/>
+                  </a:cubicBezTo>
+                  <a:cubicBezTo>
+                    <a:pt x="2928861" y="1462664"/>
+                    <a:pt x="2812445" y="1640464"/>
+                    <a:pt x="2702378" y="1651047"/>
+                  </a:cubicBezTo>
+                  <a:cubicBezTo>
+                    <a:pt x="2592311" y="1661630"/>
+                    <a:pt x="2422978" y="1648930"/>
+                    <a:pt x="2334078" y="1460547"/>
+                  </a:cubicBezTo>
+                  <a:cubicBezTo>
+                    <a:pt x="2245178" y="1272164"/>
+                    <a:pt x="2274811" y="764164"/>
+                    <a:pt x="2168978" y="520747"/>
+                  </a:cubicBezTo>
+                  <a:cubicBezTo>
+                    <a:pt x="2063145" y="277330"/>
+                    <a:pt x="1779511" y="-4186"/>
+                    <a:pt x="1699078" y="47"/>
+                  </a:cubicBezTo>
+                  <a:cubicBezTo>
+                    <a:pt x="1618645" y="4280"/>
+                    <a:pt x="1751995" y="332364"/>
+                    <a:pt x="1686378" y="546147"/>
+                  </a:cubicBezTo>
+                  <a:cubicBezTo>
+                    <a:pt x="1620761" y="759930"/>
+                    <a:pt x="1436611" y="1151514"/>
+                    <a:pt x="1305378" y="1282747"/>
+                  </a:cubicBezTo>
+                  <a:cubicBezTo>
+                    <a:pt x="1174145" y="1413980"/>
+                    <a:pt x="1013278" y="1382230"/>
+                    <a:pt x="898978" y="1333547"/>
+                  </a:cubicBezTo>
+                  <a:cubicBezTo>
+                    <a:pt x="784678" y="1284864"/>
+                    <a:pt x="693661" y="963130"/>
+                    <a:pt x="619578" y="990647"/>
+                  </a:cubicBezTo>
+                  <a:cubicBezTo>
+                    <a:pt x="545495" y="1018164"/>
+                    <a:pt x="448128" y="1280630"/>
+                    <a:pt x="454478" y="1498647"/>
+                  </a:cubicBezTo>
+                  <a:cubicBezTo>
+                    <a:pt x="460828" y="1716664"/>
+                    <a:pt x="634395" y="2076497"/>
+                    <a:pt x="657678" y="2298747"/>
+                  </a:cubicBezTo>
+                  <a:cubicBezTo>
+                    <a:pt x="680961" y="2520997"/>
+                    <a:pt x="649211" y="2732664"/>
+                    <a:pt x="594178" y="2832147"/>
+                  </a:cubicBezTo>
+                  <a:cubicBezTo>
+                    <a:pt x="539145" y="2931630"/>
+                    <a:pt x="422728" y="2899880"/>
+                    <a:pt x="327478" y="2895647"/>
+                  </a:cubicBezTo>
+                  <a:cubicBezTo>
+                    <a:pt x="232228" y="2891414"/>
+                    <a:pt x="65011" y="2700914"/>
+                    <a:pt x="22678" y="2794047"/>
+                  </a:cubicBezTo>
+                  <a:close/>
+                </a:path>
+              </a:pathLst>
+            </a:custGeom>
+            <a:solidFill>
+              <a:srgbClr val="F44318"/>
+            </a:solidFill>
+            <a:ln>
+              <a:noFill/>
+            </a:ln>
+          </p:spPr>
+          <p:style>
+            <a:lnRef idx="2">
+              <a:schemeClr val="accent1">
+                <a:shade val="50000"/>
+              </a:schemeClr>
+            </a:lnRef>
+            <a:fillRef idx="1">
+              <a:schemeClr val="accent1"/>
+            </a:fillRef>
+            <a:effectRef idx="0">
+              <a:schemeClr val="accent1"/>
+            </a:effectRef>
+            <a:fontRef idx="minor">
+              <a:schemeClr val="lt1"/>
+            </a:fontRef>
+          </p:style>
+          <p:txBody>
+            <a:bodyPr rtlCol="0" anchor="ctr"/>
+            <a:lstStyle/>
+            <a:p>
+              <a:pPr algn="ctr"/>
+              <a:endParaRPr lang="pt-BR"/>
+            </a:p>
+          </p:txBody>
+        </p:sp>
+        <p:sp>
+          <p:nvSpPr>
+            <p:cNvPr id="16" name="Forma Livre: Forma 15">
+              <a:extLst>
+                <a:ext uri="{FF2B5EF4-FFF2-40B4-BE49-F238E27FC236}">
+                  <a16:creationId xmlns:a16="http://schemas.microsoft.com/office/drawing/2014/main" id="{64D97978-A6BA-409C-9964-A1DB020660F2}"/>
+                </a:ext>
+              </a:extLst>
+            </p:cNvPr>
+            <p:cNvSpPr/>
+            <p:nvPr/>
+          </p:nvSpPr>
+          <p:spPr>
+            <a:xfrm>
+              <a:off x="5505440" y="512910"/>
+              <a:ext cx="239344" cy="254330"/>
+            </a:xfrm>
+            <a:custGeom>
+              <a:avLst/>
+              <a:gdLst>
+                <a:gd name="connsiteX0" fmla="*/ 0 w 205740"/>
+                <a:gd name="connsiteY0" fmla="*/ 205740 h 205740"/>
+                <a:gd name="connsiteX1" fmla="*/ 33020 w 205740"/>
+                <a:gd name="connsiteY1" fmla="*/ 91440 h 205740"/>
+                <a:gd name="connsiteX2" fmla="*/ 33020 w 205740"/>
+                <a:gd name="connsiteY2" fmla="*/ 91440 h 205740"/>
+                <a:gd name="connsiteX3" fmla="*/ 93980 w 205740"/>
+                <a:gd name="connsiteY3" fmla="*/ 15240 h 205740"/>
+                <a:gd name="connsiteX4" fmla="*/ 205740 w 205740"/>
+                <a:gd name="connsiteY4" fmla="*/ 0 h 205740"/>
+                <a:gd name="connsiteX5" fmla="*/ 205740 w 205740"/>
+                <a:gd name="connsiteY5" fmla="*/ 0 h 205740"/>
+                <a:gd name="connsiteX6" fmla="*/ 175260 w 205740"/>
+                <a:gd name="connsiteY6" fmla="*/ 91440 h 205740"/>
+                <a:gd name="connsiteX7" fmla="*/ 91440 w 205740"/>
+                <a:gd name="connsiteY7" fmla="*/ 149860 h 205740"/>
+                <a:gd name="connsiteX8" fmla="*/ 0 w 205740"/>
+                <a:gd name="connsiteY8" fmla="*/ 205740 h 205740"/>
+                <a:gd name="connsiteX0" fmla="*/ 0 w 205740"/>
+                <a:gd name="connsiteY0" fmla="*/ 226961 h 226961"/>
+                <a:gd name="connsiteX1" fmla="*/ 33020 w 205740"/>
+                <a:gd name="connsiteY1" fmla="*/ 112661 h 226961"/>
+                <a:gd name="connsiteX2" fmla="*/ 33020 w 205740"/>
+                <a:gd name="connsiteY2" fmla="*/ 112661 h 226961"/>
+                <a:gd name="connsiteX3" fmla="*/ 93980 w 205740"/>
+                <a:gd name="connsiteY3" fmla="*/ 36461 h 226961"/>
+                <a:gd name="connsiteX4" fmla="*/ 152216 w 205740"/>
+                <a:gd name="connsiteY4" fmla="*/ 221 h 226961"/>
+                <a:gd name="connsiteX5" fmla="*/ 205740 w 205740"/>
+                <a:gd name="connsiteY5" fmla="*/ 21221 h 226961"/>
+                <a:gd name="connsiteX6" fmla="*/ 205740 w 205740"/>
+                <a:gd name="connsiteY6" fmla="*/ 21221 h 226961"/>
+                <a:gd name="connsiteX7" fmla="*/ 175260 w 205740"/>
+                <a:gd name="connsiteY7" fmla="*/ 112661 h 226961"/>
+                <a:gd name="connsiteX8" fmla="*/ 91440 w 205740"/>
+                <a:gd name="connsiteY8" fmla="*/ 171081 h 226961"/>
+                <a:gd name="connsiteX9" fmla="*/ 0 w 205740"/>
+                <a:gd name="connsiteY9" fmla="*/ 226961 h 226961"/>
+                <a:gd name="connsiteX0" fmla="*/ 0 w 239113"/>
+                <a:gd name="connsiteY0" fmla="*/ 226961 h 226961"/>
+                <a:gd name="connsiteX1" fmla="*/ 33020 w 239113"/>
+                <a:gd name="connsiteY1" fmla="*/ 112661 h 226961"/>
+                <a:gd name="connsiteX2" fmla="*/ 33020 w 239113"/>
+                <a:gd name="connsiteY2" fmla="*/ 112661 h 226961"/>
+                <a:gd name="connsiteX3" fmla="*/ 93980 w 239113"/>
+                <a:gd name="connsiteY3" fmla="*/ 36461 h 226961"/>
+                <a:gd name="connsiteX4" fmla="*/ 152216 w 239113"/>
+                <a:gd name="connsiteY4" fmla="*/ 221 h 226961"/>
+                <a:gd name="connsiteX5" fmla="*/ 205740 w 239113"/>
+                <a:gd name="connsiteY5" fmla="*/ 21221 h 226961"/>
+                <a:gd name="connsiteX6" fmla="*/ 205740 w 239113"/>
+                <a:gd name="connsiteY6" fmla="*/ 21221 h 226961"/>
+                <a:gd name="connsiteX7" fmla="*/ 238576 w 239113"/>
+                <a:gd name="connsiteY7" fmla="*/ 38197 h 226961"/>
+                <a:gd name="connsiteX8" fmla="*/ 175260 w 239113"/>
+                <a:gd name="connsiteY8" fmla="*/ 112661 h 226961"/>
+                <a:gd name="connsiteX9" fmla="*/ 91440 w 239113"/>
+                <a:gd name="connsiteY9" fmla="*/ 171081 h 226961"/>
+                <a:gd name="connsiteX10" fmla="*/ 0 w 239113"/>
+                <a:gd name="connsiteY10" fmla="*/ 226961 h 226961"/>
+                <a:gd name="connsiteX0" fmla="*/ 0 w 239257"/>
+                <a:gd name="connsiteY0" fmla="*/ 241300 h 241300"/>
+                <a:gd name="connsiteX1" fmla="*/ 33020 w 239257"/>
+                <a:gd name="connsiteY1" fmla="*/ 127000 h 241300"/>
+                <a:gd name="connsiteX2" fmla="*/ 33020 w 239257"/>
+                <a:gd name="connsiteY2" fmla="*/ 127000 h 241300"/>
+                <a:gd name="connsiteX3" fmla="*/ 93980 w 239257"/>
+                <a:gd name="connsiteY3" fmla="*/ 50800 h 241300"/>
+                <a:gd name="connsiteX4" fmla="*/ 152216 w 239257"/>
+                <a:gd name="connsiteY4" fmla="*/ 14560 h 241300"/>
+                <a:gd name="connsiteX5" fmla="*/ 205740 w 239257"/>
+                <a:gd name="connsiteY5" fmla="*/ 35560 h 241300"/>
+                <a:gd name="connsiteX6" fmla="*/ 213360 w 239257"/>
+                <a:gd name="connsiteY6" fmla="*/ 0 h 241300"/>
+                <a:gd name="connsiteX7" fmla="*/ 238576 w 239257"/>
+                <a:gd name="connsiteY7" fmla="*/ 52536 h 241300"/>
+                <a:gd name="connsiteX8" fmla="*/ 175260 w 239257"/>
+                <a:gd name="connsiteY8" fmla="*/ 127000 h 241300"/>
+                <a:gd name="connsiteX9" fmla="*/ 91440 w 239257"/>
+                <a:gd name="connsiteY9" fmla="*/ 185420 h 241300"/>
+                <a:gd name="connsiteX10" fmla="*/ 0 w 239257"/>
+                <a:gd name="connsiteY10" fmla="*/ 241300 h 241300"/>
+                <a:gd name="connsiteX0" fmla="*/ 0 w 239257"/>
+                <a:gd name="connsiteY0" fmla="*/ 249703 h 249703"/>
+                <a:gd name="connsiteX1" fmla="*/ 33020 w 239257"/>
+                <a:gd name="connsiteY1" fmla="*/ 135403 h 249703"/>
+                <a:gd name="connsiteX2" fmla="*/ 33020 w 239257"/>
+                <a:gd name="connsiteY2" fmla="*/ 135403 h 249703"/>
+                <a:gd name="connsiteX3" fmla="*/ 93980 w 239257"/>
+                <a:gd name="connsiteY3" fmla="*/ 59203 h 249703"/>
+                <a:gd name="connsiteX4" fmla="*/ 144596 w 239257"/>
+                <a:gd name="connsiteY4" fmla="*/ 103 h 249703"/>
+                <a:gd name="connsiteX5" fmla="*/ 205740 w 239257"/>
+                <a:gd name="connsiteY5" fmla="*/ 43963 h 249703"/>
+                <a:gd name="connsiteX6" fmla="*/ 213360 w 239257"/>
+                <a:gd name="connsiteY6" fmla="*/ 8403 h 249703"/>
+                <a:gd name="connsiteX7" fmla="*/ 238576 w 239257"/>
+                <a:gd name="connsiteY7" fmla="*/ 60939 h 249703"/>
+                <a:gd name="connsiteX8" fmla="*/ 175260 w 239257"/>
+                <a:gd name="connsiteY8" fmla="*/ 135403 h 249703"/>
+                <a:gd name="connsiteX9" fmla="*/ 91440 w 239257"/>
+                <a:gd name="connsiteY9" fmla="*/ 193823 h 249703"/>
+                <a:gd name="connsiteX10" fmla="*/ 0 w 239257"/>
+                <a:gd name="connsiteY10" fmla="*/ 249703 h 249703"/>
+                <a:gd name="connsiteX0" fmla="*/ 0 w 239344"/>
+                <a:gd name="connsiteY0" fmla="*/ 254330 h 254330"/>
+                <a:gd name="connsiteX1" fmla="*/ 33020 w 239344"/>
+                <a:gd name="connsiteY1" fmla="*/ 140030 h 254330"/>
+                <a:gd name="connsiteX2" fmla="*/ 33020 w 239344"/>
+                <a:gd name="connsiteY2" fmla="*/ 140030 h 254330"/>
+                <a:gd name="connsiteX3" fmla="*/ 93980 w 239344"/>
+                <a:gd name="connsiteY3" fmla="*/ 63830 h 254330"/>
+                <a:gd name="connsiteX4" fmla="*/ 144596 w 239344"/>
+                <a:gd name="connsiteY4" fmla="*/ 4730 h 254330"/>
+                <a:gd name="connsiteX5" fmla="*/ 185420 w 239344"/>
+                <a:gd name="connsiteY5" fmla="*/ 330 h 254330"/>
+                <a:gd name="connsiteX6" fmla="*/ 213360 w 239344"/>
+                <a:gd name="connsiteY6" fmla="*/ 13030 h 254330"/>
+                <a:gd name="connsiteX7" fmla="*/ 238576 w 239344"/>
+                <a:gd name="connsiteY7" fmla="*/ 65566 h 254330"/>
+                <a:gd name="connsiteX8" fmla="*/ 175260 w 239344"/>
+                <a:gd name="connsiteY8" fmla="*/ 140030 h 254330"/>
+                <a:gd name="connsiteX9" fmla="*/ 91440 w 239344"/>
+                <a:gd name="connsiteY9" fmla="*/ 198450 h 254330"/>
+                <a:gd name="connsiteX10" fmla="*/ 0 w 239344"/>
+                <a:gd name="connsiteY10" fmla="*/ 254330 h 254330"/>
+              </a:gdLst>
+              <a:ahLst/>
+              <a:cxnLst>
+                <a:cxn ang="0">
+                  <a:pos x="connsiteX0" y="connsiteY0"/>
+                </a:cxn>
+                <a:cxn ang="0">
+                  <a:pos x="connsiteX1" y="connsiteY1"/>
+                </a:cxn>
+                <a:cxn ang="0">
+                  <a:pos x="connsiteX2" y="connsiteY2"/>
+                </a:cxn>
+                <a:cxn ang="0">
+                  <a:pos x="connsiteX3" y="connsiteY3"/>
+                </a:cxn>
+                <a:cxn ang="0">
+                  <a:pos x="connsiteX4" y="connsiteY4"/>
+                </a:cxn>
+                <a:cxn ang="0">
+                  <a:pos x="connsiteX5" y="connsiteY5"/>
+                </a:cxn>
+                <a:cxn ang="0">
+                  <a:pos x="connsiteX6" y="connsiteY6"/>
+                </a:cxn>
+                <a:cxn ang="0">
+                  <a:pos x="connsiteX7" y="connsiteY7"/>
+                </a:cxn>
+                <a:cxn ang="0">
+                  <a:pos x="connsiteX8" y="connsiteY8"/>
+                </a:cxn>
+                <a:cxn ang="0">
+                  <a:pos x="connsiteX9" y="connsiteY9"/>
+                </a:cxn>
+                <a:cxn ang="0">
+                  <a:pos x="connsiteX10" y="connsiteY10"/>
+                </a:cxn>
+              </a:cxnLst>
+              <a:rect l="l" t="t" r="r" b="b"/>
+              <a:pathLst>
+                <a:path w="239344" h="254330">
+                  <a:moveTo>
+                    <a:pt x="0" y="254330"/>
+                  </a:moveTo>
+                  <a:lnTo>
+                    <a:pt x="33020" y="140030"/>
+                  </a:lnTo>
+                  <a:lnTo>
+                    <a:pt x="33020" y="140030"/>
+                  </a:lnTo>
+                  <a:cubicBezTo>
+                    <a:pt x="43180" y="127330"/>
+                    <a:pt x="75384" y="86380"/>
+                    <a:pt x="93980" y="63830"/>
+                  </a:cubicBezTo>
+                  <a:cubicBezTo>
+                    <a:pt x="112576" y="41280"/>
+                    <a:pt x="125969" y="7270"/>
+                    <a:pt x="144596" y="4730"/>
+                  </a:cubicBezTo>
+                  <a:cubicBezTo>
+                    <a:pt x="163223" y="2190"/>
+                    <a:pt x="173959" y="-1053"/>
+                    <a:pt x="185420" y="330"/>
+                  </a:cubicBezTo>
+                  <a:cubicBezTo>
+                    <a:pt x="196881" y="1713"/>
+                    <a:pt x="204501" y="2157"/>
+                    <a:pt x="213360" y="13030"/>
+                  </a:cubicBezTo>
+                  <a:cubicBezTo>
+                    <a:pt x="222219" y="23903"/>
+                    <a:pt x="243656" y="50326"/>
+                    <a:pt x="238576" y="65566"/>
+                  </a:cubicBezTo>
+                  <a:cubicBezTo>
+                    <a:pt x="233496" y="80806"/>
+                    <a:pt x="193433" y="119999"/>
+                    <a:pt x="175260" y="140030"/>
+                  </a:cubicBezTo>
+                  <a:cubicBezTo>
+                    <a:pt x="157087" y="160061"/>
+                    <a:pt x="119803" y="178977"/>
+                    <a:pt x="91440" y="198450"/>
+                  </a:cubicBezTo>
+                  <a:cubicBezTo>
+                    <a:pt x="63077" y="217923"/>
+                    <a:pt x="34078" y="237396"/>
+                    <a:pt x="0" y="254330"/>
+                  </a:cubicBezTo>
+                  <a:close/>
+                </a:path>
+              </a:pathLst>
+            </a:custGeom>
+            <a:solidFill>
+              <a:srgbClr val="00B0F0"/>
+            </a:solidFill>
+            <a:ln w="9525">
+              <a:solidFill>
+                <a:srgbClr val="0070C0"/>
+              </a:solidFill>
+            </a:ln>
+          </p:spPr>
+          <p:style>
+            <a:lnRef idx="2">
+              <a:schemeClr val="accent1">
+                <a:shade val="50000"/>
+              </a:schemeClr>
+            </a:lnRef>
+            <a:fillRef idx="1">
+              <a:schemeClr val="accent1"/>
+            </a:fillRef>
+            <a:effectRef idx="0">
+              <a:schemeClr val="accent1"/>
+            </a:effectRef>
+            <a:fontRef idx="minor">
+              <a:schemeClr val="lt1"/>
+            </a:fontRef>
+          </p:style>
+          <p:txBody>
+            <a:bodyPr rtlCol="0" anchor="ctr"/>
+            <a:lstStyle/>
+            <a:p>
+              <a:pPr algn="ctr"/>
+              <a:endParaRPr lang="pt-BR"/>
+            </a:p>
+          </p:txBody>
+        </p:sp>
+        <p:sp>
+          <p:nvSpPr>
+            <p:cNvPr id="18" name="Forma Livre: Forma 17">
+              <a:extLst>
+                <a:ext uri="{FF2B5EF4-FFF2-40B4-BE49-F238E27FC236}">
+                  <a16:creationId xmlns:a16="http://schemas.microsoft.com/office/drawing/2014/main" id="{FBB5AD77-D626-4CED-9DE1-265C57E997D5}"/>
+                </a:ext>
+              </a:extLst>
+            </p:cNvPr>
+            <p:cNvSpPr/>
+            <p:nvPr/>
+          </p:nvSpPr>
+          <p:spPr>
+            <a:xfrm flipH="1">
+              <a:off x="4694598" y="652522"/>
+              <a:ext cx="140014" cy="186001"/>
+            </a:xfrm>
+            <a:custGeom>
+              <a:avLst/>
+              <a:gdLst>
+                <a:gd name="connsiteX0" fmla="*/ 0 w 205740"/>
+                <a:gd name="connsiteY0" fmla="*/ 205740 h 205740"/>
+                <a:gd name="connsiteX1" fmla="*/ 33020 w 205740"/>
+                <a:gd name="connsiteY1" fmla="*/ 91440 h 205740"/>
+                <a:gd name="connsiteX2" fmla="*/ 33020 w 205740"/>
+                <a:gd name="connsiteY2" fmla="*/ 91440 h 205740"/>
+                <a:gd name="connsiteX3" fmla="*/ 93980 w 205740"/>
+                <a:gd name="connsiteY3" fmla="*/ 15240 h 205740"/>
+                <a:gd name="connsiteX4" fmla="*/ 205740 w 205740"/>
+                <a:gd name="connsiteY4" fmla="*/ 0 h 205740"/>
+                <a:gd name="connsiteX5" fmla="*/ 205740 w 205740"/>
+                <a:gd name="connsiteY5" fmla="*/ 0 h 205740"/>
+                <a:gd name="connsiteX6" fmla="*/ 175260 w 205740"/>
+                <a:gd name="connsiteY6" fmla="*/ 91440 h 205740"/>
+                <a:gd name="connsiteX7" fmla="*/ 91440 w 205740"/>
+                <a:gd name="connsiteY7" fmla="*/ 149860 h 205740"/>
+                <a:gd name="connsiteX8" fmla="*/ 0 w 205740"/>
+                <a:gd name="connsiteY8" fmla="*/ 205740 h 205740"/>
+                <a:gd name="connsiteX0" fmla="*/ 0 w 205740"/>
+                <a:gd name="connsiteY0" fmla="*/ 226961 h 226961"/>
+                <a:gd name="connsiteX1" fmla="*/ 33020 w 205740"/>
+                <a:gd name="connsiteY1" fmla="*/ 112661 h 226961"/>
+                <a:gd name="connsiteX2" fmla="*/ 33020 w 205740"/>
+                <a:gd name="connsiteY2" fmla="*/ 112661 h 226961"/>
+                <a:gd name="connsiteX3" fmla="*/ 93980 w 205740"/>
+                <a:gd name="connsiteY3" fmla="*/ 36461 h 226961"/>
+                <a:gd name="connsiteX4" fmla="*/ 152216 w 205740"/>
+                <a:gd name="connsiteY4" fmla="*/ 221 h 226961"/>
+                <a:gd name="connsiteX5" fmla="*/ 205740 w 205740"/>
+                <a:gd name="connsiteY5" fmla="*/ 21221 h 226961"/>
+                <a:gd name="connsiteX6" fmla="*/ 205740 w 205740"/>
+                <a:gd name="connsiteY6" fmla="*/ 21221 h 226961"/>
+                <a:gd name="connsiteX7" fmla="*/ 175260 w 205740"/>
+                <a:gd name="connsiteY7" fmla="*/ 112661 h 226961"/>
+                <a:gd name="connsiteX8" fmla="*/ 91440 w 205740"/>
+                <a:gd name="connsiteY8" fmla="*/ 171081 h 226961"/>
+                <a:gd name="connsiteX9" fmla="*/ 0 w 205740"/>
+                <a:gd name="connsiteY9" fmla="*/ 226961 h 226961"/>
+                <a:gd name="connsiteX0" fmla="*/ 0 w 239113"/>
+                <a:gd name="connsiteY0" fmla="*/ 226961 h 226961"/>
+                <a:gd name="connsiteX1" fmla="*/ 33020 w 239113"/>
+                <a:gd name="connsiteY1" fmla="*/ 112661 h 226961"/>
+                <a:gd name="connsiteX2" fmla="*/ 33020 w 239113"/>
+                <a:gd name="connsiteY2" fmla="*/ 112661 h 226961"/>
+                <a:gd name="connsiteX3" fmla="*/ 93980 w 239113"/>
+                <a:gd name="connsiteY3" fmla="*/ 36461 h 226961"/>
+                <a:gd name="connsiteX4" fmla="*/ 152216 w 239113"/>
+                <a:gd name="connsiteY4" fmla="*/ 221 h 226961"/>
+                <a:gd name="connsiteX5" fmla="*/ 205740 w 239113"/>
+                <a:gd name="connsiteY5" fmla="*/ 21221 h 226961"/>
+                <a:gd name="connsiteX6" fmla="*/ 205740 w 239113"/>
+                <a:gd name="connsiteY6" fmla="*/ 21221 h 226961"/>
+                <a:gd name="connsiteX7" fmla="*/ 238576 w 239113"/>
+                <a:gd name="connsiteY7" fmla="*/ 38197 h 226961"/>
+                <a:gd name="connsiteX8" fmla="*/ 175260 w 239113"/>
+                <a:gd name="connsiteY8" fmla="*/ 112661 h 226961"/>
+                <a:gd name="connsiteX9" fmla="*/ 91440 w 239113"/>
+                <a:gd name="connsiteY9" fmla="*/ 171081 h 226961"/>
+                <a:gd name="connsiteX10" fmla="*/ 0 w 239113"/>
+                <a:gd name="connsiteY10" fmla="*/ 226961 h 226961"/>
+                <a:gd name="connsiteX0" fmla="*/ 0 w 239257"/>
+                <a:gd name="connsiteY0" fmla="*/ 241300 h 241300"/>
+                <a:gd name="connsiteX1" fmla="*/ 33020 w 239257"/>
+                <a:gd name="connsiteY1" fmla="*/ 127000 h 241300"/>
+                <a:gd name="connsiteX2" fmla="*/ 33020 w 239257"/>
+                <a:gd name="connsiteY2" fmla="*/ 127000 h 241300"/>
+                <a:gd name="connsiteX3" fmla="*/ 93980 w 239257"/>
+                <a:gd name="connsiteY3" fmla="*/ 50800 h 241300"/>
+                <a:gd name="connsiteX4" fmla="*/ 152216 w 239257"/>
+                <a:gd name="connsiteY4" fmla="*/ 14560 h 241300"/>
+                <a:gd name="connsiteX5" fmla="*/ 205740 w 239257"/>
+                <a:gd name="connsiteY5" fmla="*/ 35560 h 241300"/>
+                <a:gd name="connsiteX6" fmla="*/ 213360 w 239257"/>
+                <a:gd name="connsiteY6" fmla="*/ 0 h 241300"/>
+                <a:gd name="connsiteX7" fmla="*/ 238576 w 239257"/>
+                <a:gd name="connsiteY7" fmla="*/ 52536 h 241300"/>
+                <a:gd name="connsiteX8" fmla="*/ 175260 w 239257"/>
+                <a:gd name="connsiteY8" fmla="*/ 127000 h 241300"/>
+                <a:gd name="connsiteX9" fmla="*/ 91440 w 239257"/>
+                <a:gd name="connsiteY9" fmla="*/ 185420 h 241300"/>
+                <a:gd name="connsiteX10" fmla="*/ 0 w 239257"/>
+                <a:gd name="connsiteY10" fmla="*/ 241300 h 241300"/>
+                <a:gd name="connsiteX0" fmla="*/ 0 w 239257"/>
+                <a:gd name="connsiteY0" fmla="*/ 249703 h 249703"/>
+                <a:gd name="connsiteX1" fmla="*/ 33020 w 239257"/>
+                <a:gd name="connsiteY1" fmla="*/ 135403 h 249703"/>
+                <a:gd name="connsiteX2" fmla="*/ 33020 w 239257"/>
+                <a:gd name="connsiteY2" fmla="*/ 135403 h 249703"/>
+                <a:gd name="connsiteX3" fmla="*/ 93980 w 239257"/>
+                <a:gd name="connsiteY3" fmla="*/ 59203 h 249703"/>
+                <a:gd name="connsiteX4" fmla="*/ 144596 w 239257"/>
+                <a:gd name="connsiteY4" fmla="*/ 103 h 249703"/>
+                <a:gd name="connsiteX5" fmla="*/ 205740 w 239257"/>
+                <a:gd name="connsiteY5" fmla="*/ 43963 h 249703"/>
+                <a:gd name="connsiteX6" fmla="*/ 213360 w 239257"/>
+                <a:gd name="connsiteY6" fmla="*/ 8403 h 249703"/>
+                <a:gd name="connsiteX7" fmla="*/ 238576 w 239257"/>
+                <a:gd name="connsiteY7" fmla="*/ 60939 h 249703"/>
+                <a:gd name="connsiteX8" fmla="*/ 175260 w 239257"/>
+                <a:gd name="connsiteY8" fmla="*/ 135403 h 249703"/>
+                <a:gd name="connsiteX9" fmla="*/ 91440 w 239257"/>
+                <a:gd name="connsiteY9" fmla="*/ 193823 h 249703"/>
+                <a:gd name="connsiteX10" fmla="*/ 0 w 239257"/>
+                <a:gd name="connsiteY10" fmla="*/ 249703 h 249703"/>
+                <a:gd name="connsiteX0" fmla="*/ 0 w 239344"/>
+                <a:gd name="connsiteY0" fmla="*/ 254330 h 254330"/>
+                <a:gd name="connsiteX1" fmla="*/ 33020 w 239344"/>
+                <a:gd name="connsiteY1" fmla="*/ 140030 h 254330"/>
+                <a:gd name="connsiteX2" fmla="*/ 33020 w 239344"/>
+                <a:gd name="connsiteY2" fmla="*/ 140030 h 254330"/>
+                <a:gd name="connsiteX3" fmla="*/ 93980 w 239344"/>
+                <a:gd name="connsiteY3" fmla="*/ 63830 h 254330"/>
+                <a:gd name="connsiteX4" fmla="*/ 144596 w 239344"/>
+                <a:gd name="connsiteY4" fmla="*/ 4730 h 254330"/>
+                <a:gd name="connsiteX5" fmla="*/ 185420 w 239344"/>
+                <a:gd name="connsiteY5" fmla="*/ 330 h 254330"/>
+                <a:gd name="connsiteX6" fmla="*/ 213360 w 239344"/>
+                <a:gd name="connsiteY6" fmla="*/ 13030 h 254330"/>
+                <a:gd name="connsiteX7" fmla="*/ 238576 w 239344"/>
+                <a:gd name="connsiteY7" fmla="*/ 65566 h 254330"/>
+                <a:gd name="connsiteX8" fmla="*/ 175260 w 239344"/>
+                <a:gd name="connsiteY8" fmla="*/ 140030 h 254330"/>
+                <a:gd name="connsiteX9" fmla="*/ 91440 w 239344"/>
+                <a:gd name="connsiteY9" fmla="*/ 198450 h 254330"/>
+                <a:gd name="connsiteX10" fmla="*/ 0 w 239344"/>
+                <a:gd name="connsiteY10" fmla="*/ 254330 h 254330"/>
+              </a:gdLst>
+              <a:ahLst/>
+              <a:cxnLst>
+                <a:cxn ang="0">
+                  <a:pos x="connsiteX0" y="connsiteY0"/>
+                </a:cxn>
+                <a:cxn ang="0">
+                  <a:pos x="connsiteX1" y="connsiteY1"/>
+                </a:cxn>
+                <a:cxn ang="0">
+                  <a:pos x="connsiteX2" y="connsiteY2"/>
+                </a:cxn>
+                <a:cxn ang="0">
+                  <a:pos x="connsiteX3" y="connsiteY3"/>
+                </a:cxn>
+                <a:cxn ang="0">
+                  <a:pos x="connsiteX4" y="connsiteY4"/>
+                </a:cxn>
+                <a:cxn ang="0">
+                  <a:pos x="connsiteX5" y="connsiteY5"/>
+                </a:cxn>
+                <a:cxn ang="0">
+                  <a:pos x="connsiteX6" y="connsiteY6"/>
+                </a:cxn>
+                <a:cxn ang="0">
+                  <a:pos x="connsiteX7" y="connsiteY7"/>
+                </a:cxn>
+                <a:cxn ang="0">
+                  <a:pos x="connsiteX8" y="connsiteY8"/>
+                </a:cxn>
+                <a:cxn ang="0">
+                  <a:pos x="connsiteX9" y="connsiteY9"/>
+                </a:cxn>
+                <a:cxn ang="0">
+                  <a:pos x="connsiteX10" y="connsiteY10"/>
+                </a:cxn>
+              </a:cxnLst>
+              <a:rect l="l" t="t" r="r" b="b"/>
+              <a:pathLst>
+                <a:path w="239344" h="254330">
+                  <a:moveTo>
+                    <a:pt x="0" y="254330"/>
+                  </a:moveTo>
+                  <a:lnTo>
+                    <a:pt x="33020" y="140030"/>
+                  </a:lnTo>
+                  <a:lnTo>
+                    <a:pt x="33020" y="140030"/>
+                  </a:lnTo>
+                  <a:cubicBezTo>
+                    <a:pt x="43180" y="127330"/>
+                    <a:pt x="75384" y="86380"/>
+                    <a:pt x="93980" y="63830"/>
+                  </a:cubicBezTo>
+                  <a:cubicBezTo>
+                    <a:pt x="112576" y="41280"/>
+                    <a:pt x="125969" y="7270"/>
+                    <a:pt x="144596" y="4730"/>
+                  </a:cubicBezTo>
+                  <a:cubicBezTo>
+                    <a:pt x="163223" y="2190"/>
+                    <a:pt x="173959" y="-1053"/>
+                    <a:pt x="185420" y="330"/>
+                  </a:cubicBezTo>
+                  <a:cubicBezTo>
+                    <a:pt x="196881" y="1713"/>
+                    <a:pt x="204501" y="2157"/>
+                    <a:pt x="213360" y="13030"/>
+                  </a:cubicBezTo>
+                  <a:cubicBezTo>
+                    <a:pt x="222219" y="23903"/>
+                    <a:pt x="243656" y="50326"/>
+                    <a:pt x="238576" y="65566"/>
+                  </a:cubicBezTo>
+                  <a:cubicBezTo>
+                    <a:pt x="233496" y="80806"/>
+                    <a:pt x="193433" y="119999"/>
+                    <a:pt x="175260" y="140030"/>
+                  </a:cubicBezTo>
+                  <a:cubicBezTo>
+                    <a:pt x="157087" y="160061"/>
+                    <a:pt x="119803" y="178977"/>
+                    <a:pt x="91440" y="198450"/>
+                  </a:cubicBezTo>
+                  <a:cubicBezTo>
+                    <a:pt x="63077" y="217923"/>
+                    <a:pt x="34078" y="237396"/>
+                    <a:pt x="0" y="254330"/>
+                  </a:cubicBezTo>
+                  <a:close/>
+                </a:path>
+              </a:pathLst>
+            </a:custGeom>
+            <a:solidFill>
+              <a:srgbClr val="00B0F0"/>
+            </a:solidFill>
+            <a:ln w="9525">
+              <a:solidFill>
+                <a:srgbClr val="0070C0"/>
+              </a:solidFill>
+            </a:ln>
+          </p:spPr>
+          <p:style>
+            <a:lnRef idx="2">
+              <a:schemeClr val="accent1">
+                <a:shade val="50000"/>
+              </a:schemeClr>
+            </a:lnRef>
+            <a:fillRef idx="1">
+              <a:schemeClr val="accent1"/>
+            </a:fillRef>
+            <a:effectRef idx="0">
+              <a:schemeClr val="accent1"/>
+            </a:effectRef>
+            <a:fontRef idx="minor">
+              <a:schemeClr val="lt1"/>
+            </a:fontRef>
+          </p:style>
+          <p:txBody>
+            <a:bodyPr rtlCol="0" anchor="ctr"/>
+            <a:lstStyle/>
+            <a:p>
+              <a:pPr algn="ctr"/>
+              <a:endParaRPr lang="pt-BR"/>
+            </a:p>
+          </p:txBody>
+        </p:sp>
+        <p:sp>
+          <p:nvSpPr>
+            <p:cNvPr id="17" name="Retângulo: Cantos Arredondados 16">
+              <a:extLst>
+                <a:ext uri="{FF2B5EF4-FFF2-40B4-BE49-F238E27FC236}">
+                  <a16:creationId xmlns:a16="http://schemas.microsoft.com/office/drawing/2014/main" id="{736543E3-14B7-4D33-80FF-2A6FAF00876B}"/>
+                </a:ext>
+              </a:extLst>
+            </p:cNvPr>
+            <p:cNvSpPr/>
+            <p:nvPr/>
+          </p:nvSpPr>
+          <p:spPr>
+            <a:xfrm>
+              <a:off x="3784385" y="2060848"/>
+              <a:ext cx="2587815" cy="254330"/>
+            </a:xfrm>
+            <a:prstGeom prst="roundRect">
+              <a:avLst/>
+            </a:prstGeom>
+            <a:solidFill>
+              <a:srgbClr val="404040"/>
+            </a:solidFill>
+            <a:ln>
+              <a:solidFill>
+                <a:schemeClr val="tx1">
+                  <a:lumMod val="95000"/>
+                  <a:lumOff val="5000"/>
+                </a:schemeClr>
+              </a:solidFill>
+            </a:ln>
+          </p:spPr>
+          <p:style>
+            <a:lnRef idx="2">
+              <a:schemeClr val="accent1">
+                <a:shade val="50000"/>
+              </a:schemeClr>
+            </a:lnRef>
+            <a:fillRef idx="1">
+              <a:schemeClr val="accent1"/>
+            </a:fillRef>
+            <a:effectRef idx="0">
+              <a:schemeClr val="accent1"/>
+            </a:effectRef>
+            <a:fontRef idx="minor">
+              <a:schemeClr val="lt1"/>
+            </a:fontRef>
+          </p:style>
+          <p:txBody>
+            <a:bodyPr rtlCol="0" anchor="ctr"/>
+            <a:lstStyle/>
+            <a:p>
+              <a:pPr algn="ctr"/>
+              <a:endParaRPr lang="pt-BR"/>
+            </a:p>
+          </p:txBody>
+        </p:sp>
+        <p:sp>
+          <p:nvSpPr>
+            <p:cNvPr id="20" name="Forma Livre: Forma 19">
+              <a:extLst>
+                <a:ext uri="{FF2B5EF4-FFF2-40B4-BE49-F238E27FC236}">
+                  <a16:creationId xmlns:a16="http://schemas.microsoft.com/office/drawing/2014/main" id="{E5C766E5-01D7-4808-93EB-C32F4C835F71}"/>
+                </a:ext>
+              </a:extLst>
+            </p:cNvPr>
+            <p:cNvSpPr/>
+            <p:nvPr/>
+          </p:nvSpPr>
+          <p:spPr>
+            <a:xfrm>
+              <a:off x="5178346" y="2622151"/>
+              <a:ext cx="1806410" cy="430520"/>
+            </a:xfrm>
+            <a:custGeom>
+              <a:avLst/>
+              <a:gdLst>
+                <a:gd name="connsiteX0" fmla="*/ 0 w 1033780"/>
+                <a:gd name="connsiteY0" fmla="*/ 0 h 246380"/>
+                <a:gd name="connsiteX1" fmla="*/ 35560 w 1033780"/>
+                <a:gd name="connsiteY1" fmla="*/ 17780 h 246380"/>
+                <a:gd name="connsiteX2" fmla="*/ 43180 w 1033780"/>
+                <a:gd name="connsiteY2" fmla="*/ 20320 h 246380"/>
+                <a:gd name="connsiteX3" fmla="*/ 50800 w 1033780"/>
+                <a:gd name="connsiteY3" fmla="*/ 22860 h 246380"/>
+                <a:gd name="connsiteX4" fmla="*/ 76200 w 1033780"/>
+                <a:gd name="connsiteY4" fmla="*/ 33020 h 246380"/>
+                <a:gd name="connsiteX5" fmla="*/ 83820 w 1033780"/>
+                <a:gd name="connsiteY5" fmla="*/ 38100 h 246380"/>
+                <a:gd name="connsiteX6" fmla="*/ 111760 w 1033780"/>
+                <a:gd name="connsiteY6" fmla="*/ 40640 h 246380"/>
+                <a:gd name="connsiteX7" fmla="*/ 157480 w 1033780"/>
+                <a:gd name="connsiteY7" fmla="*/ 45720 h 246380"/>
+                <a:gd name="connsiteX8" fmla="*/ 190500 w 1033780"/>
+                <a:gd name="connsiteY8" fmla="*/ 48260 h 246380"/>
+                <a:gd name="connsiteX9" fmla="*/ 208280 w 1033780"/>
+                <a:gd name="connsiteY9" fmla="*/ 53340 h 246380"/>
+                <a:gd name="connsiteX10" fmla="*/ 215900 w 1033780"/>
+                <a:gd name="connsiteY10" fmla="*/ 55880 h 246380"/>
+                <a:gd name="connsiteX11" fmla="*/ 241300 w 1033780"/>
+                <a:gd name="connsiteY11" fmla="*/ 60960 h 246380"/>
+                <a:gd name="connsiteX12" fmla="*/ 248920 w 1033780"/>
+                <a:gd name="connsiteY12" fmla="*/ 63500 h 246380"/>
+                <a:gd name="connsiteX13" fmla="*/ 256540 w 1033780"/>
+                <a:gd name="connsiteY13" fmla="*/ 68580 h 246380"/>
+                <a:gd name="connsiteX14" fmla="*/ 264160 w 1033780"/>
+                <a:gd name="connsiteY14" fmla="*/ 71120 h 246380"/>
+                <a:gd name="connsiteX15" fmla="*/ 279400 w 1033780"/>
+                <a:gd name="connsiteY15" fmla="*/ 81280 h 246380"/>
+                <a:gd name="connsiteX16" fmla="*/ 287020 w 1033780"/>
+                <a:gd name="connsiteY16" fmla="*/ 83820 h 246380"/>
+                <a:gd name="connsiteX17" fmla="*/ 294640 w 1033780"/>
+                <a:gd name="connsiteY17" fmla="*/ 88900 h 246380"/>
+                <a:gd name="connsiteX18" fmla="*/ 309880 w 1033780"/>
+                <a:gd name="connsiteY18" fmla="*/ 93980 h 246380"/>
+                <a:gd name="connsiteX19" fmla="*/ 317500 w 1033780"/>
+                <a:gd name="connsiteY19" fmla="*/ 96520 h 246380"/>
+                <a:gd name="connsiteX20" fmla="*/ 325120 w 1033780"/>
+                <a:gd name="connsiteY20" fmla="*/ 101600 h 246380"/>
+                <a:gd name="connsiteX21" fmla="*/ 340360 w 1033780"/>
+                <a:gd name="connsiteY21" fmla="*/ 106680 h 246380"/>
+                <a:gd name="connsiteX22" fmla="*/ 347980 w 1033780"/>
+                <a:gd name="connsiteY22" fmla="*/ 111760 h 246380"/>
+                <a:gd name="connsiteX23" fmla="*/ 363220 w 1033780"/>
+                <a:gd name="connsiteY23" fmla="*/ 116840 h 246380"/>
+                <a:gd name="connsiteX24" fmla="*/ 370840 w 1033780"/>
+                <a:gd name="connsiteY24" fmla="*/ 119380 h 246380"/>
+                <a:gd name="connsiteX25" fmla="*/ 386080 w 1033780"/>
+                <a:gd name="connsiteY25" fmla="*/ 127000 h 246380"/>
+                <a:gd name="connsiteX26" fmla="*/ 396240 w 1033780"/>
+                <a:gd name="connsiteY26" fmla="*/ 129540 h 246380"/>
+                <a:gd name="connsiteX27" fmla="*/ 528320 w 1033780"/>
+                <a:gd name="connsiteY27" fmla="*/ 132080 h 246380"/>
+                <a:gd name="connsiteX28" fmla="*/ 551180 w 1033780"/>
+                <a:gd name="connsiteY28" fmla="*/ 144780 h 246380"/>
+                <a:gd name="connsiteX29" fmla="*/ 558800 w 1033780"/>
+                <a:gd name="connsiteY29" fmla="*/ 149860 h 246380"/>
+                <a:gd name="connsiteX30" fmla="*/ 566420 w 1033780"/>
+                <a:gd name="connsiteY30" fmla="*/ 152400 h 246380"/>
+                <a:gd name="connsiteX31" fmla="*/ 581660 w 1033780"/>
+                <a:gd name="connsiteY31" fmla="*/ 162560 h 246380"/>
+                <a:gd name="connsiteX32" fmla="*/ 622300 w 1033780"/>
+                <a:gd name="connsiteY32" fmla="*/ 170180 h 246380"/>
+                <a:gd name="connsiteX33" fmla="*/ 637540 w 1033780"/>
+                <a:gd name="connsiteY33" fmla="*/ 175260 h 246380"/>
+                <a:gd name="connsiteX34" fmla="*/ 652780 w 1033780"/>
+                <a:gd name="connsiteY34" fmla="*/ 177800 h 246380"/>
+                <a:gd name="connsiteX35" fmla="*/ 668020 w 1033780"/>
+                <a:gd name="connsiteY35" fmla="*/ 182880 h 246380"/>
+                <a:gd name="connsiteX36" fmla="*/ 685800 w 1033780"/>
+                <a:gd name="connsiteY36" fmla="*/ 187960 h 246380"/>
+                <a:gd name="connsiteX37" fmla="*/ 703580 w 1033780"/>
+                <a:gd name="connsiteY37" fmla="*/ 190500 h 246380"/>
+                <a:gd name="connsiteX38" fmla="*/ 716280 w 1033780"/>
+                <a:gd name="connsiteY38" fmla="*/ 193040 h 246380"/>
+                <a:gd name="connsiteX39" fmla="*/ 741680 w 1033780"/>
+                <a:gd name="connsiteY39" fmla="*/ 195580 h 246380"/>
+                <a:gd name="connsiteX40" fmla="*/ 762000 w 1033780"/>
+                <a:gd name="connsiteY40" fmla="*/ 200660 h 246380"/>
+                <a:gd name="connsiteX41" fmla="*/ 777240 w 1033780"/>
+                <a:gd name="connsiteY41" fmla="*/ 203200 h 246380"/>
+                <a:gd name="connsiteX42" fmla="*/ 792480 w 1033780"/>
+                <a:gd name="connsiteY42" fmla="*/ 208280 h 246380"/>
+                <a:gd name="connsiteX43" fmla="*/ 807720 w 1033780"/>
+                <a:gd name="connsiteY43" fmla="*/ 213360 h 246380"/>
+                <a:gd name="connsiteX44" fmla="*/ 822960 w 1033780"/>
+                <a:gd name="connsiteY44" fmla="*/ 220980 h 246380"/>
+                <a:gd name="connsiteX45" fmla="*/ 838200 w 1033780"/>
+                <a:gd name="connsiteY45" fmla="*/ 226060 h 246380"/>
+                <a:gd name="connsiteX46" fmla="*/ 850900 w 1033780"/>
+                <a:gd name="connsiteY46" fmla="*/ 228600 h 246380"/>
+                <a:gd name="connsiteX47" fmla="*/ 868680 w 1033780"/>
+                <a:gd name="connsiteY47" fmla="*/ 233680 h 246380"/>
+                <a:gd name="connsiteX48" fmla="*/ 896620 w 1033780"/>
+                <a:gd name="connsiteY48" fmla="*/ 236220 h 246380"/>
+                <a:gd name="connsiteX49" fmla="*/ 934720 w 1033780"/>
+                <a:gd name="connsiteY49" fmla="*/ 241300 h 246380"/>
+                <a:gd name="connsiteX50" fmla="*/ 949960 w 1033780"/>
+                <a:gd name="connsiteY50" fmla="*/ 246380 h 246380"/>
+                <a:gd name="connsiteX51" fmla="*/ 1018540 w 1033780"/>
+                <a:gd name="connsiteY51" fmla="*/ 243840 h 246380"/>
+                <a:gd name="connsiteX52" fmla="*/ 1026160 w 1033780"/>
+                <a:gd name="connsiteY52" fmla="*/ 241300 h 246380"/>
+                <a:gd name="connsiteX53" fmla="*/ 1033780 w 1033780"/>
+                <a:gd name="connsiteY53" fmla="*/ 236220 h 246380"/>
+                <a:gd name="connsiteX54" fmla="*/ 1021080 w 1033780"/>
+                <a:gd name="connsiteY54" fmla="*/ 200660 h 246380"/>
+                <a:gd name="connsiteX55" fmla="*/ 1016000 w 1033780"/>
+                <a:gd name="connsiteY55" fmla="*/ 193040 h 246380"/>
+                <a:gd name="connsiteX56" fmla="*/ 1000760 w 1033780"/>
+                <a:gd name="connsiteY56" fmla="*/ 187960 h 246380"/>
+                <a:gd name="connsiteX57" fmla="*/ 995680 w 1033780"/>
+                <a:gd name="connsiteY57" fmla="*/ 180340 h 246380"/>
+                <a:gd name="connsiteX58" fmla="*/ 980440 w 1033780"/>
+                <a:gd name="connsiteY58" fmla="*/ 175260 h 246380"/>
+                <a:gd name="connsiteX59" fmla="*/ 972820 w 1033780"/>
+                <a:gd name="connsiteY59" fmla="*/ 172720 h 246380"/>
+                <a:gd name="connsiteX60" fmla="*/ 965200 w 1033780"/>
+                <a:gd name="connsiteY60" fmla="*/ 167640 h 246380"/>
+                <a:gd name="connsiteX61" fmla="*/ 957580 w 1033780"/>
+                <a:gd name="connsiteY61" fmla="*/ 165100 h 246380"/>
+                <a:gd name="connsiteX62" fmla="*/ 942340 w 1033780"/>
+                <a:gd name="connsiteY62" fmla="*/ 154940 h 246380"/>
+                <a:gd name="connsiteX63" fmla="*/ 934720 w 1033780"/>
+                <a:gd name="connsiteY63" fmla="*/ 152400 h 246380"/>
+                <a:gd name="connsiteX64" fmla="*/ 927100 w 1033780"/>
+                <a:gd name="connsiteY64" fmla="*/ 147320 h 246380"/>
+                <a:gd name="connsiteX65" fmla="*/ 916940 w 1033780"/>
+                <a:gd name="connsiteY65" fmla="*/ 144780 h 246380"/>
+                <a:gd name="connsiteX66" fmla="*/ 909320 w 1033780"/>
+                <a:gd name="connsiteY66" fmla="*/ 139700 h 246380"/>
+                <a:gd name="connsiteX67" fmla="*/ 899160 w 1033780"/>
+                <a:gd name="connsiteY67" fmla="*/ 137160 h 246380"/>
+                <a:gd name="connsiteX68" fmla="*/ 876300 w 1033780"/>
+                <a:gd name="connsiteY68" fmla="*/ 132080 h 246380"/>
+                <a:gd name="connsiteX69" fmla="*/ 868680 w 1033780"/>
+                <a:gd name="connsiteY69" fmla="*/ 127000 h 246380"/>
+                <a:gd name="connsiteX70" fmla="*/ 861060 w 1033780"/>
+                <a:gd name="connsiteY70" fmla="*/ 124460 h 246380"/>
+                <a:gd name="connsiteX71" fmla="*/ 838200 w 1033780"/>
+                <a:gd name="connsiteY71" fmla="*/ 119380 h 246380"/>
+                <a:gd name="connsiteX72" fmla="*/ 828040 w 1033780"/>
+                <a:gd name="connsiteY72" fmla="*/ 114300 h 246380"/>
+                <a:gd name="connsiteX73" fmla="*/ 812800 w 1033780"/>
+                <a:gd name="connsiteY73" fmla="*/ 109220 h 246380"/>
+                <a:gd name="connsiteX74" fmla="*/ 797560 w 1033780"/>
+                <a:gd name="connsiteY74" fmla="*/ 104140 h 246380"/>
+                <a:gd name="connsiteX75" fmla="*/ 782320 w 1033780"/>
+                <a:gd name="connsiteY75" fmla="*/ 99060 h 246380"/>
+                <a:gd name="connsiteX76" fmla="*/ 774700 w 1033780"/>
+                <a:gd name="connsiteY76" fmla="*/ 96520 h 246380"/>
+                <a:gd name="connsiteX77" fmla="*/ 759460 w 1033780"/>
+                <a:gd name="connsiteY77" fmla="*/ 88900 h 246380"/>
+                <a:gd name="connsiteX78" fmla="*/ 751840 w 1033780"/>
+                <a:gd name="connsiteY78" fmla="*/ 83820 h 246380"/>
+                <a:gd name="connsiteX79" fmla="*/ 739140 w 1033780"/>
+                <a:gd name="connsiteY79" fmla="*/ 81280 h 246380"/>
+                <a:gd name="connsiteX80" fmla="*/ 723900 w 1033780"/>
+                <a:gd name="connsiteY80" fmla="*/ 76200 h 246380"/>
+                <a:gd name="connsiteX81" fmla="*/ 716280 w 1033780"/>
+                <a:gd name="connsiteY81" fmla="*/ 73660 h 246380"/>
+                <a:gd name="connsiteX82" fmla="*/ 706120 w 1033780"/>
+                <a:gd name="connsiteY82" fmla="*/ 68580 h 246380"/>
+                <a:gd name="connsiteX83" fmla="*/ 685800 w 1033780"/>
+                <a:gd name="connsiteY83" fmla="*/ 66040 h 246380"/>
+                <a:gd name="connsiteX84" fmla="*/ 665480 w 1033780"/>
+                <a:gd name="connsiteY84" fmla="*/ 60960 h 246380"/>
+              </a:gdLst>
+              <a:ahLst/>
+              <a:cxnLst>
+                <a:cxn ang="0">
+                  <a:pos x="connsiteX0" y="connsiteY0"/>
+                </a:cxn>
+                <a:cxn ang="0">
+                  <a:pos x="connsiteX1" y="connsiteY1"/>
+                </a:cxn>
+                <a:cxn ang="0">
+                  <a:pos x="connsiteX2" y="connsiteY2"/>
+                </a:cxn>
+                <a:cxn ang="0">
+                  <a:pos x="connsiteX3" y="connsiteY3"/>
+                </a:cxn>
+                <a:cxn ang="0">
+                  <a:pos x="connsiteX4" y="connsiteY4"/>
+                </a:cxn>
+                <a:cxn ang="0">
+                  <a:pos x="connsiteX5" y="connsiteY5"/>
+                </a:cxn>
+                <a:cxn ang="0">
+                  <a:pos x="connsiteX6" y="connsiteY6"/>
+                </a:cxn>
+                <a:cxn ang="0">
+                  <a:pos x="connsiteX7" y="connsiteY7"/>
+                </a:cxn>
+                <a:cxn ang="0">
+                  <a:pos x="connsiteX8" y="connsiteY8"/>
+                </a:cxn>
+                <a:cxn ang="0">
+                  <a:pos x="connsiteX9" y="connsiteY9"/>
+                </a:cxn>
+                <a:cxn ang="0">
+                  <a:pos x="connsiteX10" y="connsiteY10"/>
+                </a:cxn>
+                <a:cxn ang="0">
+                  <a:pos x="connsiteX11" y="connsiteY11"/>
+                </a:cxn>
+                <a:cxn ang="0">
+                  <a:pos x="connsiteX12" y="connsiteY12"/>
+                </a:cxn>
+                <a:cxn ang="0">
+                  <a:pos x="connsiteX13" y="connsiteY13"/>
+                </a:cxn>
+                <a:cxn ang="0">
+                  <a:pos x="connsiteX14" y="connsiteY14"/>
+                </a:cxn>
+                <a:cxn ang="0">
+                  <a:pos x="connsiteX15" y="connsiteY15"/>
+                </a:cxn>
+                <a:cxn ang="0">
+                  <a:pos x="connsiteX16" y="connsiteY16"/>
+                </a:cxn>
+                <a:cxn ang="0">
+                  <a:pos x="connsiteX17" y="connsiteY17"/>
+                </a:cxn>
+                <a:cxn ang="0">
+                  <a:pos x="connsiteX18" y="connsiteY18"/>
+                </a:cxn>
+                <a:cxn ang="0">
+                  <a:pos x="connsiteX19" y="connsiteY19"/>
+                </a:cxn>
+                <a:cxn ang="0">
+                  <a:pos x="connsiteX20" y="connsiteY20"/>
+                </a:cxn>
+                <a:cxn ang="0">
+                  <a:pos x="connsiteX21" y="connsiteY21"/>
+                </a:cxn>
+                <a:cxn ang="0">
+                  <a:pos x="connsiteX22" y="connsiteY22"/>
+                </a:cxn>
+                <a:cxn ang="0">
+                  <a:pos x="connsiteX23" y="connsiteY23"/>
+                </a:cxn>
+                <a:cxn ang="0">
+                  <a:pos x="connsiteX24" y="connsiteY24"/>
+                </a:cxn>
+                <a:cxn ang="0">
+                  <a:pos x="connsiteX25" y="connsiteY25"/>
+                </a:cxn>
+                <a:cxn ang="0">
+                  <a:pos x="connsiteX26" y="connsiteY26"/>
+                </a:cxn>
+                <a:cxn ang="0">
+                  <a:pos x="connsiteX27" y="connsiteY27"/>
+                </a:cxn>
+                <a:cxn ang="0">
+                  <a:pos x="connsiteX28" y="connsiteY28"/>
+                </a:cxn>
+                <a:cxn ang="0">
+                  <a:pos x="connsiteX29" y="connsiteY29"/>
+                </a:cxn>
+                <a:cxn ang="0">
+                  <a:pos x="connsiteX30" y="connsiteY30"/>
+                </a:cxn>
+                <a:cxn ang="0">
+                  <a:pos x="connsiteX31" y="connsiteY31"/>
+                </a:cxn>
+                <a:cxn ang="0">
+                  <a:pos x="connsiteX32" y="connsiteY32"/>
+                </a:cxn>
+                <a:cxn ang="0">
+                  <a:pos x="connsiteX33" y="connsiteY33"/>
+                </a:cxn>
+                <a:cxn ang="0">
+                  <a:pos x="connsiteX34" y="connsiteY34"/>
+                </a:cxn>
+                <a:cxn ang="0">
+                  <a:pos x="connsiteX35" y="connsiteY35"/>
+                </a:cxn>
+                <a:cxn ang="0">
+                  <a:pos x="connsiteX36" y="connsiteY36"/>
+                </a:cxn>
+                <a:cxn ang="0">
+                  <a:pos x="connsiteX37" y="connsiteY37"/>
+                </a:cxn>
+                <a:cxn ang="0">
+                  <a:pos x="connsiteX38" y="connsiteY38"/>
+                </a:cxn>
+                <a:cxn ang="0">
+                  <a:pos x="connsiteX39" y="connsiteY39"/>
+                </a:cxn>
+                <a:cxn ang="0">
+                  <a:pos x="connsiteX40" y="connsiteY40"/>
+                </a:cxn>
+                <a:cxn ang="0">
+                  <a:pos x="connsiteX41" y="connsiteY41"/>
+                </a:cxn>
+                <a:cxn ang="0">
+                  <a:pos x="connsiteX42" y="connsiteY42"/>
+                </a:cxn>
+                <a:cxn ang="0">
+                  <a:pos x="connsiteX43" y="connsiteY43"/>
+                </a:cxn>
+                <a:cxn ang="0">
+                  <a:pos x="connsiteX44" y="connsiteY44"/>
+                </a:cxn>
+                <a:cxn ang="0">
+                  <a:pos x="connsiteX45" y="connsiteY45"/>
+                </a:cxn>
+                <a:cxn ang="0">
+                  <a:pos x="connsiteX46" y="connsiteY46"/>
+                </a:cxn>
+                <a:cxn ang="0">
+                  <a:pos x="connsiteX47" y="connsiteY47"/>
+                </a:cxn>
+                <a:cxn ang="0">
+                  <a:pos x="connsiteX48" y="connsiteY48"/>
+                </a:cxn>
+                <a:cxn ang="0">
+                  <a:pos x="connsiteX49" y="connsiteY49"/>
+                </a:cxn>
+                <a:cxn ang="0">
+                  <a:pos x="connsiteX50" y="connsiteY50"/>
+                </a:cxn>
+                <a:cxn ang="0">
+                  <a:pos x="connsiteX51" y="connsiteY51"/>
+                </a:cxn>
+                <a:cxn ang="0">
+                  <a:pos x="connsiteX52" y="connsiteY52"/>
+                </a:cxn>
+                <a:cxn ang="0">
+                  <a:pos x="connsiteX53" y="connsiteY53"/>
+                </a:cxn>
+                <a:cxn ang="0">
+                  <a:pos x="connsiteX54" y="connsiteY54"/>
+                </a:cxn>
+                <a:cxn ang="0">
+                  <a:pos x="connsiteX55" y="connsiteY55"/>
+                </a:cxn>
+                <a:cxn ang="0">
+                  <a:pos x="connsiteX56" y="connsiteY56"/>
+                </a:cxn>
+                <a:cxn ang="0">
+                  <a:pos x="connsiteX57" y="connsiteY57"/>
+                </a:cxn>
+                <a:cxn ang="0">
+                  <a:pos x="connsiteX58" y="connsiteY58"/>
+                </a:cxn>
+                <a:cxn ang="0">
+                  <a:pos x="connsiteX59" y="connsiteY59"/>
+                </a:cxn>
+                <a:cxn ang="0">
+                  <a:pos x="connsiteX60" y="connsiteY60"/>
+                </a:cxn>
+                <a:cxn ang="0">
+                  <a:pos x="connsiteX61" y="connsiteY61"/>
+                </a:cxn>
+                <a:cxn ang="0">
+                  <a:pos x="connsiteX62" y="connsiteY62"/>
+                </a:cxn>
+                <a:cxn ang="0">
+                  <a:pos x="connsiteX63" y="connsiteY63"/>
+                </a:cxn>
+                <a:cxn ang="0">
+                  <a:pos x="connsiteX64" y="connsiteY64"/>
+                </a:cxn>
+                <a:cxn ang="0">
+                  <a:pos x="connsiteX65" y="connsiteY65"/>
+                </a:cxn>
+                <a:cxn ang="0">
+                  <a:pos x="connsiteX66" y="connsiteY66"/>
+                </a:cxn>
+                <a:cxn ang="0">
+                  <a:pos x="connsiteX67" y="connsiteY67"/>
+                </a:cxn>
+                <a:cxn ang="0">
+                  <a:pos x="connsiteX68" y="connsiteY68"/>
+                </a:cxn>
+                <a:cxn ang="0">
+                  <a:pos x="connsiteX69" y="connsiteY69"/>
+                </a:cxn>
+                <a:cxn ang="0">
+                  <a:pos x="connsiteX70" y="connsiteY70"/>
+                </a:cxn>
+                <a:cxn ang="0">
+                  <a:pos x="connsiteX71" y="connsiteY71"/>
+                </a:cxn>
+                <a:cxn ang="0">
+                  <a:pos x="connsiteX72" y="connsiteY72"/>
+                </a:cxn>
+                <a:cxn ang="0">
+                  <a:pos x="connsiteX73" y="connsiteY73"/>
+                </a:cxn>
+                <a:cxn ang="0">
+                  <a:pos x="connsiteX74" y="connsiteY74"/>
+                </a:cxn>
+                <a:cxn ang="0">
+                  <a:pos x="connsiteX75" y="connsiteY75"/>
+                </a:cxn>
+                <a:cxn ang="0">
+                  <a:pos x="connsiteX76" y="connsiteY76"/>
+                </a:cxn>
+                <a:cxn ang="0">
+                  <a:pos x="connsiteX77" y="connsiteY77"/>
+                </a:cxn>
+                <a:cxn ang="0">
+                  <a:pos x="connsiteX78" y="connsiteY78"/>
+                </a:cxn>
+                <a:cxn ang="0">
+                  <a:pos x="connsiteX79" y="connsiteY79"/>
+                </a:cxn>
+                <a:cxn ang="0">
+                  <a:pos x="connsiteX80" y="connsiteY80"/>
+                </a:cxn>
+                <a:cxn ang="0">
+                  <a:pos x="connsiteX81" y="connsiteY81"/>
+                </a:cxn>
+                <a:cxn ang="0">
+                  <a:pos x="connsiteX82" y="connsiteY82"/>
+                </a:cxn>
+                <a:cxn ang="0">
+                  <a:pos x="connsiteX83" y="connsiteY83"/>
+                </a:cxn>
+                <a:cxn ang="0">
+                  <a:pos x="connsiteX84" y="connsiteY84"/>
+                </a:cxn>
+              </a:cxnLst>
+              <a:rect l="l" t="t" r="r" b="b"/>
+              <a:pathLst>
+                <a:path w="1033780" h="246380">
+                  <a:moveTo>
+                    <a:pt x="0" y="0"/>
+                  </a:moveTo>
+                  <a:cubicBezTo>
+                    <a:pt x="24861" y="15538"/>
+                    <a:pt x="12742" y="10174"/>
+                    <a:pt x="35560" y="17780"/>
+                  </a:cubicBezTo>
+                  <a:lnTo>
+                    <a:pt x="43180" y="20320"/>
+                  </a:lnTo>
+                  <a:lnTo>
+                    <a:pt x="50800" y="22860"/>
+                  </a:lnTo>
+                  <a:cubicBezTo>
+                    <a:pt x="71464" y="38358"/>
+                    <a:pt x="49018" y="23959"/>
+                    <a:pt x="76200" y="33020"/>
+                  </a:cubicBezTo>
+                  <a:cubicBezTo>
+                    <a:pt x="79096" y="33985"/>
+                    <a:pt x="80835" y="37460"/>
+                    <a:pt x="83820" y="38100"/>
+                  </a:cubicBezTo>
+                  <a:cubicBezTo>
+                    <a:pt x="92964" y="40059"/>
+                    <a:pt x="102447" y="39793"/>
+                    <a:pt x="111760" y="40640"/>
+                  </a:cubicBezTo>
+                  <a:cubicBezTo>
+                    <a:pt x="131611" y="47257"/>
+                    <a:pt x="115967" y="42755"/>
+                    <a:pt x="157480" y="45720"/>
+                  </a:cubicBezTo>
+                  <a:lnTo>
+                    <a:pt x="190500" y="48260"/>
+                  </a:lnTo>
+                  <a:cubicBezTo>
+                    <a:pt x="208770" y="54350"/>
+                    <a:pt x="185954" y="46961"/>
+                    <a:pt x="208280" y="53340"/>
+                  </a:cubicBezTo>
+                  <a:cubicBezTo>
+                    <a:pt x="210854" y="54076"/>
+                    <a:pt x="213286" y="55299"/>
+                    <a:pt x="215900" y="55880"/>
+                  </a:cubicBezTo>
+                  <a:cubicBezTo>
+                    <a:pt x="238354" y="60870"/>
+                    <a:pt x="223588" y="55899"/>
+                    <a:pt x="241300" y="60960"/>
+                  </a:cubicBezTo>
+                  <a:cubicBezTo>
+                    <a:pt x="243874" y="61696"/>
+                    <a:pt x="246525" y="62303"/>
+                    <a:pt x="248920" y="63500"/>
+                  </a:cubicBezTo>
+                  <a:cubicBezTo>
+                    <a:pt x="251650" y="64865"/>
+                    <a:pt x="253810" y="67215"/>
+                    <a:pt x="256540" y="68580"/>
+                  </a:cubicBezTo>
+                  <a:cubicBezTo>
+                    <a:pt x="258935" y="69777"/>
+                    <a:pt x="261820" y="69820"/>
+                    <a:pt x="264160" y="71120"/>
+                  </a:cubicBezTo>
+                  <a:cubicBezTo>
+                    <a:pt x="269497" y="74085"/>
+                    <a:pt x="273608" y="79349"/>
+                    <a:pt x="279400" y="81280"/>
+                  </a:cubicBezTo>
+                  <a:cubicBezTo>
+                    <a:pt x="281940" y="82127"/>
+                    <a:pt x="284625" y="82623"/>
+                    <a:pt x="287020" y="83820"/>
+                  </a:cubicBezTo>
+                  <a:cubicBezTo>
+                    <a:pt x="289750" y="85185"/>
+                    <a:pt x="291850" y="87660"/>
+                    <a:pt x="294640" y="88900"/>
+                  </a:cubicBezTo>
+                  <a:cubicBezTo>
+                    <a:pt x="299533" y="91075"/>
+                    <a:pt x="304800" y="92287"/>
+                    <a:pt x="309880" y="93980"/>
+                  </a:cubicBezTo>
+                  <a:cubicBezTo>
+                    <a:pt x="312420" y="94827"/>
+                    <a:pt x="315272" y="95035"/>
+                    <a:pt x="317500" y="96520"/>
+                  </a:cubicBezTo>
+                  <a:cubicBezTo>
+                    <a:pt x="320040" y="98213"/>
+                    <a:pt x="322330" y="100360"/>
+                    <a:pt x="325120" y="101600"/>
+                  </a:cubicBezTo>
+                  <a:cubicBezTo>
+                    <a:pt x="330013" y="103775"/>
+                    <a:pt x="335905" y="103710"/>
+                    <a:pt x="340360" y="106680"/>
+                  </a:cubicBezTo>
+                  <a:cubicBezTo>
+                    <a:pt x="342900" y="108373"/>
+                    <a:pt x="345190" y="110520"/>
+                    <a:pt x="347980" y="111760"/>
+                  </a:cubicBezTo>
+                  <a:cubicBezTo>
+                    <a:pt x="352873" y="113935"/>
+                    <a:pt x="358140" y="115147"/>
+                    <a:pt x="363220" y="116840"/>
+                  </a:cubicBezTo>
+                  <a:cubicBezTo>
+                    <a:pt x="365760" y="117687"/>
+                    <a:pt x="368612" y="117895"/>
+                    <a:pt x="370840" y="119380"/>
+                  </a:cubicBezTo>
+                  <a:cubicBezTo>
+                    <a:pt x="379189" y="124946"/>
+                    <a:pt x="376878" y="124371"/>
+                    <a:pt x="386080" y="127000"/>
+                  </a:cubicBezTo>
+                  <a:cubicBezTo>
+                    <a:pt x="389437" y="127959"/>
+                    <a:pt x="392751" y="129415"/>
+                    <a:pt x="396240" y="129540"/>
+                  </a:cubicBezTo>
+                  <a:cubicBezTo>
+                    <a:pt x="440247" y="131112"/>
+                    <a:pt x="484293" y="131233"/>
+                    <a:pt x="528320" y="132080"/>
+                  </a:cubicBezTo>
+                  <a:cubicBezTo>
+                    <a:pt x="541732" y="136551"/>
+                    <a:pt x="533712" y="133135"/>
+                    <a:pt x="551180" y="144780"/>
+                  </a:cubicBezTo>
+                  <a:cubicBezTo>
+                    <a:pt x="553720" y="146473"/>
+                    <a:pt x="555904" y="148895"/>
+                    <a:pt x="558800" y="149860"/>
+                  </a:cubicBezTo>
+                  <a:cubicBezTo>
+                    <a:pt x="561340" y="150707"/>
+                    <a:pt x="564080" y="151100"/>
+                    <a:pt x="566420" y="152400"/>
+                  </a:cubicBezTo>
+                  <a:cubicBezTo>
+                    <a:pt x="571757" y="155365"/>
+                    <a:pt x="575638" y="161556"/>
+                    <a:pt x="581660" y="162560"/>
+                  </a:cubicBezTo>
+                  <a:cubicBezTo>
+                    <a:pt x="590887" y="164098"/>
+                    <a:pt x="616210" y="168150"/>
+                    <a:pt x="622300" y="170180"/>
+                  </a:cubicBezTo>
+                  <a:cubicBezTo>
+                    <a:pt x="627380" y="171873"/>
+                    <a:pt x="632258" y="174380"/>
+                    <a:pt x="637540" y="175260"/>
+                  </a:cubicBezTo>
+                  <a:cubicBezTo>
+                    <a:pt x="642620" y="176107"/>
+                    <a:pt x="647784" y="176551"/>
+                    <a:pt x="652780" y="177800"/>
+                  </a:cubicBezTo>
+                  <a:cubicBezTo>
+                    <a:pt x="657975" y="179099"/>
+                    <a:pt x="662940" y="181187"/>
+                    <a:pt x="668020" y="182880"/>
+                  </a:cubicBezTo>
+                  <a:cubicBezTo>
+                    <a:pt x="674549" y="185056"/>
+                    <a:pt x="678783" y="186684"/>
+                    <a:pt x="685800" y="187960"/>
+                  </a:cubicBezTo>
+                  <a:cubicBezTo>
+                    <a:pt x="691690" y="189031"/>
+                    <a:pt x="697675" y="189516"/>
+                    <a:pt x="703580" y="190500"/>
+                  </a:cubicBezTo>
+                  <a:cubicBezTo>
+                    <a:pt x="707838" y="191210"/>
+                    <a:pt x="712001" y="192469"/>
+                    <a:pt x="716280" y="193040"/>
+                  </a:cubicBezTo>
+                  <a:cubicBezTo>
+                    <a:pt x="724714" y="194165"/>
+                    <a:pt x="733246" y="194455"/>
+                    <a:pt x="741680" y="195580"/>
+                  </a:cubicBezTo>
+                  <a:cubicBezTo>
+                    <a:pt x="769125" y="199239"/>
+                    <a:pt x="742768" y="196386"/>
+                    <a:pt x="762000" y="200660"/>
+                  </a:cubicBezTo>
+                  <a:cubicBezTo>
+                    <a:pt x="767027" y="201777"/>
+                    <a:pt x="772244" y="201951"/>
+                    <a:pt x="777240" y="203200"/>
+                  </a:cubicBezTo>
+                  <a:cubicBezTo>
+                    <a:pt x="782435" y="204499"/>
+                    <a:pt x="787400" y="206587"/>
+                    <a:pt x="792480" y="208280"/>
+                  </a:cubicBezTo>
+                  <a:lnTo>
+                    <a:pt x="807720" y="213360"/>
+                  </a:lnTo>
+                  <a:cubicBezTo>
+                    <a:pt x="835510" y="222623"/>
+                    <a:pt x="793417" y="207850"/>
+                    <a:pt x="822960" y="220980"/>
+                  </a:cubicBezTo>
+                  <a:cubicBezTo>
+                    <a:pt x="827853" y="223155"/>
+                    <a:pt x="832949" y="225010"/>
+                    <a:pt x="838200" y="226060"/>
+                  </a:cubicBezTo>
+                  <a:cubicBezTo>
+                    <a:pt x="842433" y="226907"/>
+                    <a:pt x="846712" y="227553"/>
+                    <a:pt x="850900" y="228600"/>
+                  </a:cubicBezTo>
+                  <a:cubicBezTo>
+                    <a:pt x="859856" y="230839"/>
+                    <a:pt x="858499" y="232323"/>
+                    <a:pt x="868680" y="233680"/>
+                  </a:cubicBezTo>
+                  <a:cubicBezTo>
+                    <a:pt x="877950" y="234916"/>
+                    <a:pt x="887315" y="235289"/>
+                    <a:pt x="896620" y="236220"/>
+                  </a:cubicBezTo>
+                  <a:cubicBezTo>
+                    <a:pt x="903667" y="236925"/>
+                    <a:pt x="925978" y="239114"/>
+                    <a:pt x="934720" y="241300"/>
+                  </a:cubicBezTo>
+                  <a:cubicBezTo>
+                    <a:pt x="939915" y="242599"/>
+                    <a:pt x="949960" y="246380"/>
+                    <a:pt x="949960" y="246380"/>
+                  </a:cubicBezTo>
+                  <a:cubicBezTo>
+                    <a:pt x="972820" y="245533"/>
+                    <a:pt x="995715" y="245362"/>
+                    <a:pt x="1018540" y="243840"/>
+                  </a:cubicBezTo>
+                  <a:cubicBezTo>
+                    <a:pt x="1021211" y="243662"/>
+                    <a:pt x="1023765" y="242497"/>
+                    <a:pt x="1026160" y="241300"/>
+                  </a:cubicBezTo>
+                  <a:cubicBezTo>
+                    <a:pt x="1028890" y="239935"/>
+                    <a:pt x="1031240" y="237913"/>
+                    <a:pt x="1033780" y="236220"/>
+                  </a:cubicBezTo>
+                  <a:cubicBezTo>
+                    <a:pt x="1030483" y="209842"/>
+                    <a:pt x="1035026" y="221580"/>
+                    <a:pt x="1021080" y="200660"/>
+                  </a:cubicBezTo>
+                  <a:cubicBezTo>
+                    <a:pt x="1019387" y="198120"/>
+                    <a:pt x="1018896" y="194005"/>
+                    <a:pt x="1016000" y="193040"/>
+                  </a:cubicBezTo>
+                  <a:lnTo>
+                    <a:pt x="1000760" y="187960"/>
+                  </a:lnTo>
+                  <a:cubicBezTo>
+                    <a:pt x="999067" y="185420"/>
+                    <a:pt x="998269" y="181958"/>
+                    <a:pt x="995680" y="180340"/>
+                  </a:cubicBezTo>
+                  <a:cubicBezTo>
+                    <a:pt x="991139" y="177502"/>
+                    <a:pt x="985520" y="176953"/>
+                    <a:pt x="980440" y="175260"/>
+                  </a:cubicBezTo>
+                  <a:cubicBezTo>
+                    <a:pt x="977900" y="174413"/>
+                    <a:pt x="975048" y="174205"/>
+                    <a:pt x="972820" y="172720"/>
+                  </a:cubicBezTo>
+                  <a:cubicBezTo>
+                    <a:pt x="970280" y="171027"/>
+                    <a:pt x="967930" y="169005"/>
+                    <a:pt x="965200" y="167640"/>
+                  </a:cubicBezTo>
+                  <a:cubicBezTo>
+                    <a:pt x="962805" y="166443"/>
+                    <a:pt x="959920" y="166400"/>
+                    <a:pt x="957580" y="165100"/>
+                  </a:cubicBezTo>
+                  <a:cubicBezTo>
+                    <a:pt x="952243" y="162135"/>
+                    <a:pt x="948132" y="156871"/>
+                    <a:pt x="942340" y="154940"/>
+                  </a:cubicBezTo>
+                  <a:cubicBezTo>
+                    <a:pt x="939800" y="154093"/>
+                    <a:pt x="937115" y="153597"/>
+                    <a:pt x="934720" y="152400"/>
+                  </a:cubicBezTo>
+                  <a:cubicBezTo>
+                    <a:pt x="931990" y="151035"/>
+                    <a:pt x="929906" y="148523"/>
+                    <a:pt x="927100" y="147320"/>
+                  </a:cubicBezTo>
+                  <a:cubicBezTo>
+                    <a:pt x="923891" y="145945"/>
+                    <a:pt x="920327" y="145627"/>
+                    <a:pt x="916940" y="144780"/>
+                  </a:cubicBezTo>
+                  <a:cubicBezTo>
+                    <a:pt x="914400" y="143087"/>
+                    <a:pt x="912126" y="140903"/>
+                    <a:pt x="909320" y="139700"/>
+                  </a:cubicBezTo>
+                  <a:cubicBezTo>
+                    <a:pt x="906111" y="138325"/>
+                    <a:pt x="902517" y="138119"/>
+                    <a:pt x="899160" y="137160"/>
+                  </a:cubicBezTo>
+                  <a:cubicBezTo>
+                    <a:pt x="881652" y="132158"/>
+                    <a:pt x="903803" y="136664"/>
+                    <a:pt x="876300" y="132080"/>
+                  </a:cubicBezTo>
+                  <a:cubicBezTo>
+                    <a:pt x="873760" y="130387"/>
+                    <a:pt x="871410" y="128365"/>
+                    <a:pt x="868680" y="127000"/>
+                  </a:cubicBezTo>
+                  <a:cubicBezTo>
+                    <a:pt x="866285" y="125803"/>
+                    <a:pt x="863634" y="125196"/>
+                    <a:pt x="861060" y="124460"/>
+                  </a:cubicBezTo>
+                  <a:cubicBezTo>
+                    <a:pt x="852690" y="122069"/>
+                    <a:pt x="846930" y="121126"/>
+                    <a:pt x="838200" y="119380"/>
+                  </a:cubicBezTo>
+                  <a:cubicBezTo>
+                    <a:pt x="834813" y="117687"/>
+                    <a:pt x="831556" y="115706"/>
+                    <a:pt x="828040" y="114300"/>
+                  </a:cubicBezTo>
+                  <a:cubicBezTo>
+                    <a:pt x="823068" y="112311"/>
+                    <a:pt x="817880" y="110913"/>
+                    <a:pt x="812800" y="109220"/>
+                  </a:cubicBezTo>
+                  <a:lnTo>
+                    <a:pt x="797560" y="104140"/>
+                  </a:lnTo>
+                  <a:lnTo>
+                    <a:pt x="782320" y="99060"/>
+                  </a:lnTo>
+                  <a:cubicBezTo>
+                    <a:pt x="779780" y="98213"/>
+                    <a:pt x="776928" y="98005"/>
+                    <a:pt x="774700" y="96520"/>
+                  </a:cubicBezTo>
+                  <a:cubicBezTo>
+                    <a:pt x="752862" y="81961"/>
+                    <a:pt x="780492" y="99416"/>
+                    <a:pt x="759460" y="88900"/>
+                  </a:cubicBezTo>
+                  <a:cubicBezTo>
+                    <a:pt x="756730" y="87535"/>
+                    <a:pt x="754698" y="84892"/>
+                    <a:pt x="751840" y="83820"/>
+                  </a:cubicBezTo>
+                  <a:cubicBezTo>
+                    <a:pt x="747798" y="82304"/>
+                    <a:pt x="743305" y="82416"/>
+                    <a:pt x="739140" y="81280"/>
+                  </a:cubicBezTo>
+                  <a:cubicBezTo>
+                    <a:pt x="733974" y="79871"/>
+                    <a:pt x="728980" y="77893"/>
+                    <a:pt x="723900" y="76200"/>
+                  </a:cubicBezTo>
+                  <a:cubicBezTo>
+                    <a:pt x="721360" y="75353"/>
+                    <a:pt x="718675" y="74857"/>
+                    <a:pt x="716280" y="73660"/>
+                  </a:cubicBezTo>
+                  <a:cubicBezTo>
+                    <a:pt x="712893" y="71967"/>
+                    <a:pt x="709793" y="69498"/>
+                    <a:pt x="706120" y="68580"/>
+                  </a:cubicBezTo>
+                  <a:cubicBezTo>
+                    <a:pt x="699498" y="66924"/>
+                    <a:pt x="692573" y="66887"/>
+                    <a:pt x="685800" y="66040"/>
+                  </a:cubicBezTo>
+                  <a:cubicBezTo>
+                    <a:pt x="668954" y="60425"/>
+                    <a:pt x="675915" y="60960"/>
+                    <a:pt x="665480" y="60960"/>
+                  </a:cubicBezTo>
+                </a:path>
+              </a:pathLst>
+            </a:custGeom>
             <a:noFill/>
-          </a:ln>
-        </p:spPr>
-        <p:style>
-          <a:lnRef idx="2">
-            <a:schemeClr val="accent1">
-              <a:shade val="50000"/>
-            </a:schemeClr>
-          </a:lnRef>
-          <a:fillRef idx="1">
-            <a:schemeClr val="accent1"/>
-          </a:fillRef>
-          <a:effectRef idx="0">
-            <a:schemeClr val="accent1"/>
-          </a:effectRef>
-          <a:fontRef idx="minor">
-            <a:schemeClr val="lt1"/>
-          </a:fontRef>
-        </p:style>
-        <p:txBody>
-          <a:bodyPr rtlCol="0" anchor="ctr"/>
-          <a:lstStyle/>
-          <a:p>
-            <a:pPr algn="ctr"/>
-            <a:endParaRPr lang="pt-BR"/>
-          </a:p>
-        </p:txBody>
-      </p:sp>
-      <p:sp>
-        <p:nvSpPr>
-          <p:cNvPr id="12" name="Forma livre 11"/>
-          <p:cNvSpPr/>
-          <p:nvPr/>
-        </p:nvSpPr>
-        <p:spPr>
-          <a:xfrm>
-            <a:off x="4800804" y="3307157"/>
-            <a:ext cx="542086" cy="713147"/>
-          </a:xfrm>
-          <a:custGeom>
-            <a:avLst/>
-            <a:gdLst>
-              <a:gd name="connsiteX0" fmla="*/ 22678 w 3560062"/>
-              <a:gd name="connsiteY0" fmla="*/ 2794047 h 4494648"/>
-              <a:gd name="connsiteX1" fmla="*/ 73478 w 3560062"/>
-              <a:gd name="connsiteY1" fmla="*/ 3454447 h 4494648"/>
-              <a:gd name="connsiteX2" fmla="*/ 479878 w 3560062"/>
-              <a:gd name="connsiteY2" fmla="*/ 4165647 h 4494648"/>
-              <a:gd name="connsiteX3" fmla="*/ 1267278 w 3560062"/>
-              <a:gd name="connsiteY3" fmla="*/ 4419647 h 4494648"/>
-              <a:gd name="connsiteX4" fmla="*/ 2702378 w 3560062"/>
-              <a:gd name="connsiteY4" fmla="*/ 4394247 h 4494648"/>
-              <a:gd name="connsiteX5" fmla="*/ 3553278 w 3560062"/>
-              <a:gd name="connsiteY5" fmla="*/ 3302047 h 4494648"/>
-              <a:gd name="connsiteX6" fmla="*/ 3096078 w 3560062"/>
-              <a:gd name="connsiteY6" fmla="*/ 1257347 h 4494648"/>
-              <a:gd name="connsiteX7" fmla="*/ 2994478 w 3560062"/>
-              <a:gd name="connsiteY7" fmla="*/ 1397047 h 4494648"/>
-              <a:gd name="connsiteX8" fmla="*/ 2702378 w 3560062"/>
-              <a:gd name="connsiteY8" fmla="*/ 1651047 h 4494648"/>
-              <a:gd name="connsiteX9" fmla="*/ 2334078 w 3560062"/>
-              <a:gd name="connsiteY9" fmla="*/ 1460547 h 4494648"/>
-              <a:gd name="connsiteX10" fmla="*/ 2168978 w 3560062"/>
-              <a:gd name="connsiteY10" fmla="*/ 520747 h 4494648"/>
-              <a:gd name="connsiteX11" fmla="*/ 1699078 w 3560062"/>
-              <a:gd name="connsiteY11" fmla="*/ 47 h 4494648"/>
-              <a:gd name="connsiteX12" fmla="*/ 1686378 w 3560062"/>
-              <a:gd name="connsiteY12" fmla="*/ 546147 h 4494648"/>
-              <a:gd name="connsiteX13" fmla="*/ 1305378 w 3560062"/>
-              <a:gd name="connsiteY13" fmla="*/ 1282747 h 4494648"/>
-              <a:gd name="connsiteX14" fmla="*/ 898978 w 3560062"/>
-              <a:gd name="connsiteY14" fmla="*/ 1333547 h 4494648"/>
-              <a:gd name="connsiteX15" fmla="*/ 619578 w 3560062"/>
-              <a:gd name="connsiteY15" fmla="*/ 990647 h 4494648"/>
-              <a:gd name="connsiteX16" fmla="*/ 454478 w 3560062"/>
-              <a:gd name="connsiteY16" fmla="*/ 1498647 h 4494648"/>
-              <a:gd name="connsiteX17" fmla="*/ 657678 w 3560062"/>
-              <a:gd name="connsiteY17" fmla="*/ 2298747 h 4494648"/>
-              <a:gd name="connsiteX18" fmla="*/ 594178 w 3560062"/>
-              <a:gd name="connsiteY18" fmla="*/ 2832147 h 4494648"/>
-              <a:gd name="connsiteX19" fmla="*/ 327478 w 3560062"/>
-              <a:gd name="connsiteY19" fmla="*/ 2895647 h 4494648"/>
-              <a:gd name="connsiteX20" fmla="*/ 22678 w 3560062"/>
-              <a:gd name="connsiteY20" fmla="*/ 2794047 h 4494648"/>
-            </a:gdLst>
-            <a:ahLst/>
-            <a:cxnLst>
-              <a:cxn ang="0">
-                <a:pos x="connsiteX0" y="connsiteY0"/>
-              </a:cxn>
-              <a:cxn ang="0">
-                <a:pos x="connsiteX1" y="connsiteY1"/>
-              </a:cxn>
-              <a:cxn ang="0">
-                <a:pos x="connsiteX2" y="connsiteY2"/>
-              </a:cxn>
-              <a:cxn ang="0">
-                <a:pos x="connsiteX3" y="connsiteY3"/>
-              </a:cxn>
-              <a:cxn ang="0">
-                <a:pos x="connsiteX4" y="connsiteY4"/>
-              </a:cxn>
-              <a:cxn ang="0">
-                <a:pos x="connsiteX5" y="connsiteY5"/>
-              </a:cxn>
-              <a:cxn ang="0">
-                <a:pos x="connsiteX6" y="connsiteY6"/>
-              </a:cxn>
-              <a:cxn ang="0">
-                <a:pos x="connsiteX7" y="connsiteY7"/>
-              </a:cxn>
-              <a:cxn ang="0">
-                <a:pos x="connsiteX8" y="connsiteY8"/>
-              </a:cxn>
-              <a:cxn ang="0">
-                <a:pos x="connsiteX9" y="connsiteY9"/>
-              </a:cxn>
-              <a:cxn ang="0">
-                <a:pos x="connsiteX10" y="connsiteY10"/>
-              </a:cxn>
-              <a:cxn ang="0">
-                <a:pos x="connsiteX11" y="connsiteY11"/>
-              </a:cxn>
-              <a:cxn ang="0">
-                <a:pos x="connsiteX12" y="connsiteY12"/>
-              </a:cxn>
-              <a:cxn ang="0">
-                <a:pos x="connsiteX13" y="connsiteY13"/>
-              </a:cxn>
-              <a:cxn ang="0">
-                <a:pos x="connsiteX14" y="connsiteY14"/>
-              </a:cxn>
-              <a:cxn ang="0">
-                <a:pos x="connsiteX15" y="connsiteY15"/>
-              </a:cxn>
-              <a:cxn ang="0">
-                <a:pos x="connsiteX16" y="connsiteY16"/>
-              </a:cxn>
-              <a:cxn ang="0">
-                <a:pos x="connsiteX17" y="connsiteY17"/>
-              </a:cxn>
-              <a:cxn ang="0">
-                <a:pos x="connsiteX18" y="connsiteY18"/>
-              </a:cxn>
-              <a:cxn ang="0">
-                <a:pos x="connsiteX19" y="connsiteY19"/>
-              </a:cxn>
-              <a:cxn ang="0">
-                <a:pos x="connsiteX20" y="connsiteY20"/>
-              </a:cxn>
-            </a:cxnLst>
-            <a:rect l="l" t="t" r="r" b="b"/>
-            <a:pathLst>
-              <a:path w="3560062" h="4494648">
-                <a:moveTo>
-                  <a:pt x="22678" y="2794047"/>
-                </a:moveTo>
-                <a:cubicBezTo>
-                  <a:pt x="-19655" y="2887180"/>
-                  <a:pt x="-2722" y="3225847"/>
-                  <a:pt x="73478" y="3454447"/>
-                </a:cubicBezTo>
-                <a:cubicBezTo>
-                  <a:pt x="149678" y="3683047"/>
-                  <a:pt x="280911" y="4004780"/>
-                  <a:pt x="479878" y="4165647"/>
-                </a:cubicBezTo>
-                <a:cubicBezTo>
-                  <a:pt x="678845" y="4326514"/>
-                  <a:pt x="896861" y="4381547"/>
-                  <a:pt x="1267278" y="4419647"/>
-                </a:cubicBezTo>
-                <a:cubicBezTo>
-                  <a:pt x="1637695" y="4457747"/>
-                  <a:pt x="2321378" y="4580514"/>
-                  <a:pt x="2702378" y="4394247"/>
-                </a:cubicBezTo>
-                <a:cubicBezTo>
-                  <a:pt x="3083378" y="4207980"/>
-                  <a:pt x="3487661" y="3824864"/>
-                  <a:pt x="3553278" y="3302047"/>
-                </a:cubicBezTo>
-                <a:cubicBezTo>
-                  <a:pt x="3618895" y="2779230"/>
-                  <a:pt x="3189211" y="1574847"/>
-                  <a:pt x="3096078" y="1257347"/>
-                </a:cubicBezTo>
-                <a:cubicBezTo>
-                  <a:pt x="3002945" y="939847"/>
-                  <a:pt x="3060095" y="1331430"/>
-                  <a:pt x="2994478" y="1397047"/>
-                </a:cubicBezTo>
-                <a:cubicBezTo>
-                  <a:pt x="2928861" y="1462664"/>
-                  <a:pt x="2812445" y="1640464"/>
-                  <a:pt x="2702378" y="1651047"/>
-                </a:cubicBezTo>
-                <a:cubicBezTo>
-                  <a:pt x="2592311" y="1661630"/>
-                  <a:pt x="2422978" y="1648930"/>
-                  <a:pt x="2334078" y="1460547"/>
-                </a:cubicBezTo>
-                <a:cubicBezTo>
-                  <a:pt x="2245178" y="1272164"/>
-                  <a:pt x="2274811" y="764164"/>
-                  <a:pt x="2168978" y="520747"/>
-                </a:cubicBezTo>
-                <a:cubicBezTo>
-                  <a:pt x="2063145" y="277330"/>
-                  <a:pt x="1779511" y="-4186"/>
-                  <a:pt x="1699078" y="47"/>
-                </a:cubicBezTo>
-                <a:cubicBezTo>
-                  <a:pt x="1618645" y="4280"/>
-                  <a:pt x="1751995" y="332364"/>
-                  <a:pt x="1686378" y="546147"/>
-                </a:cubicBezTo>
-                <a:cubicBezTo>
-                  <a:pt x="1620761" y="759930"/>
-                  <a:pt x="1436611" y="1151514"/>
-                  <a:pt x="1305378" y="1282747"/>
-                </a:cubicBezTo>
-                <a:cubicBezTo>
-                  <a:pt x="1174145" y="1413980"/>
-                  <a:pt x="1013278" y="1382230"/>
-                  <a:pt x="898978" y="1333547"/>
-                </a:cubicBezTo>
-                <a:cubicBezTo>
-                  <a:pt x="784678" y="1284864"/>
-                  <a:pt x="693661" y="963130"/>
-                  <a:pt x="619578" y="990647"/>
-                </a:cubicBezTo>
-                <a:cubicBezTo>
-                  <a:pt x="545495" y="1018164"/>
-                  <a:pt x="448128" y="1280630"/>
-                  <a:pt x="454478" y="1498647"/>
-                </a:cubicBezTo>
-                <a:cubicBezTo>
-                  <a:pt x="460828" y="1716664"/>
-                  <a:pt x="634395" y="2076497"/>
-                  <a:pt x="657678" y="2298747"/>
-                </a:cubicBezTo>
-                <a:cubicBezTo>
-                  <a:pt x="680961" y="2520997"/>
-                  <a:pt x="649211" y="2732664"/>
-                  <a:pt x="594178" y="2832147"/>
-                </a:cubicBezTo>
-                <a:cubicBezTo>
-                  <a:pt x="539145" y="2931630"/>
-                  <a:pt x="422728" y="2899880"/>
-                  <a:pt x="327478" y="2895647"/>
-                </a:cubicBezTo>
-                <a:cubicBezTo>
-                  <a:pt x="232228" y="2891414"/>
-                  <a:pt x="65011" y="2700914"/>
-                  <a:pt x="22678" y="2794047"/>
-                </a:cubicBezTo>
-                <a:close/>
-              </a:path>
-            </a:pathLst>
-          </a:custGeom>
-          <a:solidFill>
-            <a:srgbClr val="F44318"/>
-          </a:solidFill>
-          <a:ln>
-            <a:noFill/>
-          </a:ln>
-        </p:spPr>
-        <p:style>
-          <a:lnRef idx="2">
-            <a:schemeClr val="accent1">
-              <a:shade val="50000"/>
-            </a:schemeClr>
-          </a:lnRef>
-          <a:fillRef idx="1">
-            <a:schemeClr val="accent1"/>
-          </a:fillRef>
-          <a:effectRef idx="0">
-            <a:schemeClr val="accent1"/>
-          </a:effectRef>
-          <a:fontRef idx="minor">
-            <a:schemeClr val="lt1"/>
-          </a:fontRef>
-        </p:style>
-        <p:txBody>
-          <a:bodyPr rtlCol="0" anchor="ctr"/>
-          <a:lstStyle/>
-          <a:p>
-            <a:pPr algn="ctr"/>
-            <a:endParaRPr lang="pt-BR"/>
-          </a:p>
-        </p:txBody>
-      </p:sp>
+            <a:ln w="57150">
+              <a:solidFill>
+                <a:schemeClr val="tx1">
+                  <a:lumMod val="95000"/>
+                  <a:lumOff val="5000"/>
+                </a:schemeClr>
+              </a:solidFill>
+            </a:ln>
+          </p:spPr>
+          <p:style>
+            <a:lnRef idx="2">
+              <a:schemeClr val="accent1">
+                <a:shade val="50000"/>
+              </a:schemeClr>
+            </a:lnRef>
+            <a:fillRef idx="1">
+              <a:schemeClr val="accent1"/>
+            </a:fillRef>
+            <a:effectRef idx="0">
+              <a:schemeClr val="accent1"/>
+            </a:effectRef>
+            <a:fontRef idx="minor">
+              <a:schemeClr val="lt1"/>
+            </a:fontRef>
+          </p:style>
+          <p:txBody>
+            <a:bodyPr rtlCol="0" anchor="ctr"/>
+            <a:lstStyle/>
+            <a:p>
+              <a:pPr algn="ctr"/>
+              <a:endParaRPr lang="pt-BR"/>
+            </a:p>
+          </p:txBody>
+        </p:sp>
+        <p:sp>
+          <p:nvSpPr>
+            <p:cNvPr id="21" name="Elipse 20">
+              <a:extLst>
+                <a:ext uri="{FF2B5EF4-FFF2-40B4-BE49-F238E27FC236}">
+                  <a16:creationId xmlns:a16="http://schemas.microsoft.com/office/drawing/2014/main" id="{E5E30938-21AA-4DE4-BFC6-7CD515FFF04A}"/>
+                </a:ext>
+              </a:extLst>
+            </p:cNvPr>
+            <p:cNvSpPr/>
+            <p:nvPr/>
+          </p:nvSpPr>
+          <p:spPr>
+            <a:xfrm>
+              <a:off x="5114981" y="2540663"/>
+              <a:ext cx="144000" cy="168257"/>
+            </a:xfrm>
+            <a:prstGeom prst="ellipse">
+              <a:avLst/>
+            </a:prstGeom>
+            <a:solidFill>
+              <a:schemeClr val="tx1"/>
+            </a:solidFill>
+            <a:ln>
+              <a:solidFill>
+                <a:schemeClr val="tx1">
+                  <a:lumMod val="95000"/>
+                  <a:lumOff val="5000"/>
+                </a:schemeClr>
+              </a:solidFill>
+            </a:ln>
+          </p:spPr>
+          <p:style>
+            <a:lnRef idx="2">
+              <a:schemeClr val="accent1">
+                <a:shade val="50000"/>
+              </a:schemeClr>
+            </a:lnRef>
+            <a:fillRef idx="1">
+              <a:schemeClr val="accent1"/>
+            </a:fillRef>
+            <a:effectRef idx="0">
+              <a:schemeClr val="accent1"/>
+            </a:effectRef>
+            <a:fontRef idx="minor">
+              <a:schemeClr val="lt1"/>
+            </a:fontRef>
+          </p:style>
+          <p:txBody>
+            <a:bodyPr rtlCol="0" anchor="ctr"/>
+            <a:lstStyle/>
+            <a:p>
+              <a:pPr algn="ctr"/>
+              <a:endParaRPr lang="pt-BR"/>
+            </a:p>
+          </p:txBody>
+        </p:sp>
+      </p:grpSp>
     </p:spTree>
     <p:extLst>
       <p:ext uri="{BB962C8B-B14F-4D97-AF65-F5344CB8AC3E}">
@@ -10250,13 +14538,6 @@
   <p:clrMapOvr>
     <a:masterClrMapping/>
   </p:clrMapOvr>
-  <p:timing>
-    <p:tnLst>
-      <p:par>
-        <p:cTn id="1" dur="indefinite" restart="never" nodeType="tmRoot"/>
-      </p:par>
-    </p:tnLst>
-  </p:timing>
 </p:sld>
 </file>
 
